--- a/Producer and Consumer in Java.pptx
+++ b/Producer and Consumer in Java.pptx
@@ -27,24 +27,24 @@
     <p:sldId id="336" r:id="rId15"/>
     <p:sldId id="298" r:id="rId16"/>
     <p:sldId id="299" r:id="rId17"/>
-    <p:sldId id="339" r:id="rId18"/>
-    <p:sldId id="330" r:id="rId19"/>
-    <p:sldId id="331" r:id="rId20"/>
-    <p:sldId id="344" r:id="rId21"/>
-    <p:sldId id="332" r:id="rId22"/>
-    <p:sldId id="345" r:id="rId23"/>
-    <p:sldId id="346" r:id="rId24"/>
-    <p:sldId id="301" r:id="rId25"/>
-    <p:sldId id="302" r:id="rId26"/>
-    <p:sldId id="282" r:id="rId27"/>
-    <p:sldId id="303" r:id="rId28"/>
-    <p:sldId id="304" r:id="rId29"/>
-    <p:sldId id="347" r:id="rId30"/>
-    <p:sldId id="305" r:id="rId31"/>
-    <p:sldId id="306" r:id="rId32"/>
-    <p:sldId id="293" r:id="rId33"/>
-    <p:sldId id="287" r:id="rId34"/>
-    <p:sldId id="324" r:id="rId35"/>
+    <p:sldId id="330" r:id="rId18"/>
+    <p:sldId id="331" r:id="rId19"/>
+    <p:sldId id="344" r:id="rId20"/>
+    <p:sldId id="332" r:id="rId21"/>
+    <p:sldId id="345" r:id="rId22"/>
+    <p:sldId id="346" r:id="rId23"/>
+    <p:sldId id="301" r:id="rId24"/>
+    <p:sldId id="302" r:id="rId25"/>
+    <p:sldId id="282" r:id="rId26"/>
+    <p:sldId id="303" r:id="rId27"/>
+    <p:sldId id="304" r:id="rId28"/>
+    <p:sldId id="347" r:id="rId29"/>
+    <p:sldId id="305" r:id="rId30"/>
+    <p:sldId id="306" r:id="rId31"/>
+    <p:sldId id="293" r:id="rId32"/>
+    <p:sldId id="287" r:id="rId33"/>
+    <p:sldId id="324" r:id="rId34"/>
+    <p:sldId id="339" r:id="rId35"/>
     <p:sldId id="261" r:id="rId36"/>
   </p:sldIdLst>
   <p:sldSz cx="12192000" cy="6858000"/>
@@ -2335,172 +2335,6 @@
           <a:bodyPr/>
           <a:lstStyle/>
           <a:p>
-            <a:r>
-              <a:rPr lang="zh-CN" altLang="en-US" dirty="0"/>
-              <a:t>原理</a:t>
-            </a:r>
-            <a:endParaRPr lang="en-US" altLang="zh-CN" dirty="0"/>
-          </a:p>
-          <a:p>
-            <a:pPr lvl="1"/>
-            <a:r>
-              <a:rPr lang="zh-CN" altLang="en-US" dirty="0"/>
-              <a:t>生产者和消费者线程对</a:t>
-            </a:r>
-            <a:r>
-              <a:rPr lang="en-US" altLang="zh-CN" dirty="0"/>
-              <a:t>Lock</a:t>
-            </a:r>
-            <a:r>
-              <a:rPr lang="zh-CN" altLang="en-US" dirty="0"/>
-              <a:t>对象进行锁定竞争</a:t>
-            </a:r>
-            <a:endParaRPr lang="en-US" altLang="zh-CN" dirty="0"/>
-          </a:p>
-          <a:p>
-            <a:pPr lvl="2"/>
-            <a:r>
-              <a:rPr lang="en-US" dirty="0" err="1"/>
-              <a:t>Lock.lock</a:t>
-            </a:r>
-            <a:r>
-              <a:rPr lang="en-US" dirty="0"/>
-              <a:t>() </a:t>
-            </a:r>
-            <a:r>
-              <a:rPr lang="zh-CN" altLang="en-US" dirty="0"/>
-              <a:t>锁定</a:t>
-            </a:r>
-            <a:r>
-              <a:rPr lang="en-US" altLang="zh-CN" dirty="0"/>
-              <a:t>(</a:t>
-            </a:r>
-            <a:r>
-              <a:rPr lang="zh-CN" altLang="en-US" dirty="0">
-                <a:solidFill>
-                  <a:srgbClr val="00B0F0"/>
-                </a:solidFill>
-              </a:rPr>
-              <a:t>或超时</a:t>
-            </a:r>
-            <a:r>
-              <a:rPr lang="en-US" altLang="zh-CN" dirty="0"/>
-              <a:t>)</a:t>
-            </a:r>
-          </a:p>
-          <a:p>
-            <a:pPr lvl="2"/>
-            <a:r>
-              <a:rPr lang="zh-CN" altLang="en-US" dirty="0">
-                <a:solidFill>
-                  <a:srgbClr val="00B0F0"/>
-                </a:solidFill>
-              </a:rPr>
-              <a:t>可使用</a:t>
-            </a:r>
-            <a:r>
-              <a:rPr lang="en-US" dirty="0">
-                <a:solidFill>
-                  <a:srgbClr val="00B0F0"/>
-                </a:solidFill>
-              </a:rPr>
-              <a:t>Multiple  Condition Objects</a:t>
-            </a:r>
-            <a:r>
-              <a:rPr lang="zh-CN" altLang="en-US" dirty="0">
-                <a:solidFill>
-                  <a:srgbClr val="00B0F0"/>
-                </a:solidFill>
-              </a:rPr>
-              <a:t>实现精确唤醒控制</a:t>
-            </a:r>
-            <a:endParaRPr lang="en-US" dirty="0">
-              <a:solidFill>
-                <a:srgbClr val="00B0F0"/>
-              </a:solidFill>
-            </a:endParaRPr>
-          </a:p>
-          <a:p>
-            <a:pPr lvl="2"/>
-            <a:r>
-              <a:rPr lang="en-US" dirty="0" err="1"/>
-              <a:t>Condition.await</a:t>
-            </a:r>
-            <a:r>
-              <a:rPr lang="en-US" dirty="0"/>
-              <a:t>()    </a:t>
-            </a:r>
-            <a:r>
-              <a:rPr lang="zh-CN" altLang="en-US" dirty="0"/>
-              <a:t>释放锁定</a:t>
-            </a:r>
-            <a:r>
-              <a:rPr lang="en-US" altLang="zh-CN" dirty="0"/>
-              <a:t>-&gt;</a:t>
-            </a:r>
-            <a:r>
-              <a:rPr lang="zh-CN" altLang="en-US" dirty="0"/>
-              <a:t>等待被</a:t>
-            </a:r>
-            <a:r>
-              <a:rPr lang="en-US" altLang="zh-CN" dirty="0"/>
-              <a:t>Signal(</a:t>
-            </a:r>
-            <a:r>
-              <a:rPr lang="zh-CN" altLang="en-US" dirty="0"/>
-              <a:t>或超时</a:t>
-            </a:r>
-            <a:r>
-              <a:rPr lang="en-US" altLang="zh-CN" dirty="0"/>
-              <a:t>)-&gt;</a:t>
-            </a:r>
-            <a:r>
-              <a:rPr lang="zh-CN" altLang="en-US" dirty="0"/>
-              <a:t>竞争并重新获得锁定</a:t>
-            </a:r>
-            <a:endParaRPr lang="en-US" dirty="0"/>
-          </a:p>
-          <a:p>
-            <a:pPr lvl="2"/>
-            <a:r>
-              <a:rPr lang="en-US" dirty="0"/>
-              <a:t>Condition. signal() </a:t>
-            </a:r>
-            <a:r>
-              <a:rPr lang="zh-CN" altLang="en-US" dirty="0"/>
-              <a:t>唤醒处于锁等待状态的线程</a:t>
-            </a:r>
-            <a:r>
-              <a:rPr lang="en-US" altLang="zh-CN" dirty="0"/>
-              <a:t>(</a:t>
-            </a:r>
-            <a:r>
-              <a:rPr lang="en-US" dirty="0">
-                <a:solidFill>
-                  <a:srgbClr val="00B0F0"/>
-                </a:solidFill>
-              </a:rPr>
-              <a:t>Non-fair/Fair</a:t>
-            </a:r>
-            <a:r>
-              <a:rPr lang="en-US" altLang="zh-CN" dirty="0"/>
-              <a:t>)</a:t>
-            </a:r>
-            <a:r>
-              <a:rPr lang="en-US" dirty="0"/>
-              <a:t> </a:t>
-            </a:r>
-          </a:p>
-          <a:p>
-            <a:endParaRPr lang="en-US" dirty="0"/>
-          </a:p>
-          <a:p>
-            <a:r>
-              <a:rPr lang="en-US" dirty="0"/>
-              <a:t>Demo</a:t>
-            </a:r>
-          </a:p>
-          <a:p>
             <a:endParaRPr lang="en-US" dirty="0"/>
           </a:p>
         </p:txBody>
@@ -2601,7 +2435,7 @@
     </p:spTree>
     <p:extLst>
       <p:ext uri="{BB962C8B-B14F-4D97-AF65-F5344CB8AC3E}">
-        <p14:creationId xmlns:p14="http://schemas.microsoft.com/office/powerpoint/2010/main" val="4101323277"/>
+        <p14:creationId xmlns:p14="http://schemas.microsoft.com/office/powerpoint/2010/main" val="2517068048"/>
       </p:ext>
     </p:extLst>
   </p:cSld>
@@ -2755,7 +2589,7 @@
     </p:spTree>
     <p:extLst>
       <p:ext uri="{BB962C8B-B14F-4D97-AF65-F5344CB8AC3E}">
-        <p14:creationId xmlns:p14="http://schemas.microsoft.com/office/powerpoint/2010/main" val="2517068048"/>
+        <p14:creationId xmlns:p14="http://schemas.microsoft.com/office/powerpoint/2010/main" val="3107932752"/>
       </p:ext>
     </p:extLst>
   </p:cSld>
@@ -2909,7 +2743,7 @@
     </p:spTree>
     <p:extLst>
       <p:ext uri="{BB962C8B-B14F-4D97-AF65-F5344CB8AC3E}">
-        <p14:creationId xmlns:p14="http://schemas.microsoft.com/office/powerpoint/2010/main" val="3107932752"/>
+        <p14:creationId xmlns:p14="http://schemas.microsoft.com/office/powerpoint/2010/main" val="520374065"/>
       </p:ext>
     </p:extLst>
   </p:cSld>
@@ -3063,7 +2897,7 @@
     </p:spTree>
     <p:extLst>
       <p:ext uri="{BB962C8B-B14F-4D97-AF65-F5344CB8AC3E}">
-        <p14:creationId xmlns:p14="http://schemas.microsoft.com/office/powerpoint/2010/main" val="520374065"/>
+        <p14:creationId xmlns:p14="http://schemas.microsoft.com/office/powerpoint/2010/main" val="737557044"/>
       </p:ext>
     </p:extLst>
   </p:cSld>
@@ -3370,7 +3204,7 @@
     </p:spTree>
     <p:extLst>
       <p:ext uri="{BB962C8B-B14F-4D97-AF65-F5344CB8AC3E}">
-        <p14:creationId xmlns:p14="http://schemas.microsoft.com/office/powerpoint/2010/main" val="737557044"/>
+        <p14:creationId xmlns:p14="http://schemas.microsoft.com/office/powerpoint/2010/main" val="3622457120"/>
       </p:ext>
     </p:extLst>
   </p:cSld>
@@ -3524,7 +3358,7 @@
     </p:spTree>
     <p:extLst>
       <p:ext uri="{BB962C8B-B14F-4D97-AF65-F5344CB8AC3E}">
-        <p14:creationId xmlns:p14="http://schemas.microsoft.com/office/powerpoint/2010/main" val="3622457120"/>
+        <p14:creationId xmlns:p14="http://schemas.microsoft.com/office/powerpoint/2010/main" val="3917711415"/>
       </p:ext>
     </p:extLst>
   </p:cSld>
@@ -3578,8 +3412,94 @@
           <a:bodyPr/>
           <a:lstStyle/>
           <a:p>
+            <a:r>
+              <a:rPr lang="zh-CN" altLang="en-US" dirty="0"/>
+              <a:t>基础设施</a:t>
+            </a:r>
+            <a:endParaRPr lang="en-US" altLang="zh-CN" dirty="0"/>
+          </a:p>
+          <a:p>
+            <a:pPr lvl="1"/>
+            <a:r>
+              <a:rPr lang="en-US" dirty="0" err="1"/>
+              <a:t>BlockingQueue</a:t>
+            </a:r>
             <a:endParaRPr lang="en-US" dirty="0"/>
           </a:p>
+          <a:p>
+            <a:pPr lvl="2"/>
+            <a:r>
+              <a:rPr lang="en-US" altLang="zh-CN" dirty="0" err="1"/>
+              <a:t>LinkedBlockingDeque</a:t>
+            </a:r>
+            <a:r>
+              <a:rPr lang="en-US" altLang="zh-CN" dirty="0"/>
+              <a:t>&lt;&gt;(capacity)</a:t>
+            </a:r>
+          </a:p>
+          <a:p>
+            <a:pPr lvl="3"/>
+            <a:r>
+              <a:rPr lang="en-US" altLang="zh-CN" dirty="0"/>
+              <a:t>Default capacity = </a:t>
+            </a:r>
+            <a:r>
+              <a:rPr lang="en-US" altLang="zh-CN" dirty="0" err="1"/>
+              <a:t>Integer.MAX_VALUE</a:t>
+            </a:r>
+            <a:endParaRPr lang="en-US" altLang="zh-CN" dirty="0"/>
+          </a:p>
+          <a:p>
+            <a:pPr lvl="2"/>
+            <a:r>
+              <a:rPr lang="en-US" altLang="zh-CN" dirty="0"/>
+              <a:t>put()     </a:t>
+            </a:r>
+            <a:r>
+              <a:rPr lang="zh-CN" altLang="en-US" dirty="0"/>
+              <a:t>阻塞写入对象</a:t>
+            </a:r>
+            <a:endParaRPr lang="en-US" altLang="zh-CN" dirty="0"/>
+          </a:p>
+          <a:p>
+            <a:pPr lvl="2"/>
+            <a:r>
+              <a:rPr lang="en-US" altLang="zh-CN" dirty="0"/>
+              <a:t>take()   </a:t>
+            </a:r>
+            <a:r>
+              <a:rPr lang="zh-CN" altLang="en-US" dirty="0"/>
+              <a:t>阻塞取出对象</a:t>
+            </a:r>
+            <a:endParaRPr lang="en-US" altLang="zh-CN" dirty="0"/>
+          </a:p>
+          <a:p>
+            <a:pPr marL="736600" lvl="2" indent="0">
+              <a:buNone/>
+            </a:pPr>
+            <a:endParaRPr lang="en-US" altLang="zh-CN" dirty="0"/>
+          </a:p>
+          <a:p>
+            <a:r>
+              <a:rPr lang="zh-CN" altLang="en-US" dirty="0"/>
+              <a:t>原理</a:t>
+            </a:r>
+            <a:endParaRPr lang="en-US" altLang="zh-CN" dirty="0"/>
+          </a:p>
+          <a:p>
+            <a:pPr lvl="1"/>
+            <a:r>
+              <a:rPr lang="zh-CN" altLang="en-US" dirty="0"/>
+              <a:t>阻塞队列会处理阻塞和唤醒，这样简化了设计。其内部相当于一个缓冲区，可以平衡生产者和消费者的处理能力。</a:t>
+            </a:r>
+            <a:endParaRPr lang="en-US" dirty="0"/>
+          </a:p>
+          <a:p>
+            <a:endParaRPr lang="en-US" dirty="0"/>
+          </a:p>
+          <a:p>
+            <a:endParaRPr lang="en-US" dirty="0"/>
+          </a:p>
         </p:txBody>
       </p:sp>
       <p:sp>
@@ -3589,7 +3509,7 @@
             <a:spLocks noGrp="1"/>
           </p:cNvSpPr>
           <p:nvPr>
-            <p:ph type="hdr" sz="quarter"/>
+            <p:ph type="hdr" sz="quarter" idx="10"/>
           </p:nvPr>
         </p:nvSpPr>
         <p:spPr/>
@@ -3612,7 +3532,7 @@
             <a:spLocks noGrp="1"/>
           </p:cNvSpPr>
           <p:nvPr>
-            <p:ph type="dt" idx="1"/>
+            <p:ph type="dt" idx="11"/>
           </p:nvPr>
         </p:nvSpPr>
         <p:spPr/>
@@ -3635,7 +3555,7 @@
             <a:spLocks noGrp="1"/>
           </p:cNvSpPr>
           <p:nvPr>
-            <p:ph type="ftr" sz="quarter" idx="4"/>
+            <p:ph type="ftr" sz="quarter" idx="12"/>
           </p:nvPr>
         </p:nvSpPr>
         <p:spPr/>
@@ -3658,7 +3578,7 @@
             <a:spLocks noGrp="1"/>
           </p:cNvSpPr>
           <p:nvPr>
-            <p:ph type="sldNum" sz="quarter" idx="5"/>
+            <p:ph type="sldNum" sz="quarter" idx="13"/>
           </p:nvPr>
         </p:nvSpPr>
         <p:spPr/>
@@ -3678,7 +3598,7 @@
     </p:spTree>
     <p:extLst>
       <p:ext uri="{BB962C8B-B14F-4D97-AF65-F5344CB8AC3E}">
-        <p14:creationId xmlns:p14="http://schemas.microsoft.com/office/powerpoint/2010/main" val="3917711415"/>
+        <p14:creationId xmlns:p14="http://schemas.microsoft.com/office/powerpoint/2010/main" val="3369975821"/>
       </p:ext>
     </p:extLst>
   </p:cSld>
@@ -3732,92 +3652,43 @@
           <a:bodyPr/>
           <a:lstStyle/>
           <a:p>
-            <a:r>
-              <a:rPr lang="zh-CN" altLang="en-US" dirty="0"/>
-              <a:t>基础设施</a:t>
-            </a:r>
-            <a:endParaRPr lang="en-US" altLang="zh-CN" dirty="0"/>
-          </a:p>
-          <a:p>
-            <a:pPr lvl="1"/>
-            <a:r>
-              <a:rPr lang="en-US" dirty="0" err="1"/>
-              <a:t>BlockingQueue</a:t>
-            </a:r>
+            <a:pPr marL="0" marR="0" lvl="0" indent="0" algn="l" defTabSz="914400" rtl="0" eaLnBrk="1" fontAlgn="auto" latinLnBrk="0" hangingPunct="1">
+              <a:lnSpc>
+                <a:spcPct val="100000"/>
+              </a:lnSpc>
+              <a:spcBef>
+                <a:spcPts val="0"/>
+              </a:spcBef>
+              <a:spcAft>
+                <a:spcPts val="0"/>
+              </a:spcAft>
+              <a:buClrTx/>
+              <a:buSzTx/>
+              <a:buFontTx/>
+              <a:buNone/>
+              <a:tabLst/>
+              <a:defRPr/>
+            </a:pPr>
             <a:endParaRPr lang="en-US" dirty="0"/>
           </a:p>
           <a:p>
-            <a:pPr lvl="2"/>
-            <a:r>
-              <a:rPr lang="en-US" altLang="zh-CN" dirty="0" err="1"/>
-              <a:t>LinkedBlockingDeque</a:t>
-            </a:r>
-            <a:r>
-              <a:rPr lang="en-US" altLang="zh-CN" dirty="0"/>
-              <a:t>&lt;&gt;(capacity)</a:t>
-            </a:r>
-          </a:p>
-          <a:p>
-            <a:pPr lvl="3"/>
-            <a:r>
-              <a:rPr lang="en-US" altLang="zh-CN" dirty="0"/>
-              <a:t>Default capacity = </a:t>
-            </a:r>
-            <a:r>
-              <a:rPr lang="en-US" altLang="zh-CN" dirty="0" err="1"/>
-              <a:t>Integer.MAX_VALUE</a:t>
-            </a:r>
-            <a:endParaRPr lang="en-US" altLang="zh-CN" dirty="0"/>
-          </a:p>
-          <a:p>
-            <a:pPr lvl="2"/>
-            <a:r>
-              <a:rPr lang="en-US" altLang="zh-CN" dirty="0"/>
-              <a:t>put()     </a:t>
-            </a:r>
-            <a:r>
-              <a:rPr lang="zh-CN" altLang="en-US" dirty="0"/>
-              <a:t>阻塞写入对象</a:t>
-            </a:r>
-            <a:endParaRPr lang="en-US" altLang="zh-CN" dirty="0"/>
-          </a:p>
-          <a:p>
-            <a:pPr lvl="2"/>
-            <a:r>
-              <a:rPr lang="en-US" altLang="zh-CN" dirty="0"/>
-              <a:t>take()   </a:t>
-            </a:r>
-            <a:r>
-              <a:rPr lang="zh-CN" altLang="en-US" dirty="0"/>
-              <a:t>阻塞取出对象</a:t>
-            </a:r>
-            <a:endParaRPr lang="en-US" altLang="zh-CN" dirty="0"/>
-          </a:p>
-          <a:p>
-            <a:pPr marL="736600" lvl="2" indent="0">
+            <a:pPr marL="0" marR="0" lvl="0" indent="0" algn="l" defTabSz="914400" rtl="0" eaLnBrk="1" fontAlgn="auto" latinLnBrk="0" hangingPunct="1">
+              <a:lnSpc>
+                <a:spcPct val="100000"/>
+              </a:lnSpc>
+              <a:spcBef>
+                <a:spcPts val="0"/>
+              </a:spcBef>
+              <a:spcAft>
+                <a:spcPts val="0"/>
+              </a:spcAft>
+              <a:buClrTx/>
+              <a:buSzTx/>
+              <a:buFontTx/>
               <a:buNone/>
+              <a:tabLst/>
+              <a:defRPr/>
             </a:pPr>
-            <a:endParaRPr lang="en-US" altLang="zh-CN" dirty="0"/>
-          </a:p>
-          <a:p>
-            <a:r>
-              <a:rPr lang="zh-CN" altLang="en-US" dirty="0"/>
-              <a:t>原理</a:t>
-            </a:r>
-            <a:endParaRPr lang="en-US" altLang="zh-CN" dirty="0"/>
-          </a:p>
-          <a:p>
-            <a:pPr lvl="1"/>
-            <a:r>
-              <a:rPr lang="zh-CN" altLang="en-US" dirty="0"/>
-              <a:t>阻塞队列会处理阻塞和唤醒，这样简化了设计。其内部相当于一个缓冲区，可以平衡生产者和消费者的处理能力。</a:t>
-            </a:r>
-            <a:endParaRPr lang="en-US" dirty="0"/>
-          </a:p>
-          <a:p>
-            <a:endParaRPr lang="en-US" dirty="0"/>
-          </a:p>
-          <a:p>
             <a:endParaRPr lang="en-US" dirty="0"/>
           </a:p>
         </p:txBody>
@@ -3918,7 +3789,7 @@
     </p:spTree>
     <p:extLst>
       <p:ext uri="{BB962C8B-B14F-4D97-AF65-F5344CB8AC3E}">
-        <p14:creationId xmlns:p14="http://schemas.microsoft.com/office/powerpoint/2010/main" val="3369975821"/>
+        <p14:creationId xmlns:p14="http://schemas.microsoft.com/office/powerpoint/2010/main" val="1602468649"/>
       </p:ext>
     </p:extLst>
   </p:cSld>
@@ -3972,43 +3843,6 @@
           <a:bodyPr/>
           <a:lstStyle/>
           <a:p>
-            <a:pPr marL="0" marR="0" lvl="0" indent="0" algn="l" defTabSz="914400" rtl="0" eaLnBrk="1" fontAlgn="auto" latinLnBrk="0" hangingPunct="1">
-              <a:lnSpc>
-                <a:spcPct val="100000"/>
-              </a:lnSpc>
-              <a:spcBef>
-                <a:spcPts val="0"/>
-              </a:spcBef>
-              <a:spcAft>
-                <a:spcPts val="0"/>
-              </a:spcAft>
-              <a:buClrTx/>
-              <a:buSzTx/>
-              <a:buFontTx/>
-              <a:buNone/>
-              <a:tabLst/>
-              <a:defRPr/>
-            </a:pPr>
-            <a:endParaRPr lang="en-US" dirty="0"/>
-          </a:p>
-          <a:p>
-            <a:pPr marL="0" marR="0" lvl="0" indent="0" algn="l" defTabSz="914400" rtl="0" eaLnBrk="1" fontAlgn="auto" latinLnBrk="0" hangingPunct="1">
-              <a:lnSpc>
-                <a:spcPct val="100000"/>
-              </a:lnSpc>
-              <a:spcBef>
-                <a:spcPts val="0"/>
-              </a:spcBef>
-              <a:spcAft>
-                <a:spcPts val="0"/>
-              </a:spcAft>
-              <a:buClrTx/>
-              <a:buSzTx/>
-              <a:buFontTx/>
-              <a:buNone/>
-              <a:tabLst/>
-              <a:defRPr/>
-            </a:pPr>
             <a:endParaRPr lang="en-US" dirty="0"/>
           </a:p>
         </p:txBody>
@@ -4100,7 +3934,7 @@
             <a:fld id="{F949BC75-2359-4F98-918A-7033C92AD487}" type="slidenum">
               <a:rPr lang="en-US" smtClean="0"/>
               <a:pPr/>
-              <a:t>25</a:t>
+              <a:t>26</a:t>
             </a:fld>
             <a:endParaRPr lang="en-US" dirty="0"/>
           </a:p>
@@ -4109,7 +3943,7 @@
     </p:spTree>
     <p:extLst>
       <p:ext uri="{BB962C8B-B14F-4D97-AF65-F5344CB8AC3E}">
-        <p14:creationId xmlns:p14="http://schemas.microsoft.com/office/powerpoint/2010/main" val="1602468649"/>
+        <p14:creationId xmlns:p14="http://schemas.microsoft.com/office/powerpoint/2010/main" val="2233005355"/>
       </p:ext>
     </p:extLst>
   </p:cSld>
@@ -4174,7 +4008,7 @@
             <a:spLocks noGrp="1"/>
           </p:cNvSpPr>
           <p:nvPr>
-            <p:ph type="hdr" sz="quarter" idx="10"/>
+            <p:ph type="hdr" sz="quarter"/>
           </p:nvPr>
         </p:nvSpPr>
         <p:spPr/>
@@ -4197,7 +4031,7 @@
             <a:spLocks noGrp="1"/>
           </p:cNvSpPr>
           <p:nvPr>
-            <p:ph type="dt" idx="11"/>
+            <p:ph type="dt" idx="1"/>
           </p:nvPr>
         </p:nvSpPr>
         <p:spPr/>
@@ -4220,7 +4054,7 @@
             <a:spLocks noGrp="1"/>
           </p:cNvSpPr>
           <p:nvPr>
-            <p:ph type="ftr" sz="quarter" idx="12"/>
+            <p:ph type="ftr" sz="quarter" idx="4"/>
           </p:nvPr>
         </p:nvSpPr>
         <p:spPr/>
@@ -4243,7 +4077,7 @@
             <a:spLocks noGrp="1"/>
           </p:cNvSpPr>
           <p:nvPr>
-            <p:ph type="sldNum" sz="quarter" idx="13"/>
+            <p:ph type="sldNum" sz="quarter" idx="5"/>
           </p:nvPr>
         </p:nvSpPr>
         <p:spPr/>
@@ -4254,7 +4088,7 @@
             <a:fld id="{F949BC75-2359-4F98-918A-7033C92AD487}" type="slidenum">
               <a:rPr lang="en-US" smtClean="0"/>
               <a:pPr/>
-              <a:t>27</a:t>
+              <a:t>29</a:t>
             </a:fld>
             <a:endParaRPr lang="en-US" dirty="0"/>
           </a:p>
@@ -4263,7 +4097,7 @@
     </p:spTree>
     <p:extLst>
       <p:ext uri="{BB962C8B-B14F-4D97-AF65-F5344CB8AC3E}">
-        <p14:creationId xmlns:p14="http://schemas.microsoft.com/office/powerpoint/2010/main" val="2233005355"/>
+        <p14:creationId xmlns:p14="http://schemas.microsoft.com/office/powerpoint/2010/main" val="2915895997"/>
       </p:ext>
     </p:extLst>
   </p:cSld>
@@ -4317,8 +4151,146 @@
           <a:bodyPr/>
           <a:lstStyle/>
           <a:p>
+            <a:r>
+              <a:rPr lang="zh-CN" altLang="en-US" dirty="0"/>
+              <a:t>基础设施</a:t>
+            </a:r>
             <a:endParaRPr lang="en-US" dirty="0"/>
           </a:p>
+          <a:p>
+            <a:pPr lvl="1"/>
+            <a:r>
+              <a:rPr lang="en-US" dirty="0"/>
+              <a:t>NIO </a:t>
+            </a:r>
+            <a:r>
+              <a:rPr lang="en-US" dirty="0" err="1"/>
+              <a:t>FileChannel</a:t>
+            </a:r>
+            <a:r>
+              <a:rPr lang="en-US" dirty="0"/>
+              <a:t>(</a:t>
+            </a:r>
+            <a:r>
+              <a:rPr lang="zh-CN" altLang="en-US" dirty="0"/>
+              <a:t>类似</a:t>
+            </a:r>
+            <a:r>
+              <a:rPr lang="en-US" altLang="zh-CN" dirty="0"/>
+              <a:t>Unix-like OS</a:t>
+            </a:r>
+            <a:r>
+              <a:rPr lang="zh-CN" altLang="en-US" dirty="0"/>
+              <a:t>上的文件描述符</a:t>
+            </a:r>
+            <a:r>
+              <a:rPr lang="en-US" altLang="zh-CN" dirty="0"/>
+              <a:t>)</a:t>
+            </a:r>
+            <a:endParaRPr lang="en-US" dirty="0"/>
+          </a:p>
+          <a:p>
+            <a:pPr lvl="1"/>
+            <a:r>
+              <a:rPr lang="en-US" dirty="0" err="1"/>
+              <a:t>MappedByteBuffer</a:t>
+            </a:r>
+            <a:endParaRPr lang="en-US" dirty="0"/>
+          </a:p>
+          <a:p>
+            <a:pPr lvl="2"/>
+            <a:r>
+              <a:rPr lang="zh-CN" altLang="en-US" dirty="0"/>
+              <a:t>使用底层操作系统的</a:t>
+            </a:r>
+            <a:r>
+              <a:rPr lang="en-US" altLang="zh-CN" dirty="0"/>
+              <a:t>Memory-mapped file</a:t>
+            </a:r>
+            <a:r>
+              <a:rPr lang="zh-CN" altLang="en-US" dirty="0"/>
+              <a:t>机制</a:t>
+            </a:r>
+            <a:endParaRPr lang="en-US" altLang="zh-CN" dirty="0"/>
+          </a:p>
+          <a:p>
+            <a:pPr lvl="2"/>
+            <a:r>
+              <a:rPr lang="zh-CN" altLang="en-US" dirty="0"/>
+              <a:t>和</a:t>
+            </a:r>
+            <a:r>
+              <a:rPr lang="en-US" dirty="0"/>
+              <a:t>Direct Byte Buffer</a:t>
+            </a:r>
+          </a:p>
+          <a:p>
+            <a:pPr marL="736600" lvl="2" indent="0">
+              <a:buNone/>
+            </a:pPr>
+            <a:endParaRPr lang="en-US" dirty="0"/>
+          </a:p>
+          <a:p>
+            <a:r>
+              <a:rPr lang="zh-CN" altLang="en-US" dirty="0"/>
+              <a:t>原理</a:t>
+            </a:r>
+            <a:endParaRPr lang="en-US" altLang="zh-CN" dirty="0"/>
+          </a:p>
+          <a:p>
+            <a:pPr lvl="1"/>
+            <a:r>
+              <a:rPr lang="zh-CN" altLang="en-US" dirty="0"/>
+              <a:t>跨</a:t>
+            </a:r>
+            <a:r>
+              <a:rPr lang="en-US" altLang="zh-CN" dirty="0"/>
+              <a:t>JVM</a:t>
+            </a:r>
+            <a:r>
+              <a:rPr lang="zh-CN" altLang="en-US" dirty="0"/>
+              <a:t>共享内存影射文件</a:t>
+            </a:r>
+            <a:endParaRPr lang="en-US" altLang="zh-CN" dirty="0"/>
+          </a:p>
+          <a:p>
+            <a:pPr lvl="1"/>
+            <a:r>
+              <a:rPr lang="zh-CN" altLang="en-US" dirty="0"/>
+              <a:t>使用直接内存</a:t>
+            </a:r>
+            <a:r>
+              <a:rPr lang="en-US" altLang="zh-CN" dirty="0"/>
+              <a:t>Buffer</a:t>
+            </a:r>
+            <a:r>
+              <a:rPr lang="zh-CN" altLang="en-US" dirty="0"/>
+              <a:t>做缓存区</a:t>
+            </a:r>
+            <a:endParaRPr lang="en-US" altLang="zh-CN" dirty="0"/>
+          </a:p>
+          <a:p>
+            <a:pPr lvl="1"/>
+            <a:r>
+              <a:rPr lang="zh-CN" altLang="en-US" dirty="0"/>
+              <a:t>使用</a:t>
+            </a:r>
+            <a:r>
+              <a:rPr lang="en-US" altLang="zh-CN" dirty="0" err="1"/>
+              <a:t>FileChannel</a:t>
+            </a:r>
+            <a:r>
+              <a:rPr lang="zh-CN" altLang="en-US" dirty="0"/>
+              <a:t>的排它锁</a:t>
+            </a:r>
+            <a:endParaRPr lang="en-US" dirty="0"/>
+          </a:p>
+          <a:p>
+            <a:endParaRPr lang="en-US" dirty="0"/>
+          </a:p>
+          <a:p>
+            <a:endParaRPr lang="en-US" dirty="0"/>
+          </a:p>
         </p:txBody>
       </p:sp>
       <p:sp>
@@ -4328,7 +4300,7 @@
             <a:spLocks noGrp="1"/>
           </p:cNvSpPr>
           <p:nvPr>
-            <p:ph type="hdr" sz="quarter"/>
+            <p:ph type="hdr" sz="quarter" idx="10"/>
           </p:nvPr>
         </p:nvSpPr>
         <p:spPr/>
@@ -4351,7 +4323,7 @@
             <a:spLocks noGrp="1"/>
           </p:cNvSpPr>
           <p:nvPr>
-            <p:ph type="dt" idx="1"/>
+            <p:ph type="dt" idx="11"/>
           </p:nvPr>
         </p:nvSpPr>
         <p:spPr/>
@@ -4374,7 +4346,7 @@
             <a:spLocks noGrp="1"/>
           </p:cNvSpPr>
           <p:nvPr>
-            <p:ph type="ftr" sz="quarter" idx="4"/>
+            <p:ph type="ftr" sz="quarter" idx="12"/>
           </p:nvPr>
         </p:nvSpPr>
         <p:spPr/>
@@ -4397,7 +4369,7 @@
             <a:spLocks noGrp="1"/>
           </p:cNvSpPr>
           <p:nvPr>
-            <p:ph type="sldNum" sz="quarter" idx="5"/>
+            <p:ph type="sldNum" sz="quarter" idx="13"/>
           </p:nvPr>
         </p:nvSpPr>
         <p:spPr/>
@@ -4417,7 +4389,7 @@
     </p:spTree>
     <p:extLst>
       <p:ext uri="{BB962C8B-B14F-4D97-AF65-F5344CB8AC3E}">
-        <p14:creationId xmlns:p14="http://schemas.microsoft.com/office/powerpoint/2010/main" val="2915895997"/>
+        <p14:creationId xmlns:p14="http://schemas.microsoft.com/office/powerpoint/2010/main" val="2843286475"/>
       </p:ext>
     </p:extLst>
   </p:cSld>
@@ -4471,146 +4443,8 @@
           <a:bodyPr/>
           <a:lstStyle/>
           <a:p>
-            <a:r>
-              <a:rPr lang="zh-CN" altLang="en-US" dirty="0"/>
-              <a:t>基础设施</a:t>
-            </a:r>
             <a:endParaRPr lang="en-US" dirty="0"/>
           </a:p>
-          <a:p>
-            <a:pPr lvl="1"/>
-            <a:r>
-              <a:rPr lang="en-US" dirty="0"/>
-              <a:t>NIO </a:t>
-            </a:r>
-            <a:r>
-              <a:rPr lang="en-US" dirty="0" err="1"/>
-              <a:t>FileChannel</a:t>
-            </a:r>
-            <a:r>
-              <a:rPr lang="en-US" dirty="0"/>
-              <a:t>(</a:t>
-            </a:r>
-            <a:r>
-              <a:rPr lang="zh-CN" altLang="en-US" dirty="0"/>
-              <a:t>类似</a:t>
-            </a:r>
-            <a:r>
-              <a:rPr lang="en-US" altLang="zh-CN" dirty="0"/>
-              <a:t>Unix-like OS</a:t>
-            </a:r>
-            <a:r>
-              <a:rPr lang="zh-CN" altLang="en-US" dirty="0"/>
-              <a:t>上的文件描述符</a:t>
-            </a:r>
-            <a:r>
-              <a:rPr lang="en-US" altLang="zh-CN" dirty="0"/>
-              <a:t>)</a:t>
-            </a:r>
-            <a:endParaRPr lang="en-US" dirty="0"/>
-          </a:p>
-          <a:p>
-            <a:pPr lvl="1"/>
-            <a:r>
-              <a:rPr lang="en-US" dirty="0" err="1"/>
-              <a:t>MappedByteBuffer</a:t>
-            </a:r>
-            <a:endParaRPr lang="en-US" dirty="0"/>
-          </a:p>
-          <a:p>
-            <a:pPr lvl="2"/>
-            <a:r>
-              <a:rPr lang="zh-CN" altLang="en-US" dirty="0"/>
-              <a:t>使用底层操作系统的</a:t>
-            </a:r>
-            <a:r>
-              <a:rPr lang="en-US" altLang="zh-CN" dirty="0"/>
-              <a:t>Memory-mapped file</a:t>
-            </a:r>
-            <a:r>
-              <a:rPr lang="zh-CN" altLang="en-US" dirty="0"/>
-              <a:t>机制</a:t>
-            </a:r>
-            <a:endParaRPr lang="en-US" altLang="zh-CN" dirty="0"/>
-          </a:p>
-          <a:p>
-            <a:pPr lvl="2"/>
-            <a:r>
-              <a:rPr lang="zh-CN" altLang="en-US" dirty="0"/>
-              <a:t>和</a:t>
-            </a:r>
-            <a:r>
-              <a:rPr lang="en-US" dirty="0"/>
-              <a:t>Direct Byte Buffer</a:t>
-            </a:r>
-          </a:p>
-          <a:p>
-            <a:pPr marL="736600" lvl="2" indent="0">
-              <a:buNone/>
-            </a:pPr>
-            <a:endParaRPr lang="en-US" dirty="0"/>
-          </a:p>
-          <a:p>
-            <a:r>
-              <a:rPr lang="zh-CN" altLang="en-US" dirty="0"/>
-              <a:t>原理</a:t>
-            </a:r>
-            <a:endParaRPr lang="en-US" altLang="zh-CN" dirty="0"/>
-          </a:p>
-          <a:p>
-            <a:pPr lvl="1"/>
-            <a:r>
-              <a:rPr lang="zh-CN" altLang="en-US" dirty="0"/>
-              <a:t>跨</a:t>
-            </a:r>
-            <a:r>
-              <a:rPr lang="en-US" altLang="zh-CN" dirty="0"/>
-              <a:t>JVM</a:t>
-            </a:r>
-            <a:r>
-              <a:rPr lang="zh-CN" altLang="en-US" dirty="0"/>
-              <a:t>共享内存影射文件</a:t>
-            </a:r>
-            <a:endParaRPr lang="en-US" altLang="zh-CN" dirty="0"/>
-          </a:p>
-          <a:p>
-            <a:pPr lvl="1"/>
-            <a:r>
-              <a:rPr lang="zh-CN" altLang="en-US" dirty="0"/>
-              <a:t>使用直接内存</a:t>
-            </a:r>
-            <a:r>
-              <a:rPr lang="en-US" altLang="zh-CN" dirty="0"/>
-              <a:t>Buffer</a:t>
-            </a:r>
-            <a:r>
-              <a:rPr lang="zh-CN" altLang="en-US" dirty="0"/>
-              <a:t>做缓存区</a:t>
-            </a:r>
-            <a:endParaRPr lang="en-US" altLang="zh-CN" dirty="0"/>
-          </a:p>
-          <a:p>
-            <a:pPr lvl="1"/>
-            <a:r>
-              <a:rPr lang="zh-CN" altLang="en-US" dirty="0"/>
-              <a:t>使用</a:t>
-            </a:r>
-            <a:r>
-              <a:rPr lang="en-US" altLang="zh-CN" dirty="0" err="1"/>
-              <a:t>FileChannel</a:t>
-            </a:r>
-            <a:r>
-              <a:rPr lang="zh-CN" altLang="en-US" dirty="0"/>
-              <a:t>的排它锁</a:t>
-            </a:r>
-            <a:endParaRPr lang="en-US" dirty="0"/>
-          </a:p>
-          <a:p>
-            <a:endParaRPr lang="en-US" dirty="0"/>
-          </a:p>
-          <a:p>
-            <a:endParaRPr lang="en-US" dirty="0"/>
-          </a:p>
         </p:txBody>
       </p:sp>
       <p:sp>
@@ -4620,7 +4454,7 @@
             <a:spLocks noGrp="1"/>
           </p:cNvSpPr>
           <p:nvPr>
-            <p:ph type="hdr" sz="quarter" idx="10"/>
+            <p:ph type="hdr" sz="quarter"/>
           </p:nvPr>
         </p:nvSpPr>
         <p:spPr/>
@@ -4643,7 +4477,7 @@
             <a:spLocks noGrp="1"/>
           </p:cNvSpPr>
           <p:nvPr>
-            <p:ph type="dt" idx="11"/>
+            <p:ph type="dt" idx="1"/>
           </p:nvPr>
         </p:nvSpPr>
         <p:spPr/>
@@ -4666,7 +4500,7 @@
             <a:spLocks noGrp="1"/>
           </p:cNvSpPr>
           <p:nvPr>
-            <p:ph type="ftr" sz="quarter" idx="12"/>
+            <p:ph type="ftr" sz="quarter" idx="4"/>
           </p:nvPr>
         </p:nvSpPr>
         <p:spPr/>
@@ -4689,7 +4523,7 @@
             <a:spLocks noGrp="1"/>
           </p:cNvSpPr>
           <p:nvPr>
-            <p:ph type="sldNum" sz="quarter" idx="13"/>
+            <p:ph type="sldNum" sz="quarter" idx="5"/>
           </p:nvPr>
         </p:nvSpPr>
         <p:spPr/>
@@ -4709,7 +4543,7 @@
     </p:spTree>
     <p:extLst>
       <p:ext uri="{BB962C8B-B14F-4D97-AF65-F5344CB8AC3E}">
-        <p14:creationId xmlns:p14="http://schemas.microsoft.com/office/powerpoint/2010/main" val="2843286475"/>
+        <p14:creationId xmlns:p14="http://schemas.microsoft.com/office/powerpoint/2010/main" val="2582664880"/>
       </p:ext>
     </p:extLst>
   </p:cSld>
@@ -4763,8 +4597,539 @@
           <a:bodyPr/>
           <a:lstStyle/>
           <a:p>
+            <a:r>
+              <a:rPr lang="zh-CN" altLang="en-US" dirty="0"/>
+              <a:t>基础设施</a:t>
+            </a:r>
             <a:endParaRPr lang="en-US" dirty="0"/>
           </a:p>
+          <a:p>
+            <a:pPr lvl="1"/>
+            <a:r>
+              <a:rPr lang="en-US" dirty="0"/>
+              <a:t>System V IPC / Linux System Call</a:t>
+            </a:r>
+          </a:p>
+          <a:p>
+            <a:pPr lvl="2"/>
+            <a:r>
+              <a:rPr lang="en-US" dirty="0"/>
+              <a:t>int </a:t>
+            </a:r>
+            <a:r>
+              <a:rPr lang="en-US" dirty="0" err="1"/>
+              <a:t>msgget</a:t>
+            </a:r>
+            <a:r>
+              <a:rPr lang="en-US" dirty="0"/>
+              <a:t>(</a:t>
+            </a:r>
+            <a:r>
+              <a:rPr lang="en-US" dirty="0" err="1"/>
+              <a:t>key_t</a:t>
+            </a:r>
+            <a:r>
+              <a:rPr lang="en-US" dirty="0"/>
+              <a:t> key, </a:t>
+            </a:r>
+            <a:r>
+              <a:rPr lang="en-US" b="1" dirty="0"/>
+              <a:t>int</a:t>
+            </a:r>
+            <a:r>
+              <a:rPr lang="en-US" dirty="0"/>
+              <a:t> </a:t>
+            </a:r>
+            <a:r>
+              <a:rPr lang="en-US" dirty="0" err="1"/>
+              <a:t>msgflg</a:t>
+            </a:r>
+            <a:r>
+              <a:rPr lang="en-US" dirty="0"/>
+              <a:t>)</a:t>
+            </a:r>
+          </a:p>
+          <a:p>
+            <a:pPr lvl="2"/>
+            <a:r>
+              <a:rPr lang="en-US" dirty="0"/>
+              <a:t>int </a:t>
+            </a:r>
+            <a:r>
+              <a:rPr lang="en-US" dirty="0" err="1"/>
+              <a:t>msgsnd</a:t>
+            </a:r>
+            <a:r>
+              <a:rPr lang="en-US" dirty="0"/>
+              <a:t>(</a:t>
+            </a:r>
+            <a:r>
+              <a:rPr lang="en-US" b="1" dirty="0"/>
+              <a:t>int</a:t>
+            </a:r>
+            <a:r>
+              <a:rPr lang="en-US" dirty="0"/>
+              <a:t> </a:t>
+            </a:r>
+            <a:r>
+              <a:rPr lang="en-US" dirty="0" err="1"/>
+              <a:t>msqid</a:t>
+            </a:r>
+            <a:r>
+              <a:rPr lang="en-US" dirty="0"/>
+              <a:t>, </a:t>
+            </a:r>
+            <a:r>
+              <a:rPr lang="en-US" b="1" dirty="0"/>
+              <a:t>const</a:t>
+            </a:r>
+            <a:r>
+              <a:rPr lang="en-US" dirty="0"/>
+              <a:t> </a:t>
+            </a:r>
+            <a:r>
+              <a:rPr lang="en-US" b="1" dirty="0"/>
+              <a:t>void</a:t>
+            </a:r>
+            <a:r>
+              <a:rPr lang="en-US" dirty="0"/>
+              <a:t> *</a:t>
+            </a:r>
+            <a:r>
+              <a:rPr lang="en-US" dirty="0" err="1"/>
+              <a:t>msgp</a:t>
+            </a:r>
+            <a:r>
+              <a:rPr lang="en-US" dirty="0"/>
+              <a:t>, </a:t>
+            </a:r>
+            <a:r>
+              <a:rPr lang="en-US" b="1" dirty="0" err="1"/>
+              <a:t>size_t</a:t>
+            </a:r>
+            <a:r>
+              <a:rPr lang="en-US" dirty="0"/>
+              <a:t> </a:t>
+            </a:r>
+            <a:r>
+              <a:rPr lang="en-US" dirty="0" err="1"/>
+              <a:t>msgsz</a:t>
+            </a:r>
+            <a:r>
+              <a:rPr lang="en-US" dirty="0"/>
+              <a:t>, </a:t>
+            </a:r>
+            <a:r>
+              <a:rPr lang="en-US" b="1" dirty="0"/>
+              <a:t>int</a:t>
+            </a:r>
+            <a:r>
+              <a:rPr lang="en-US" dirty="0"/>
+              <a:t> </a:t>
+            </a:r>
+            <a:r>
+              <a:rPr lang="en-US" dirty="0" err="1"/>
+              <a:t>msgflg</a:t>
+            </a:r>
+            <a:r>
+              <a:rPr lang="en-US" dirty="0"/>
+              <a:t>)</a:t>
+            </a:r>
+          </a:p>
+          <a:p>
+            <a:pPr lvl="2"/>
+            <a:r>
+              <a:rPr lang="en-US" dirty="0" err="1"/>
+              <a:t>size_t</a:t>
+            </a:r>
+            <a:r>
+              <a:rPr lang="en-US" dirty="0"/>
+              <a:t> </a:t>
+            </a:r>
+            <a:r>
+              <a:rPr lang="en-US" dirty="0" err="1"/>
+              <a:t>msgrcv</a:t>
+            </a:r>
+            <a:r>
+              <a:rPr lang="en-US" dirty="0"/>
+              <a:t>(</a:t>
+            </a:r>
+            <a:r>
+              <a:rPr lang="en-US" b="1" dirty="0"/>
+              <a:t>int</a:t>
+            </a:r>
+            <a:r>
+              <a:rPr lang="en-US" dirty="0"/>
+              <a:t> </a:t>
+            </a:r>
+            <a:r>
+              <a:rPr lang="en-US" dirty="0" err="1"/>
+              <a:t>msqid</a:t>
+            </a:r>
+            <a:r>
+              <a:rPr lang="en-US" dirty="0"/>
+              <a:t>, </a:t>
+            </a:r>
+            <a:r>
+              <a:rPr lang="en-US" b="1" dirty="0"/>
+              <a:t>void</a:t>
+            </a:r>
+            <a:r>
+              <a:rPr lang="en-US" dirty="0"/>
+              <a:t> *</a:t>
+            </a:r>
+            <a:r>
+              <a:rPr lang="en-US" dirty="0" err="1"/>
+              <a:t>msgp</a:t>
+            </a:r>
+            <a:r>
+              <a:rPr lang="en-US" dirty="0"/>
+              <a:t>, </a:t>
+            </a:r>
+            <a:r>
+              <a:rPr lang="en-US" b="1" dirty="0" err="1"/>
+              <a:t>size_t</a:t>
+            </a:r>
+            <a:r>
+              <a:rPr lang="en-US" dirty="0"/>
+              <a:t> </a:t>
+            </a:r>
+            <a:r>
+              <a:rPr lang="en-US" dirty="0" err="1"/>
+              <a:t>msgsz</a:t>
+            </a:r>
+            <a:r>
+              <a:rPr lang="en-US" dirty="0"/>
+              <a:t>, </a:t>
+            </a:r>
+            <a:r>
+              <a:rPr lang="en-US" b="1" dirty="0"/>
+              <a:t>long</a:t>
+            </a:r>
+            <a:r>
+              <a:rPr lang="en-US" dirty="0"/>
+              <a:t> </a:t>
+            </a:r>
+            <a:r>
+              <a:rPr lang="en-US" dirty="0" err="1"/>
+              <a:t>msgtyp</a:t>
+            </a:r>
+            <a:r>
+              <a:rPr lang="en-US" dirty="0"/>
+              <a:t>, </a:t>
+            </a:r>
+            <a:r>
+              <a:rPr lang="en-US" b="1" dirty="0"/>
+              <a:t>int</a:t>
+            </a:r>
+            <a:r>
+              <a:rPr lang="en-US" dirty="0"/>
+              <a:t> </a:t>
+            </a:r>
+            <a:r>
+              <a:rPr lang="en-US" dirty="0" err="1"/>
+              <a:t>msgflg</a:t>
+            </a:r>
+            <a:r>
+              <a:rPr lang="en-US" dirty="0"/>
+              <a:t>)</a:t>
+            </a:r>
+          </a:p>
+          <a:p>
+            <a:pPr lvl="1"/>
+            <a:r>
+              <a:rPr lang="en-US" dirty="0"/>
+              <a:t>JNA</a:t>
+            </a:r>
+            <a:r>
+              <a:rPr lang="zh-CN" altLang="en-US" dirty="0"/>
+              <a:t>库</a:t>
+            </a:r>
+            <a:endParaRPr lang="en-US" altLang="zh-CN" dirty="0"/>
+          </a:p>
+          <a:p>
+            <a:pPr lvl="2"/>
+            <a:r>
+              <a:rPr lang="zh-CN" altLang="en-US" kern="1200" dirty="0">
+                <a:latin typeface="Ericsson Hilda Light" panose="00000400000000000000" pitchFamily="2" charset="0"/>
+              </a:rPr>
+              <a:t>源于</a:t>
+            </a:r>
+            <a:r>
+              <a:rPr lang="en-US" altLang="zh-CN" kern="1200" dirty="0">
+                <a:latin typeface="Ericsson Hilda Light" panose="00000400000000000000" pitchFamily="2" charset="0"/>
+              </a:rPr>
+              <a:t>Sun</a:t>
+            </a:r>
+            <a:r>
+              <a:rPr lang="zh-CN" altLang="en-US" kern="1200" dirty="0">
+                <a:latin typeface="Ericsson Hilda Light" panose="00000400000000000000" pitchFamily="2" charset="0"/>
+              </a:rPr>
+              <a:t>公司， 开源</a:t>
+            </a:r>
+            <a:r>
+              <a:rPr lang="zh-CN" altLang="en-US" dirty="0"/>
+              <a:t>基于</a:t>
+            </a:r>
+            <a:r>
+              <a:rPr lang="en-US" altLang="zh-CN" dirty="0"/>
+              <a:t>JNI</a:t>
+            </a:r>
+            <a:r>
+              <a:rPr lang="zh-CN" altLang="en-US" dirty="0"/>
+              <a:t>的库，用于</a:t>
+            </a:r>
+            <a:r>
+              <a:rPr lang="en-US" altLang="zh-CN" dirty="0"/>
+              <a:t>Java</a:t>
+            </a:r>
+            <a:r>
+              <a:rPr lang="zh-CN" altLang="en-US" dirty="0"/>
+              <a:t>侧。</a:t>
+            </a:r>
+            <a:endParaRPr lang="en-US" dirty="0"/>
+          </a:p>
+          <a:p>
+            <a:pPr lvl="1"/>
+            <a:endParaRPr lang="en-US" dirty="0"/>
+          </a:p>
+          <a:p>
+            <a:r>
+              <a:rPr lang="zh-CN" altLang="en-US" dirty="0"/>
+              <a:t>原理</a:t>
+            </a:r>
+            <a:endParaRPr lang="en-US" altLang="zh-CN" dirty="0"/>
+          </a:p>
+          <a:p>
+            <a:pPr lvl="1"/>
+            <a:r>
+              <a:rPr lang="zh-CN" altLang="en-US" dirty="0"/>
+              <a:t>使用操作系统的</a:t>
+            </a:r>
+            <a:r>
+              <a:rPr lang="en-US" altLang="zh-CN" dirty="0" err="1"/>
+              <a:t>SystemV</a:t>
+            </a:r>
+            <a:r>
+              <a:rPr lang="en-US" altLang="zh-CN" dirty="0"/>
+              <a:t>-IPC </a:t>
+            </a:r>
+            <a:r>
+              <a:rPr lang="zh-CN" altLang="en-US" dirty="0"/>
+              <a:t>消息队列</a:t>
+            </a:r>
+            <a:endParaRPr lang="en-US" altLang="zh-CN" dirty="0"/>
+          </a:p>
+          <a:p>
+            <a:pPr lvl="1"/>
+            <a:r>
+              <a:rPr lang="zh-CN" altLang="en-US" dirty="0"/>
+              <a:t>每个消息中的内存区</a:t>
+            </a:r>
+            <a:endParaRPr lang="en-US" altLang="zh-CN" dirty="0"/>
+          </a:p>
+          <a:p>
+            <a:pPr lvl="1"/>
+            <a:r>
+              <a:rPr lang="zh-CN" altLang="en-US" dirty="0"/>
+              <a:t>使用内核里的锁，对应用不可见</a:t>
+            </a:r>
+            <a:endParaRPr lang="en-US" altLang="zh-CN" dirty="0"/>
+          </a:p>
+          <a:p>
+            <a:pPr lvl="1"/>
+            <a:endParaRPr lang="en-US" altLang="zh-CN" sz="1200" kern="1200" dirty="0">
+              <a:solidFill>
+                <a:schemeClr val="tx1"/>
+              </a:solidFill>
+              <a:effectLst/>
+              <a:latin typeface="Ericsson Hilda Light" panose="00000400000000000000" pitchFamily="2" charset="0"/>
+              <a:ea typeface="+mn-ea"/>
+              <a:cs typeface="+mn-cs"/>
+            </a:endParaRPr>
+          </a:p>
+          <a:p>
+            <a:r>
+              <a:rPr lang="en-US" altLang="zh-CN" sz="1200" kern="1200" dirty="0">
+                <a:solidFill>
+                  <a:schemeClr val="tx1"/>
+                </a:solidFill>
+                <a:effectLst/>
+                <a:latin typeface="Ericsson Hilda Light" panose="00000400000000000000" pitchFamily="2" charset="0"/>
+                <a:ea typeface="+mn-ea"/>
+                <a:cs typeface="+mn-cs"/>
+              </a:rPr>
+              <a:t>JNA(Java Native Access)</a:t>
+            </a:r>
+            <a:r>
+              <a:rPr lang="zh-CN" altLang="en-US" sz="1200" kern="1200" dirty="0">
+                <a:solidFill>
+                  <a:schemeClr val="tx1"/>
+                </a:solidFill>
+                <a:effectLst/>
+                <a:latin typeface="Ericsson Hilda Light" panose="00000400000000000000" pitchFamily="2" charset="0"/>
+                <a:ea typeface="+mn-ea"/>
+                <a:cs typeface="+mn-cs"/>
+              </a:rPr>
+              <a:t>是一个开源的</a:t>
+            </a:r>
+            <a:r>
+              <a:rPr lang="en-US" altLang="zh-CN" sz="1200" kern="1200" dirty="0">
+                <a:solidFill>
+                  <a:schemeClr val="tx1"/>
+                </a:solidFill>
+                <a:effectLst/>
+                <a:latin typeface="Ericsson Hilda Light" panose="00000400000000000000" pitchFamily="2" charset="0"/>
+                <a:ea typeface="+mn-ea"/>
+                <a:cs typeface="+mn-cs"/>
+              </a:rPr>
+              <a:t>Java</a:t>
+            </a:r>
+            <a:r>
+              <a:rPr lang="zh-CN" altLang="en-US" sz="1200" kern="1200" dirty="0">
+                <a:solidFill>
+                  <a:schemeClr val="tx1"/>
+                </a:solidFill>
+                <a:effectLst/>
+                <a:latin typeface="Ericsson Hilda Light" panose="00000400000000000000" pitchFamily="2" charset="0"/>
+                <a:ea typeface="+mn-ea"/>
+                <a:cs typeface="+mn-cs"/>
+              </a:rPr>
+              <a:t>框架，是</a:t>
+            </a:r>
+            <a:r>
+              <a:rPr lang="en-US" altLang="zh-CN" sz="1200" kern="1200" dirty="0">
+                <a:solidFill>
+                  <a:schemeClr val="tx1"/>
+                </a:solidFill>
+                <a:effectLst/>
+                <a:latin typeface="Ericsson Hilda Light" panose="00000400000000000000" pitchFamily="2" charset="0"/>
+                <a:ea typeface="+mn-ea"/>
+                <a:cs typeface="+mn-cs"/>
+              </a:rPr>
+              <a:t>Sun</a:t>
+            </a:r>
+            <a:r>
+              <a:rPr lang="zh-CN" altLang="en-US" sz="1200" kern="1200" dirty="0">
+                <a:solidFill>
+                  <a:schemeClr val="tx1"/>
+                </a:solidFill>
+                <a:effectLst/>
+                <a:latin typeface="Ericsson Hilda Light" panose="00000400000000000000" pitchFamily="2" charset="0"/>
+                <a:ea typeface="+mn-ea"/>
+                <a:cs typeface="+mn-cs"/>
+              </a:rPr>
+              <a:t>公司推出的一种调用本地方法的技术，是建立在经典的</a:t>
+            </a:r>
+            <a:r>
+              <a:rPr lang="en-US" altLang="zh-CN" sz="1200" kern="1200" dirty="0">
+                <a:solidFill>
+                  <a:schemeClr val="tx1"/>
+                </a:solidFill>
+                <a:effectLst/>
+                <a:latin typeface="Ericsson Hilda Light" panose="00000400000000000000" pitchFamily="2" charset="0"/>
+                <a:ea typeface="+mn-ea"/>
+                <a:cs typeface="+mn-cs"/>
+              </a:rPr>
+              <a:t>JNI</a:t>
+            </a:r>
+            <a:r>
+              <a:rPr lang="zh-CN" altLang="en-US" sz="1200" kern="1200" dirty="0">
+                <a:solidFill>
+                  <a:schemeClr val="tx1"/>
+                </a:solidFill>
+                <a:effectLst/>
+                <a:latin typeface="Ericsson Hilda Light" panose="00000400000000000000" pitchFamily="2" charset="0"/>
+                <a:ea typeface="+mn-ea"/>
+                <a:cs typeface="+mn-cs"/>
+              </a:rPr>
+              <a:t>基础之上的一个框架。之所以说它是</a:t>
+            </a:r>
+            <a:r>
+              <a:rPr lang="en-US" altLang="zh-CN" sz="1200" kern="1200" dirty="0">
+                <a:solidFill>
+                  <a:schemeClr val="tx1"/>
+                </a:solidFill>
+                <a:effectLst/>
+                <a:latin typeface="Ericsson Hilda Light" panose="00000400000000000000" pitchFamily="2" charset="0"/>
+                <a:ea typeface="+mn-ea"/>
+                <a:cs typeface="+mn-cs"/>
+              </a:rPr>
+              <a:t>JNI</a:t>
+            </a:r>
+            <a:r>
+              <a:rPr lang="zh-CN" altLang="en-US" sz="1200" kern="1200" dirty="0">
+                <a:solidFill>
+                  <a:schemeClr val="tx1"/>
+                </a:solidFill>
+                <a:effectLst/>
+                <a:latin typeface="Ericsson Hilda Light" panose="00000400000000000000" pitchFamily="2" charset="0"/>
+                <a:ea typeface="+mn-ea"/>
+                <a:cs typeface="+mn-cs"/>
+              </a:rPr>
+              <a:t>的替 代者，是因为</a:t>
+            </a:r>
+            <a:r>
+              <a:rPr lang="en-US" altLang="zh-CN" sz="1200" kern="1200" dirty="0">
+                <a:solidFill>
+                  <a:schemeClr val="tx1"/>
+                </a:solidFill>
+                <a:effectLst/>
+                <a:latin typeface="Ericsson Hilda Light" panose="00000400000000000000" pitchFamily="2" charset="0"/>
+                <a:ea typeface="+mn-ea"/>
+                <a:cs typeface="+mn-cs"/>
+              </a:rPr>
+              <a:t>JNA</a:t>
+            </a:r>
+            <a:r>
+              <a:rPr lang="zh-CN" altLang="en-US" sz="1200" kern="1200" dirty="0">
+                <a:solidFill>
+                  <a:schemeClr val="tx1"/>
+                </a:solidFill>
+                <a:effectLst/>
+                <a:latin typeface="Ericsson Hilda Light" panose="00000400000000000000" pitchFamily="2" charset="0"/>
+                <a:ea typeface="+mn-ea"/>
+                <a:cs typeface="+mn-cs"/>
+              </a:rPr>
+              <a:t>大大简化了调用本地方法的过程，使用很方便，基本上不需要脱离</a:t>
+            </a:r>
+            <a:r>
+              <a:rPr lang="en-US" altLang="zh-CN" sz="1200" kern="1200" dirty="0">
+                <a:solidFill>
+                  <a:schemeClr val="tx1"/>
+                </a:solidFill>
+                <a:effectLst/>
+                <a:latin typeface="Ericsson Hilda Light" panose="00000400000000000000" pitchFamily="2" charset="0"/>
+                <a:ea typeface="+mn-ea"/>
+                <a:cs typeface="+mn-cs"/>
+              </a:rPr>
+              <a:t>Java</a:t>
+            </a:r>
+            <a:r>
+              <a:rPr lang="zh-CN" altLang="en-US" sz="1200" kern="1200" dirty="0">
+                <a:solidFill>
+                  <a:schemeClr val="tx1"/>
+                </a:solidFill>
+                <a:effectLst/>
+                <a:latin typeface="Ericsson Hilda Light" panose="00000400000000000000" pitchFamily="2" charset="0"/>
+                <a:ea typeface="+mn-ea"/>
+                <a:cs typeface="+mn-cs"/>
+              </a:rPr>
+              <a:t>环境就可以完成。</a:t>
+            </a:r>
+            <a:endParaRPr lang="en-US" altLang="zh-CN" sz="1200" kern="1200" dirty="0">
+              <a:solidFill>
+                <a:schemeClr val="tx1"/>
+              </a:solidFill>
+              <a:effectLst/>
+              <a:latin typeface="Ericsson Hilda Light" panose="00000400000000000000" pitchFamily="2" charset="0"/>
+              <a:ea typeface="+mn-ea"/>
+              <a:cs typeface="+mn-cs"/>
+            </a:endParaRPr>
+          </a:p>
+          <a:p>
+            <a:endParaRPr lang="en-US" dirty="0"/>
+          </a:p>
         </p:txBody>
       </p:sp>
       <p:sp>
@@ -4774,7 +5139,7 @@
             <a:spLocks noGrp="1"/>
           </p:cNvSpPr>
           <p:nvPr>
-            <p:ph type="hdr" sz="quarter"/>
+            <p:ph type="hdr" sz="quarter" idx="10"/>
           </p:nvPr>
         </p:nvSpPr>
         <p:spPr/>
@@ -4797,7 +5162,7 @@
             <a:spLocks noGrp="1"/>
           </p:cNvSpPr>
           <p:nvPr>
-            <p:ph type="dt" idx="1"/>
+            <p:ph type="dt" idx="11"/>
           </p:nvPr>
         </p:nvSpPr>
         <p:spPr/>
@@ -4820,7 +5185,7 @@
             <a:spLocks noGrp="1"/>
           </p:cNvSpPr>
           <p:nvPr>
-            <p:ph type="ftr" sz="quarter" idx="4"/>
+            <p:ph type="ftr" sz="quarter" idx="12"/>
           </p:nvPr>
         </p:nvSpPr>
         <p:spPr/>
@@ -4843,7 +5208,7 @@
             <a:spLocks noGrp="1"/>
           </p:cNvSpPr>
           <p:nvPr>
-            <p:ph type="sldNum" sz="quarter" idx="5"/>
+            <p:ph type="sldNum" sz="quarter" idx="13"/>
           </p:nvPr>
         </p:nvSpPr>
         <p:spPr/>
@@ -4863,7 +5228,7 @@
     </p:spTree>
     <p:extLst>
       <p:ext uri="{BB962C8B-B14F-4D97-AF65-F5344CB8AC3E}">
-        <p14:creationId xmlns:p14="http://schemas.microsoft.com/office/powerpoint/2010/main" val="2582664880"/>
+        <p14:creationId xmlns:p14="http://schemas.microsoft.com/office/powerpoint/2010/main" val="1441209887"/>
       </p:ext>
     </p:extLst>
   </p:cSld>
@@ -4918,538 +5283,43 @@
           <a:lstStyle/>
           <a:p>
             <a:r>
-              <a:rPr lang="zh-CN" altLang="en-US" dirty="0"/>
-              <a:t>基础设施</a:t>
-            </a:r>
+              <a:rPr lang="en-US" dirty="0"/>
+              <a:t>Java8:    https://github.com/keerath/openjdk-8-source/blob/master/hotspot/src/os/linux/vm/os_linux.cpp</a:t>
+            </a:r>
+          </a:p>
+          <a:p>
+            <a:r>
+              <a:rPr lang="en-US" dirty="0"/>
+              <a:t>Java11:  https://github.com/jiankunking/openjdk11/blob/master/src/hotspot/os/posix/os_posix.cpp</a:t>
+            </a:r>
+          </a:p>
+          <a:p>
             <a:endParaRPr lang="en-US" dirty="0"/>
           </a:p>
           <a:p>
-            <a:pPr lvl="1"/>
-            <a:r>
-              <a:rPr lang="en-US" dirty="0"/>
-              <a:t>System V IPC / Linux System Call</a:t>
-            </a:r>
-          </a:p>
-          <a:p>
-            <a:pPr lvl="2"/>
-            <a:r>
-              <a:rPr lang="en-US" dirty="0"/>
-              <a:t>int </a:t>
+            <a:r>
+              <a:rPr lang="en-US" dirty="0"/>
+              <a:t>Spinning </a:t>
             </a:r>
             <a:r>
               <a:rPr lang="en-US" dirty="0" err="1"/>
-              <a:t>msgget</a:t>
-            </a:r>
-            <a:r>
-              <a:rPr lang="en-US" dirty="0"/>
-              <a:t>(</a:t>
-            </a:r>
-            <a:r>
-              <a:rPr lang="en-US" dirty="0" err="1"/>
-              <a:t>key_t</a:t>
-            </a:r>
-            <a:r>
-              <a:rPr lang="en-US" dirty="0"/>
-              <a:t> key, </a:t>
-            </a:r>
-            <a:r>
-              <a:rPr lang="en-US" b="1" dirty="0"/>
-              <a:t>int</a:t>
-            </a:r>
-            <a:r>
-              <a:rPr lang="en-US" dirty="0"/>
-              <a:t> </a:t>
-            </a:r>
-            <a:r>
-              <a:rPr lang="en-US" dirty="0" err="1"/>
-              <a:t>msgflg</a:t>
-            </a:r>
-            <a:r>
-              <a:rPr lang="en-US" dirty="0"/>
-              <a:t>)</a:t>
-            </a:r>
-          </a:p>
-          <a:p>
-            <a:pPr lvl="2"/>
-            <a:r>
-              <a:rPr lang="en-US" dirty="0"/>
-              <a:t>int </a:t>
-            </a:r>
-            <a:r>
-              <a:rPr lang="en-US" dirty="0" err="1"/>
-              <a:t>msgsnd</a:t>
-            </a:r>
-            <a:r>
-              <a:rPr lang="en-US" dirty="0"/>
-              <a:t>(</a:t>
-            </a:r>
-            <a:r>
-              <a:rPr lang="en-US" b="1" dirty="0"/>
-              <a:t>int</a:t>
-            </a:r>
-            <a:r>
-              <a:rPr lang="en-US" dirty="0"/>
-              <a:t> </a:t>
-            </a:r>
-            <a:r>
-              <a:rPr lang="en-US" dirty="0" err="1"/>
-              <a:t>msqid</a:t>
-            </a:r>
-            <a:r>
-              <a:rPr lang="en-US" dirty="0"/>
-              <a:t>, </a:t>
-            </a:r>
-            <a:r>
-              <a:rPr lang="en-US" b="1" dirty="0"/>
-              <a:t>const</a:t>
-            </a:r>
-            <a:r>
-              <a:rPr lang="en-US" dirty="0"/>
-              <a:t> </a:t>
-            </a:r>
-            <a:r>
-              <a:rPr lang="en-US" b="1" dirty="0"/>
-              <a:t>void</a:t>
-            </a:r>
-            <a:r>
-              <a:rPr lang="en-US" dirty="0"/>
-              <a:t> *</a:t>
-            </a:r>
-            <a:r>
-              <a:rPr lang="en-US" dirty="0" err="1"/>
-              <a:t>msgp</a:t>
-            </a:r>
-            <a:r>
-              <a:rPr lang="en-US" dirty="0"/>
-              <a:t>, </a:t>
-            </a:r>
-            <a:r>
-              <a:rPr lang="en-US" b="1" dirty="0" err="1"/>
-              <a:t>size_t</a:t>
-            </a:r>
-            <a:r>
-              <a:rPr lang="en-US" dirty="0"/>
-              <a:t> </a:t>
-            </a:r>
-            <a:r>
-              <a:rPr lang="en-US" dirty="0" err="1"/>
-              <a:t>msgsz</a:t>
-            </a:r>
-            <a:r>
-              <a:rPr lang="en-US" dirty="0"/>
-              <a:t>, </a:t>
-            </a:r>
-            <a:r>
-              <a:rPr lang="en-US" b="1" dirty="0"/>
-              <a:t>int</a:t>
-            </a:r>
-            <a:r>
-              <a:rPr lang="en-US" dirty="0"/>
-              <a:t> </a:t>
-            </a:r>
-            <a:r>
-              <a:rPr lang="en-US" dirty="0" err="1"/>
-              <a:t>msgflg</a:t>
-            </a:r>
-            <a:r>
-              <a:rPr lang="en-US" dirty="0"/>
-              <a:t>)</a:t>
-            </a:r>
-          </a:p>
-          <a:p>
-            <a:pPr lvl="2"/>
-            <a:r>
-              <a:rPr lang="en-US" dirty="0" err="1"/>
-              <a:t>size_t</a:t>
-            </a:r>
-            <a:r>
-              <a:rPr lang="en-US" dirty="0"/>
-              <a:t> </a:t>
-            </a:r>
-            <a:r>
-              <a:rPr lang="en-US" dirty="0" err="1"/>
-              <a:t>msgrcv</a:t>
-            </a:r>
-            <a:r>
-              <a:rPr lang="en-US" dirty="0"/>
-              <a:t>(</a:t>
-            </a:r>
-            <a:r>
-              <a:rPr lang="en-US" b="1" dirty="0"/>
-              <a:t>int</a:t>
-            </a:r>
-            <a:r>
-              <a:rPr lang="en-US" dirty="0"/>
-              <a:t> </a:t>
-            </a:r>
-            <a:r>
-              <a:rPr lang="en-US" dirty="0" err="1"/>
-              <a:t>msqid</a:t>
-            </a:r>
-            <a:r>
-              <a:rPr lang="en-US" dirty="0"/>
-              <a:t>, </a:t>
-            </a:r>
-            <a:r>
-              <a:rPr lang="en-US" b="1" dirty="0"/>
-              <a:t>void</a:t>
-            </a:r>
-            <a:r>
-              <a:rPr lang="en-US" dirty="0"/>
-              <a:t> *</a:t>
-            </a:r>
-            <a:r>
-              <a:rPr lang="en-US" dirty="0" err="1"/>
-              <a:t>msgp</a:t>
-            </a:r>
-            <a:r>
-              <a:rPr lang="en-US" dirty="0"/>
-              <a:t>, </a:t>
-            </a:r>
-            <a:r>
-              <a:rPr lang="en-US" b="1" dirty="0" err="1"/>
-              <a:t>size_t</a:t>
-            </a:r>
-            <a:r>
-              <a:rPr lang="en-US" dirty="0"/>
-              <a:t> </a:t>
-            </a:r>
-            <a:r>
-              <a:rPr lang="en-US" dirty="0" err="1"/>
-              <a:t>msgsz</a:t>
-            </a:r>
-            <a:r>
-              <a:rPr lang="en-US" dirty="0"/>
-              <a:t>, </a:t>
-            </a:r>
-            <a:r>
-              <a:rPr lang="en-US" b="1" dirty="0"/>
-              <a:t>long</a:t>
-            </a:r>
-            <a:r>
-              <a:rPr lang="en-US" dirty="0"/>
-              <a:t> </a:t>
-            </a:r>
-            <a:r>
-              <a:rPr lang="en-US" dirty="0" err="1"/>
-              <a:t>msgtyp</a:t>
-            </a:r>
-            <a:r>
-              <a:rPr lang="en-US" dirty="0"/>
-              <a:t>, </a:t>
-            </a:r>
-            <a:r>
-              <a:rPr lang="en-US" b="1" dirty="0"/>
-              <a:t>int</a:t>
-            </a:r>
-            <a:r>
-              <a:rPr lang="en-US" dirty="0"/>
-              <a:t> </a:t>
-            </a:r>
-            <a:r>
-              <a:rPr lang="en-US" dirty="0" err="1"/>
-              <a:t>msgflg</a:t>
-            </a:r>
-            <a:r>
-              <a:rPr lang="en-US" dirty="0"/>
-              <a:t>)</a:t>
-            </a:r>
-          </a:p>
-          <a:p>
-            <a:pPr lvl="1"/>
-            <a:r>
-              <a:rPr lang="en-US" dirty="0"/>
-              <a:t>JNA</a:t>
-            </a:r>
-            <a:r>
-              <a:rPr lang="zh-CN" altLang="en-US" dirty="0"/>
-              <a:t>库</a:t>
-            </a:r>
-            <a:endParaRPr lang="en-US" altLang="zh-CN" dirty="0"/>
-          </a:p>
-          <a:p>
-            <a:pPr lvl="2"/>
-            <a:r>
-              <a:rPr lang="zh-CN" altLang="en-US" kern="1200" dirty="0">
-                <a:latin typeface="Ericsson Hilda Light" panose="00000400000000000000" pitchFamily="2" charset="0"/>
-              </a:rPr>
-              <a:t>源于</a:t>
-            </a:r>
-            <a:r>
-              <a:rPr lang="en-US" altLang="zh-CN" kern="1200" dirty="0">
-                <a:latin typeface="Ericsson Hilda Light" panose="00000400000000000000" pitchFamily="2" charset="0"/>
-              </a:rPr>
-              <a:t>Sun</a:t>
-            </a:r>
-            <a:r>
-              <a:rPr lang="zh-CN" altLang="en-US" kern="1200" dirty="0">
-                <a:latin typeface="Ericsson Hilda Light" panose="00000400000000000000" pitchFamily="2" charset="0"/>
-              </a:rPr>
-              <a:t>公司， 开源</a:t>
-            </a:r>
-            <a:r>
-              <a:rPr lang="zh-CN" altLang="en-US" dirty="0"/>
-              <a:t>基于</a:t>
-            </a:r>
-            <a:r>
-              <a:rPr lang="en-US" altLang="zh-CN" dirty="0"/>
-              <a:t>JNI</a:t>
-            </a:r>
-            <a:r>
-              <a:rPr lang="zh-CN" altLang="en-US" dirty="0"/>
-              <a:t>的库，用于</a:t>
-            </a:r>
-            <a:r>
-              <a:rPr lang="en-US" altLang="zh-CN" dirty="0"/>
-              <a:t>Java</a:t>
-            </a:r>
-            <a:r>
-              <a:rPr lang="zh-CN" altLang="en-US" dirty="0"/>
-              <a:t>侧。</a:t>
-            </a:r>
+              <a:t>pthread</a:t>
+            </a:r>
+            <a:r>
+              <a:rPr lang="en-US"/>
+              <a:t> mutex : </a:t>
+            </a:r>
+            <a:r>
+              <a:rPr lang="en-US" dirty="0"/>
+              <a:t>https://stackoverflow.com/questions/23908711/linux-pthread-mutex-and-kernel-scheduler</a:t>
+            </a:r>
+          </a:p>
+          <a:p>
             <a:endParaRPr lang="en-US" dirty="0"/>
           </a:p>
           <a:p>
-            <a:pPr lvl="1"/>
             <a:endParaRPr lang="en-US" dirty="0"/>
           </a:p>
-          <a:p>
-            <a:r>
-              <a:rPr lang="zh-CN" altLang="en-US" dirty="0"/>
-              <a:t>原理</a:t>
-            </a:r>
-            <a:endParaRPr lang="en-US" altLang="zh-CN" dirty="0"/>
-          </a:p>
-          <a:p>
-            <a:pPr lvl="1"/>
-            <a:r>
-              <a:rPr lang="zh-CN" altLang="en-US" dirty="0"/>
-              <a:t>使用操作系统的</a:t>
-            </a:r>
-            <a:r>
-              <a:rPr lang="en-US" altLang="zh-CN" dirty="0" err="1"/>
-              <a:t>SystemV</a:t>
-            </a:r>
-            <a:r>
-              <a:rPr lang="en-US" altLang="zh-CN" dirty="0"/>
-              <a:t>-IPC </a:t>
-            </a:r>
-            <a:r>
-              <a:rPr lang="zh-CN" altLang="en-US" dirty="0"/>
-              <a:t>消息队列</a:t>
-            </a:r>
-            <a:endParaRPr lang="en-US" altLang="zh-CN" dirty="0"/>
-          </a:p>
-          <a:p>
-            <a:pPr lvl="1"/>
-            <a:r>
-              <a:rPr lang="zh-CN" altLang="en-US" dirty="0"/>
-              <a:t>每个消息中的内存区</a:t>
-            </a:r>
-            <a:endParaRPr lang="en-US" altLang="zh-CN" dirty="0"/>
-          </a:p>
-          <a:p>
-            <a:pPr lvl="1"/>
-            <a:r>
-              <a:rPr lang="zh-CN" altLang="en-US" dirty="0"/>
-              <a:t>使用内核里的锁，对应用不可见</a:t>
-            </a:r>
-            <a:endParaRPr lang="en-US" altLang="zh-CN" dirty="0"/>
-          </a:p>
-          <a:p>
-            <a:pPr lvl="1"/>
-            <a:endParaRPr lang="en-US" altLang="zh-CN" sz="1200" kern="1200" dirty="0">
-              <a:solidFill>
-                <a:schemeClr val="tx1"/>
-              </a:solidFill>
-              <a:effectLst/>
-              <a:latin typeface="Ericsson Hilda Light" panose="00000400000000000000" pitchFamily="2" charset="0"/>
-              <a:ea typeface="+mn-ea"/>
-              <a:cs typeface="+mn-cs"/>
-            </a:endParaRPr>
-          </a:p>
-          <a:p>
-            <a:r>
-              <a:rPr lang="en-US" altLang="zh-CN" sz="1200" kern="1200" dirty="0">
-                <a:solidFill>
-                  <a:schemeClr val="tx1"/>
-                </a:solidFill>
-                <a:effectLst/>
-                <a:latin typeface="Ericsson Hilda Light" panose="00000400000000000000" pitchFamily="2" charset="0"/>
-                <a:ea typeface="+mn-ea"/>
-                <a:cs typeface="+mn-cs"/>
-              </a:rPr>
-              <a:t>JNA(Java Native Access)</a:t>
-            </a:r>
-            <a:r>
-              <a:rPr lang="zh-CN" altLang="en-US" sz="1200" kern="1200" dirty="0">
-                <a:solidFill>
-                  <a:schemeClr val="tx1"/>
-                </a:solidFill>
-                <a:effectLst/>
-                <a:latin typeface="Ericsson Hilda Light" panose="00000400000000000000" pitchFamily="2" charset="0"/>
-                <a:ea typeface="+mn-ea"/>
-                <a:cs typeface="+mn-cs"/>
-              </a:rPr>
-              <a:t>是一个开源的</a:t>
-            </a:r>
-            <a:r>
-              <a:rPr lang="en-US" altLang="zh-CN" sz="1200" kern="1200" dirty="0">
-                <a:solidFill>
-                  <a:schemeClr val="tx1"/>
-                </a:solidFill>
-                <a:effectLst/>
-                <a:latin typeface="Ericsson Hilda Light" panose="00000400000000000000" pitchFamily="2" charset="0"/>
-                <a:ea typeface="+mn-ea"/>
-                <a:cs typeface="+mn-cs"/>
-              </a:rPr>
-              <a:t>Java</a:t>
-            </a:r>
-            <a:r>
-              <a:rPr lang="zh-CN" altLang="en-US" sz="1200" kern="1200" dirty="0">
-                <a:solidFill>
-                  <a:schemeClr val="tx1"/>
-                </a:solidFill>
-                <a:effectLst/>
-                <a:latin typeface="Ericsson Hilda Light" panose="00000400000000000000" pitchFamily="2" charset="0"/>
-                <a:ea typeface="+mn-ea"/>
-                <a:cs typeface="+mn-cs"/>
-              </a:rPr>
-              <a:t>框架，是</a:t>
-            </a:r>
-            <a:r>
-              <a:rPr lang="en-US" altLang="zh-CN" sz="1200" kern="1200" dirty="0">
-                <a:solidFill>
-                  <a:schemeClr val="tx1"/>
-                </a:solidFill>
-                <a:effectLst/>
-                <a:latin typeface="Ericsson Hilda Light" panose="00000400000000000000" pitchFamily="2" charset="0"/>
-                <a:ea typeface="+mn-ea"/>
-                <a:cs typeface="+mn-cs"/>
-              </a:rPr>
-              <a:t>Sun</a:t>
-            </a:r>
-            <a:r>
-              <a:rPr lang="zh-CN" altLang="en-US" sz="1200" kern="1200" dirty="0">
-                <a:solidFill>
-                  <a:schemeClr val="tx1"/>
-                </a:solidFill>
-                <a:effectLst/>
-                <a:latin typeface="Ericsson Hilda Light" panose="00000400000000000000" pitchFamily="2" charset="0"/>
-                <a:ea typeface="+mn-ea"/>
-                <a:cs typeface="+mn-cs"/>
-              </a:rPr>
-              <a:t>公司推出的一种调用本地方法的技术，是建立在经典的</a:t>
-            </a:r>
-            <a:r>
-              <a:rPr lang="en-US" altLang="zh-CN" sz="1200" kern="1200" dirty="0">
-                <a:solidFill>
-                  <a:schemeClr val="tx1"/>
-                </a:solidFill>
-                <a:effectLst/>
-                <a:latin typeface="Ericsson Hilda Light" panose="00000400000000000000" pitchFamily="2" charset="0"/>
-                <a:ea typeface="+mn-ea"/>
-                <a:cs typeface="+mn-cs"/>
-              </a:rPr>
-              <a:t>JNI</a:t>
-            </a:r>
-            <a:r>
-              <a:rPr lang="zh-CN" altLang="en-US" sz="1200" kern="1200" dirty="0">
-                <a:solidFill>
-                  <a:schemeClr val="tx1"/>
-                </a:solidFill>
-                <a:effectLst/>
-                <a:latin typeface="Ericsson Hilda Light" panose="00000400000000000000" pitchFamily="2" charset="0"/>
-                <a:ea typeface="+mn-ea"/>
-                <a:cs typeface="+mn-cs"/>
-              </a:rPr>
-              <a:t>基础之上的一个框架。之所以说它是</a:t>
-            </a:r>
-            <a:r>
-              <a:rPr lang="en-US" altLang="zh-CN" sz="1200" kern="1200" dirty="0">
-                <a:solidFill>
-                  <a:schemeClr val="tx1"/>
-                </a:solidFill>
-                <a:effectLst/>
-                <a:latin typeface="Ericsson Hilda Light" panose="00000400000000000000" pitchFamily="2" charset="0"/>
-                <a:ea typeface="+mn-ea"/>
-                <a:cs typeface="+mn-cs"/>
-              </a:rPr>
-              <a:t>JNI</a:t>
-            </a:r>
-            <a:r>
-              <a:rPr lang="zh-CN" altLang="en-US" sz="1200" kern="1200" dirty="0">
-                <a:solidFill>
-                  <a:schemeClr val="tx1"/>
-                </a:solidFill>
-                <a:effectLst/>
-                <a:latin typeface="Ericsson Hilda Light" panose="00000400000000000000" pitchFamily="2" charset="0"/>
-                <a:ea typeface="+mn-ea"/>
-                <a:cs typeface="+mn-cs"/>
-              </a:rPr>
-              <a:t>的替 代者，是因为</a:t>
-            </a:r>
-            <a:r>
-              <a:rPr lang="en-US" altLang="zh-CN" sz="1200" kern="1200" dirty="0">
-                <a:solidFill>
-                  <a:schemeClr val="tx1"/>
-                </a:solidFill>
-                <a:effectLst/>
-                <a:latin typeface="Ericsson Hilda Light" panose="00000400000000000000" pitchFamily="2" charset="0"/>
-                <a:ea typeface="+mn-ea"/>
-                <a:cs typeface="+mn-cs"/>
-              </a:rPr>
-              <a:t>JNA</a:t>
-            </a:r>
-            <a:r>
-              <a:rPr lang="zh-CN" altLang="en-US" sz="1200" kern="1200" dirty="0">
-                <a:solidFill>
-                  <a:schemeClr val="tx1"/>
-                </a:solidFill>
-                <a:effectLst/>
-                <a:latin typeface="Ericsson Hilda Light" panose="00000400000000000000" pitchFamily="2" charset="0"/>
-                <a:ea typeface="+mn-ea"/>
-                <a:cs typeface="+mn-cs"/>
-              </a:rPr>
-              <a:t>大大简化了调用本地方法的过程，使用很方便，基本上不需要脱离</a:t>
-            </a:r>
-            <a:r>
-              <a:rPr lang="en-US" altLang="zh-CN" sz="1200" kern="1200" dirty="0">
-                <a:solidFill>
-                  <a:schemeClr val="tx1"/>
-                </a:solidFill>
-                <a:effectLst/>
-                <a:latin typeface="Ericsson Hilda Light" panose="00000400000000000000" pitchFamily="2" charset="0"/>
-                <a:ea typeface="+mn-ea"/>
-                <a:cs typeface="+mn-cs"/>
-              </a:rPr>
-              <a:t>Java</a:t>
-            </a:r>
-            <a:r>
-              <a:rPr lang="zh-CN" altLang="en-US" sz="1200" kern="1200" dirty="0">
-                <a:solidFill>
-                  <a:schemeClr val="tx1"/>
-                </a:solidFill>
-                <a:effectLst/>
-                <a:latin typeface="Ericsson Hilda Light" panose="00000400000000000000" pitchFamily="2" charset="0"/>
-                <a:ea typeface="+mn-ea"/>
-                <a:cs typeface="+mn-cs"/>
-              </a:rPr>
-              <a:t>环境就可以完成。</a:t>
-            </a:r>
-            <a:endParaRPr lang="en-US" altLang="zh-CN" sz="1200" kern="1200" dirty="0">
-              <a:solidFill>
-                <a:schemeClr val="tx1"/>
-              </a:solidFill>
-              <a:effectLst/>
-              <a:latin typeface="Ericsson Hilda Light" panose="00000400000000000000" pitchFamily="2" charset="0"/>
-              <a:ea typeface="+mn-ea"/>
-              <a:cs typeface="+mn-cs"/>
-            </a:endParaRPr>
-          </a:p>
-          <a:p>
-            <a:endParaRPr lang="en-US" dirty="0"/>
-          </a:p>
         </p:txBody>
       </p:sp>
       <p:sp>
@@ -5459,7 +5329,7 @@
             <a:spLocks noGrp="1"/>
           </p:cNvSpPr>
           <p:nvPr>
-            <p:ph type="hdr" sz="quarter" idx="10"/>
+            <p:ph type="hdr" sz="quarter"/>
           </p:nvPr>
         </p:nvSpPr>
         <p:spPr/>
@@ -5482,7 +5352,7 @@
             <a:spLocks noGrp="1"/>
           </p:cNvSpPr>
           <p:nvPr>
-            <p:ph type="dt" idx="11"/>
+            <p:ph type="dt" idx="1"/>
           </p:nvPr>
         </p:nvSpPr>
         <p:spPr/>
@@ -5505,7 +5375,7 @@
             <a:spLocks noGrp="1"/>
           </p:cNvSpPr>
           <p:nvPr>
-            <p:ph type="ftr" sz="quarter" idx="12"/>
+            <p:ph type="ftr" sz="quarter" idx="4"/>
           </p:nvPr>
         </p:nvSpPr>
         <p:spPr/>
@@ -5528,7 +5398,7 @@
             <a:spLocks noGrp="1"/>
           </p:cNvSpPr>
           <p:nvPr>
-            <p:ph type="sldNum" sz="quarter" idx="13"/>
+            <p:ph type="sldNum" sz="quarter" idx="5"/>
           </p:nvPr>
         </p:nvSpPr>
         <p:spPr/>
@@ -5539,7 +5409,7 @@
             <a:fld id="{F949BC75-2359-4F98-918A-7033C92AD487}" type="slidenum">
               <a:rPr lang="en-US" smtClean="0"/>
               <a:pPr/>
-              <a:t>33</a:t>
+              <a:t>34</a:t>
             </a:fld>
             <a:endParaRPr lang="en-US" dirty="0"/>
           </a:p>
@@ -5548,7 +5418,7 @@
     </p:spTree>
     <p:extLst>
       <p:ext uri="{BB962C8B-B14F-4D97-AF65-F5344CB8AC3E}">
-        <p14:creationId xmlns:p14="http://schemas.microsoft.com/office/powerpoint/2010/main" val="1441209887"/>
+        <p14:creationId xmlns:p14="http://schemas.microsoft.com/office/powerpoint/2010/main" val="4101323277"/>
       </p:ext>
     </p:extLst>
   </p:cSld>
@@ -21945,7 +21815,7 @@
         <p:spPr>
           <a:xfrm>
             <a:off x="1846175" y="1401661"/>
-            <a:ext cx="8699764" cy="1384995"/>
+            <a:ext cx="8699764" cy="1661993"/>
           </a:xfrm>
           <a:prstGeom prst="rect">
             <a:avLst/>
@@ -21963,7 +21833,7 @@
                   <a:srgbClr val="00B0F0"/>
                 </a:solidFill>
               </a:rPr>
-              <a:t>Question B2: </a:t>
+              <a:t>Question B1: </a:t>
             </a:r>
           </a:p>
           <a:p>
@@ -21981,7 +21851,7 @@
                   <a:srgbClr val="00B0F0"/>
                 </a:solidFill>
               </a:rPr>
-              <a:t>Thread B is staying in wait(), but another thread A notify() then Interrupt() it,  after thread A release the lock,  Is the Thread B </a:t>
+              <a:t>Thread B is staying in wait(), but another thread A notify() then Interrupt() it,  after thread A release the lock,  Would the Thread B </a:t>
             </a:r>
             <a:r>
               <a:rPr lang="en-US" sz="1600" dirty="0">
@@ -21989,7 +21859,7 @@
                   <a:srgbClr val="00B0F0"/>
                 </a:solidFill>
               </a:rPr>
-              <a:t> </a:t>
+              <a:t> be </a:t>
             </a:r>
             <a:r>
               <a:rPr lang="en-US" dirty="0">
@@ -22520,141 +22390,6 @@
           <a:chExt cx="0" cy="0"/>
         </a:xfrm>
       </p:grpSpPr>
-      <p:sp>
-        <p:nvSpPr>
-          <p:cNvPr id="2" name="Content Placeholder 1">
-            <a:extLst>
-              <a:ext uri="{FF2B5EF4-FFF2-40B4-BE49-F238E27FC236}">
-                <a16:creationId xmlns:a16="http://schemas.microsoft.com/office/drawing/2014/main" id="{8604F35D-3922-409D-9F17-8FEE48277C54}"/>
-              </a:ext>
-            </a:extLst>
-          </p:cNvPr>
-          <p:cNvSpPr>
-            <a:spLocks noGrp="1"/>
-          </p:cNvSpPr>
-          <p:nvPr>
-            <p:ph sz="quarter" idx="11"/>
-          </p:nvPr>
-        </p:nvSpPr>
-        <p:spPr>
-          <a:xfrm>
-            <a:off x="479424" y="1763395"/>
-            <a:ext cx="9507855" cy="4392612"/>
-          </a:xfrm>
-        </p:spPr>
-        <p:txBody>
-          <a:bodyPr/>
-          <a:lstStyle/>
-          <a:p>
-            <a:r>
-              <a:rPr lang="en-US" dirty="0">
-                <a:solidFill>
-                  <a:srgbClr val="00B0F0"/>
-                </a:solidFill>
-              </a:rPr>
-              <a:t>Question C</a:t>
-            </a:r>
-          </a:p>
-          <a:p>
-            <a:pPr lvl="1"/>
-            <a:r>
-              <a:rPr lang="en-US" dirty="0">
-                <a:solidFill>
-                  <a:srgbClr val="00B0F0"/>
-                </a:solidFill>
-              </a:rPr>
-              <a:t>Does the </a:t>
-            </a:r>
-            <a:r>
-              <a:rPr lang="en-US" dirty="0" err="1">
-                <a:solidFill>
-                  <a:srgbClr val="00B0F0"/>
-                </a:solidFill>
-              </a:rPr>
-              <a:t>ReentrantLock</a:t>
-            </a:r>
-            <a:r>
-              <a:rPr lang="en-US" dirty="0">
-                <a:solidFill>
-                  <a:srgbClr val="00B0F0"/>
-                </a:solidFill>
-              </a:rPr>
-              <a:t> has lock upgrade?</a:t>
-            </a:r>
-            <a:endParaRPr lang="en-US" dirty="0"/>
-          </a:p>
-          <a:p>
-            <a:pPr lvl="1"/>
-            <a:endParaRPr lang="en-US" dirty="0"/>
-          </a:p>
-          <a:p>
-            <a:pPr lvl="1"/>
-            <a:endParaRPr lang="en-US" dirty="0"/>
-          </a:p>
-          <a:p>
-            <a:pPr lvl="1"/>
-            <a:endParaRPr lang="en-US" dirty="0"/>
-          </a:p>
-        </p:txBody>
-      </p:sp>
-      <p:sp>
-        <p:nvSpPr>
-          <p:cNvPr id="3" name="Title 2">
-            <a:extLst>
-              <a:ext uri="{FF2B5EF4-FFF2-40B4-BE49-F238E27FC236}">
-                <a16:creationId xmlns:a16="http://schemas.microsoft.com/office/drawing/2014/main" id="{395A1CBD-7D95-42A1-9F01-E5E7272F3F93}"/>
-              </a:ext>
-            </a:extLst>
-          </p:cNvPr>
-          <p:cNvSpPr>
-            <a:spLocks noGrp="1"/>
-          </p:cNvSpPr>
-          <p:nvPr>
-            <p:ph type="title"/>
-          </p:nvPr>
-        </p:nvSpPr>
-        <p:spPr/>
-        <p:txBody>
-          <a:bodyPr/>
-          <a:lstStyle/>
-          <a:p>
-            <a:r>
-              <a:rPr lang="en-US" dirty="0"/>
-              <a:t>Lock and Condition</a:t>
-            </a:r>
-          </a:p>
-        </p:txBody>
-      </p:sp>
-    </p:spTree>
-    <p:extLst>
-      <p:ext uri="{BB962C8B-B14F-4D97-AF65-F5344CB8AC3E}">
-        <p14:creationId xmlns:p14="http://schemas.microsoft.com/office/powerpoint/2010/main" val="314388654"/>
-      </p:ext>
-    </p:extLst>
-  </p:cSld>
-  <p:clrMapOvr>
-    <a:masterClrMapping/>
-  </p:clrMapOvr>
-</p:sld>
-</file>
-
-<file path=ppt/slides/slide18.xml><?xml version="1.0" encoding="utf-8"?>
-<p:sld xmlns:a="http://schemas.openxmlformats.org/drawingml/2006/main" xmlns:r="http://schemas.openxmlformats.org/officeDocument/2006/relationships" xmlns:p="http://schemas.openxmlformats.org/presentationml/2006/main">
-  <p:cSld>
-    <p:spTree>
-      <p:nvGrpSpPr>
-        <p:cNvPr id="1" name=""/>
-        <p:cNvGrpSpPr/>
-        <p:nvPr/>
-      </p:nvGrpSpPr>
-      <p:grpSpPr>
-        <a:xfrm>
-          <a:off x="0" y="0"/>
-          <a:ext cx="0" cy="0"/>
-          <a:chOff x="0" y="0"/>
-          <a:chExt cx="0" cy="0"/>
-        </a:xfrm>
-      </p:grpSpPr>
       <p:pic>
         <p:nvPicPr>
           <p:cNvPr id="7" name="Picture 6">
@@ -23264,6 +22999,757 @@
     <p:extLst>
       <p:ext uri="{BB962C8B-B14F-4D97-AF65-F5344CB8AC3E}">
         <p14:creationId xmlns:p14="http://schemas.microsoft.com/office/powerpoint/2010/main" val="3233786068"/>
+      </p:ext>
+    </p:extLst>
+  </p:cSld>
+  <p:clrMapOvr>
+    <a:masterClrMapping/>
+  </p:clrMapOvr>
+</p:sld>
+</file>
+
+<file path=ppt/slides/slide18.xml><?xml version="1.0" encoding="utf-8"?>
+<p:sld xmlns:a="http://schemas.openxmlformats.org/drawingml/2006/main" xmlns:r="http://schemas.openxmlformats.org/officeDocument/2006/relationships" xmlns:p="http://schemas.openxmlformats.org/presentationml/2006/main">
+  <p:cSld>
+    <p:spTree>
+      <p:nvGrpSpPr>
+        <p:cNvPr id="1" name=""/>
+        <p:cNvGrpSpPr/>
+        <p:nvPr/>
+      </p:nvGrpSpPr>
+      <p:grpSpPr>
+        <a:xfrm>
+          <a:off x="0" y="0"/>
+          <a:ext cx="0" cy="0"/>
+          <a:chOff x="0" y="0"/>
+          <a:chExt cx="0" cy="0"/>
+        </a:xfrm>
+      </p:grpSpPr>
+      <p:pic>
+        <p:nvPicPr>
+          <p:cNvPr id="5" name="Picture 4">
+            <a:extLst>
+              <a:ext uri="{FF2B5EF4-FFF2-40B4-BE49-F238E27FC236}">
+                <a16:creationId xmlns:a16="http://schemas.microsoft.com/office/drawing/2014/main" id="{32675C1A-9919-47A2-A812-76EBA40A962E}"/>
+              </a:ext>
+            </a:extLst>
+          </p:cNvPr>
+          <p:cNvPicPr>
+            <a:picLocks noChangeAspect="1"/>
+          </p:cNvPicPr>
+          <p:nvPr/>
+        </p:nvPicPr>
+        <p:blipFill>
+          <a:blip r:embed="rId3"/>
+          <a:stretch>
+            <a:fillRect/>
+          </a:stretch>
+        </p:blipFill>
+        <p:spPr>
+          <a:xfrm>
+            <a:off x="5102310" y="1850603"/>
+            <a:ext cx="3495675" cy="4457700"/>
+          </a:xfrm>
+          <a:prstGeom prst="rect">
+            <a:avLst/>
+          </a:prstGeom>
+        </p:spPr>
+      </p:pic>
+      <p:sp>
+        <p:nvSpPr>
+          <p:cNvPr id="7" name="Rectangle 6">
+            <a:extLst>
+              <a:ext uri="{FF2B5EF4-FFF2-40B4-BE49-F238E27FC236}">
+                <a16:creationId xmlns:a16="http://schemas.microsoft.com/office/drawing/2014/main" id="{49746035-8550-480B-8B92-D36BC42303B2}"/>
+              </a:ext>
+            </a:extLst>
+          </p:cNvPr>
+          <p:cNvSpPr/>
+          <p:nvPr/>
+        </p:nvSpPr>
+        <p:spPr>
+          <a:xfrm>
+            <a:off x="221894" y="544925"/>
+            <a:ext cx="6233698" cy="1754326"/>
+          </a:xfrm>
+          <a:prstGeom prst="rect">
+            <a:avLst/>
+          </a:prstGeom>
+        </p:spPr>
+        <p:txBody>
+          <a:bodyPr wrap="square">
+            <a:spAutoFit/>
+          </a:bodyPr>
+          <a:lstStyle/>
+          <a:p>
+            <a:r>
+              <a:rPr lang="en-US" dirty="0"/>
+              <a:t>await()</a:t>
+            </a:r>
+          </a:p>
+          <a:p>
+            <a:pPr marL="285750" indent="-285750">
+              <a:buFont typeface="Arial" panose="020B0604020202020204" pitchFamily="34" charset="0"/>
+              <a:buChar char="•"/>
+            </a:pPr>
+            <a:r>
+              <a:rPr lang="en-US" dirty="0">
+                <a:solidFill>
+                  <a:srgbClr val="242424"/>
+                </a:solidFill>
+              </a:rPr>
+              <a:t>Enter Waiting</a:t>
+            </a:r>
+            <a:endParaRPr lang="en-US" dirty="0">
+              <a:solidFill>
+                <a:srgbClr val="FF0000"/>
+              </a:solidFill>
+            </a:endParaRPr>
+          </a:p>
+          <a:p>
+            <a:r>
+              <a:rPr lang="en-US" dirty="0">
+                <a:solidFill>
+                  <a:srgbClr val="FF0000"/>
+                </a:solidFill>
+              </a:rPr>
+              <a:t>1)</a:t>
+            </a:r>
+            <a:r>
+              <a:rPr lang="en-US" dirty="0">
+                <a:solidFill>
+                  <a:srgbClr val="242424"/>
+                </a:solidFill>
+              </a:rPr>
+              <a:t> – Release lock</a:t>
+            </a:r>
+          </a:p>
+          <a:p>
+            <a:r>
+              <a:rPr lang="en-US" dirty="0">
+                <a:solidFill>
+                  <a:srgbClr val="FF0000"/>
+                </a:solidFill>
+              </a:rPr>
+              <a:t>2) </a:t>
+            </a:r>
+            <a:r>
+              <a:rPr lang="en-US" dirty="0">
+                <a:solidFill>
+                  <a:srgbClr val="242424"/>
+                </a:solidFill>
+              </a:rPr>
+              <a:t>-  Waiting on the condition, interruptible</a:t>
+            </a:r>
+          </a:p>
+          <a:p>
+            <a:endParaRPr lang="en-US" dirty="0">
+              <a:solidFill>
+                <a:srgbClr val="FF0000"/>
+              </a:solidFill>
+              <a:latin typeface="Abadi" panose="020B0604020202020204" pitchFamily="34" charset="0"/>
+            </a:endParaRPr>
+          </a:p>
+          <a:p>
+            <a:endParaRPr lang="en-US" dirty="0">
+              <a:solidFill>
+                <a:srgbClr val="FF0000"/>
+              </a:solidFill>
+              <a:latin typeface="Abadi" panose="020B0604020202020204" pitchFamily="34" charset="0"/>
+            </a:endParaRPr>
+          </a:p>
+        </p:txBody>
+      </p:sp>
+      <p:sp>
+        <p:nvSpPr>
+          <p:cNvPr id="2" name="Rectangle 1">
+            <a:extLst>
+              <a:ext uri="{FF2B5EF4-FFF2-40B4-BE49-F238E27FC236}">
+                <a16:creationId xmlns:a16="http://schemas.microsoft.com/office/drawing/2014/main" id="{3CE1AC4E-2E0C-4823-9A53-71174F37199C}"/>
+              </a:ext>
+            </a:extLst>
+          </p:cNvPr>
+          <p:cNvSpPr/>
+          <p:nvPr/>
+        </p:nvSpPr>
+        <p:spPr>
+          <a:xfrm>
+            <a:off x="221894" y="2462688"/>
+            <a:ext cx="6096000" cy="923330"/>
+          </a:xfrm>
+          <a:prstGeom prst="rect">
+            <a:avLst/>
+          </a:prstGeom>
+        </p:spPr>
+        <p:txBody>
+          <a:bodyPr>
+            <a:spAutoFit/>
+          </a:bodyPr>
+          <a:lstStyle/>
+          <a:p>
+            <a:pPr marL="285750" indent="-285750">
+              <a:buFont typeface="Arial" panose="020B0604020202020204" pitchFamily="34" charset="0"/>
+              <a:buChar char="•"/>
+            </a:pPr>
+            <a:r>
+              <a:rPr lang="en-US" dirty="0">
+                <a:solidFill>
+                  <a:srgbClr val="242424"/>
+                </a:solidFill>
+              </a:rPr>
+              <a:t>Wake up</a:t>
+            </a:r>
+            <a:endParaRPr lang="en-US" dirty="0">
+              <a:solidFill>
+                <a:srgbClr val="FF0000"/>
+              </a:solidFill>
+            </a:endParaRPr>
+          </a:p>
+          <a:p>
+            <a:r>
+              <a:rPr lang="en-US" dirty="0">
+                <a:solidFill>
+                  <a:srgbClr val="FF0000"/>
+                </a:solidFill>
+              </a:rPr>
+              <a:t>3) </a:t>
+            </a:r>
+            <a:r>
+              <a:rPr lang="en-US" dirty="0">
+                <a:solidFill>
+                  <a:srgbClr val="242424"/>
+                </a:solidFill>
+              </a:rPr>
+              <a:t>–Being signaled</a:t>
+            </a:r>
+          </a:p>
+          <a:p>
+            <a:r>
+              <a:rPr lang="en-US" dirty="0">
+                <a:solidFill>
+                  <a:srgbClr val="FF0000"/>
+                </a:solidFill>
+              </a:rPr>
+              <a:t>4) </a:t>
+            </a:r>
+            <a:r>
+              <a:rPr lang="en-US" dirty="0">
+                <a:solidFill>
+                  <a:srgbClr val="242424"/>
+                </a:solidFill>
+              </a:rPr>
+              <a:t>- being interrupted</a:t>
+            </a:r>
+          </a:p>
+        </p:txBody>
+      </p:sp>
+      <p:sp>
+        <p:nvSpPr>
+          <p:cNvPr id="3" name="Rectangle 2">
+            <a:extLst>
+              <a:ext uri="{FF2B5EF4-FFF2-40B4-BE49-F238E27FC236}">
+                <a16:creationId xmlns:a16="http://schemas.microsoft.com/office/drawing/2014/main" id="{C76C084E-5348-4F8E-A17F-F0D6F8653976}"/>
+              </a:ext>
+            </a:extLst>
+          </p:cNvPr>
+          <p:cNvSpPr/>
+          <p:nvPr/>
+        </p:nvSpPr>
+        <p:spPr>
+          <a:xfrm>
+            <a:off x="163115" y="4437667"/>
+            <a:ext cx="5455212" cy="1477328"/>
+          </a:xfrm>
+          <a:prstGeom prst="rect">
+            <a:avLst/>
+          </a:prstGeom>
+        </p:spPr>
+        <p:txBody>
+          <a:bodyPr wrap="square">
+            <a:spAutoFit/>
+          </a:bodyPr>
+          <a:lstStyle/>
+          <a:p>
+            <a:pPr marL="285750" indent="-285750">
+              <a:buClr>
+                <a:schemeClr val="tx1"/>
+              </a:buClr>
+              <a:buFont typeface="Arial" panose="020B0604020202020204" pitchFamily="34" charset="0"/>
+              <a:buChar char="•"/>
+            </a:pPr>
+            <a:r>
+              <a:rPr lang="en-US" dirty="0">
+                <a:solidFill>
+                  <a:srgbClr val="242424"/>
+                </a:solidFill>
+              </a:rPr>
+              <a:t>Compete the lock</a:t>
+            </a:r>
+          </a:p>
+          <a:p>
+            <a:pPr>
+              <a:buClr>
+                <a:schemeClr val="tx1"/>
+              </a:buClr>
+            </a:pPr>
+            <a:r>
+              <a:rPr lang="en-US" dirty="0">
+                <a:solidFill>
+                  <a:srgbClr val="FF0000"/>
+                </a:solidFill>
+              </a:rPr>
+              <a:t>5) </a:t>
+            </a:r>
+            <a:r>
+              <a:rPr lang="en-US" dirty="0">
+                <a:solidFill>
+                  <a:srgbClr val="242424"/>
+                </a:solidFill>
+              </a:rPr>
+              <a:t>– Exit from Waiting, hold the lock, await() returns</a:t>
+            </a:r>
+            <a:endParaRPr lang="en-US" dirty="0">
+              <a:solidFill>
+                <a:srgbClr val="242424"/>
+              </a:solidFill>
+              <a:latin typeface="Abadi" panose="020B0604020202020204" pitchFamily="34" charset="0"/>
+            </a:endParaRPr>
+          </a:p>
+          <a:p>
+            <a:pPr>
+              <a:buClr>
+                <a:schemeClr val="tx1"/>
+              </a:buClr>
+            </a:pPr>
+            <a:r>
+              <a:rPr lang="en-US" dirty="0">
+                <a:solidFill>
+                  <a:srgbClr val="FF0000"/>
+                </a:solidFill>
+              </a:rPr>
+              <a:t>6) </a:t>
+            </a:r>
+            <a:r>
+              <a:rPr lang="en-US" dirty="0">
+                <a:solidFill>
+                  <a:srgbClr val="242424"/>
+                </a:solidFill>
+              </a:rPr>
+              <a:t>–Waiting on the lock, non-interruptible, wake up and compete the lock.</a:t>
+            </a:r>
+          </a:p>
+          <a:p>
+            <a:r>
+              <a:rPr lang="en-US" dirty="0">
+                <a:solidFill>
+                  <a:srgbClr val="FF0000"/>
+                </a:solidFill>
+              </a:rPr>
+              <a:t>  </a:t>
+            </a:r>
+          </a:p>
+        </p:txBody>
+      </p:sp>
+      <p:sp>
+        <p:nvSpPr>
+          <p:cNvPr id="16" name="TextBox 15">
+            <a:extLst>
+              <a:ext uri="{FF2B5EF4-FFF2-40B4-BE49-F238E27FC236}">
+                <a16:creationId xmlns:a16="http://schemas.microsoft.com/office/drawing/2014/main" id="{DD54712C-5DC3-4FEB-A505-EB11E216CBD3}"/>
+              </a:ext>
+            </a:extLst>
+          </p:cNvPr>
+          <p:cNvSpPr txBox="1"/>
+          <p:nvPr/>
+        </p:nvSpPr>
+        <p:spPr bwMode="auto">
+          <a:xfrm>
+            <a:off x="5456387" y="3692662"/>
+            <a:ext cx="349444" cy="282143"/>
+          </a:xfrm>
+          <a:prstGeom prst="rect">
+            <a:avLst/>
+          </a:prstGeom>
+          <a:noFill/>
+          <a:ln w="12700">
+            <a:noFill/>
+            <a:miter lim="800000"/>
+            <a:headEnd/>
+            <a:tailEnd/>
+          </a:ln>
+        </p:spPr>
+        <p:txBody>
+          <a:bodyPr vert="horz" wrap="none" lIns="72000" tIns="36000" rIns="73152" bIns="36576" numCol="1" rtlCol="0" anchor="t" anchorCtr="0" compatLnSpc="1">
+            <a:prstTxWarp prst="textNoShape">
+              <a:avLst/>
+            </a:prstTxWarp>
+            <a:noAutofit/>
+          </a:bodyPr>
+          <a:lstStyle/>
+          <a:p>
+            <a:pPr algn="l">
+              <a:buClr>
+                <a:schemeClr val="tx1"/>
+              </a:buClr>
+            </a:pPr>
+            <a:r>
+              <a:rPr lang="en-US" sz="1400" dirty="0">
+                <a:solidFill>
+                  <a:srgbClr val="FF0000"/>
+                </a:solidFill>
+                <a:latin typeface="Abadi" panose="020B0604020202020204" pitchFamily="34" charset="0"/>
+              </a:rPr>
+              <a:t>2)</a:t>
+            </a:r>
+          </a:p>
+        </p:txBody>
+      </p:sp>
+      <p:sp>
+        <p:nvSpPr>
+          <p:cNvPr id="17" name="TextBox 16">
+            <a:extLst>
+              <a:ext uri="{FF2B5EF4-FFF2-40B4-BE49-F238E27FC236}">
+                <a16:creationId xmlns:a16="http://schemas.microsoft.com/office/drawing/2014/main" id="{562B972C-D571-4AE6-A05B-19F2903B10D0}"/>
+              </a:ext>
+            </a:extLst>
+          </p:cNvPr>
+          <p:cNvSpPr txBox="1"/>
+          <p:nvPr/>
+        </p:nvSpPr>
+        <p:spPr bwMode="auto">
+          <a:xfrm>
+            <a:off x="6507544" y="4568606"/>
+            <a:ext cx="349444" cy="282143"/>
+          </a:xfrm>
+          <a:prstGeom prst="rect">
+            <a:avLst/>
+          </a:prstGeom>
+          <a:noFill/>
+          <a:ln w="12700">
+            <a:noFill/>
+            <a:miter lim="800000"/>
+            <a:headEnd/>
+            <a:tailEnd/>
+          </a:ln>
+        </p:spPr>
+        <p:txBody>
+          <a:bodyPr vert="horz" wrap="none" lIns="72000" tIns="36000" rIns="73152" bIns="36576" numCol="1" rtlCol="0" anchor="t" anchorCtr="0" compatLnSpc="1">
+            <a:prstTxWarp prst="textNoShape">
+              <a:avLst/>
+            </a:prstTxWarp>
+            <a:noAutofit/>
+          </a:bodyPr>
+          <a:lstStyle/>
+          <a:p>
+            <a:pPr algn="l">
+              <a:buClr>
+                <a:schemeClr val="tx1"/>
+              </a:buClr>
+            </a:pPr>
+            <a:r>
+              <a:rPr lang="en-US" sz="1400" dirty="0">
+                <a:solidFill>
+                  <a:srgbClr val="FF0000"/>
+                </a:solidFill>
+                <a:latin typeface="Abadi" panose="020B0604020202020204" pitchFamily="34" charset="0"/>
+              </a:rPr>
+              <a:t>3)</a:t>
+            </a:r>
+          </a:p>
+        </p:txBody>
+      </p:sp>
+      <p:sp>
+        <p:nvSpPr>
+          <p:cNvPr id="18" name="TextBox 17">
+            <a:extLst>
+              <a:ext uri="{FF2B5EF4-FFF2-40B4-BE49-F238E27FC236}">
+                <a16:creationId xmlns:a16="http://schemas.microsoft.com/office/drawing/2014/main" id="{AF45FE4A-EAD9-4D0A-B5AD-4F26059033A4}"/>
+              </a:ext>
+            </a:extLst>
+          </p:cNvPr>
+          <p:cNvSpPr txBox="1"/>
+          <p:nvPr/>
+        </p:nvSpPr>
+        <p:spPr bwMode="auto">
+          <a:xfrm>
+            <a:off x="6796356" y="4568170"/>
+            <a:ext cx="349444" cy="282143"/>
+          </a:xfrm>
+          <a:prstGeom prst="rect">
+            <a:avLst/>
+          </a:prstGeom>
+          <a:noFill/>
+          <a:ln w="12700">
+            <a:noFill/>
+            <a:miter lim="800000"/>
+            <a:headEnd/>
+            <a:tailEnd/>
+          </a:ln>
+        </p:spPr>
+        <p:txBody>
+          <a:bodyPr vert="horz" wrap="none" lIns="72000" tIns="36000" rIns="73152" bIns="36576" numCol="1" rtlCol="0" anchor="t" anchorCtr="0" compatLnSpc="1">
+            <a:prstTxWarp prst="textNoShape">
+              <a:avLst/>
+            </a:prstTxWarp>
+            <a:noAutofit/>
+          </a:bodyPr>
+          <a:lstStyle/>
+          <a:p>
+            <a:pPr algn="l">
+              <a:buClr>
+                <a:schemeClr val="tx1"/>
+              </a:buClr>
+            </a:pPr>
+            <a:r>
+              <a:rPr lang="en-US" sz="1400" dirty="0">
+                <a:solidFill>
+                  <a:srgbClr val="FF0000"/>
+                </a:solidFill>
+                <a:latin typeface="Abadi" panose="020B0604020202020204" pitchFamily="34" charset="0"/>
+              </a:rPr>
+              <a:t>4)</a:t>
+            </a:r>
+          </a:p>
+        </p:txBody>
+      </p:sp>
+      <p:sp>
+        <p:nvSpPr>
+          <p:cNvPr id="19" name="TextBox 18">
+            <a:extLst>
+              <a:ext uri="{FF2B5EF4-FFF2-40B4-BE49-F238E27FC236}">
+                <a16:creationId xmlns:a16="http://schemas.microsoft.com/office/drawing/2014/main" id="{21F51F58-AC38-479D-B40E-423047DB6D14}"/>
+              </a:ext>
+            </a:extLst>
+          </p:cNvPr>
+          <p:cNvSpPr txBox="1"/>
+          <p:nvPr/>
+        </p:nvSpPr>
+        <p:spPr bwMode="auto">
+          <a:xfrm>
+            <a:off x="6782211" y="3676620"/>
+            <a:ext cx="349444" cy="282143"/>
+          </a:xfrm>
+          <a:prstGeom prst="rect">
+            <a:avLst/>
+          </a:prstGeom>
+          <a:noFill/>
+          <a:ln w="12700">
+            <a:noFill/>
+            <a:miter lim="800000"/>
+            <a:headEnd/>
+            <a:tailEnd/>
+          </a:ln>
+        </p:spPr>
+        <p:txBody>
+          <a:bodyPr vert="horz" wrap="none" lIns="72000" tIns="36000" rIns="73152" bIns="36576" numCol="1" rtlCol="0" anchor="t" anchorCtr="0" compatLnSpc="1">
+            <a:prstTxWarp prst="textNoShape">
+              <a:avLst/>
+            </a:prstTxWarp>
+            <a:noAutofit/>
+          </a:bodyPr>
+          <a:lstStyle/>
+          <a:p>
+            <a:pPr algn="l">
+              <a:buClr>
+                <a:schemeClr val="tx1"/>
+              </a:buClr>
+            </a:pPr>
+            <a:r>
+              <a:rPr lang="en-US" sz="1400" dirty="0">
+                <a:solidFill>
+                  <a:srgbClr val="FF0000"/>
+                </a:solidFill>
+                <a:latin typeface="Abadi" panose="020B0604020202020204" pitchFamily="34" charset="0"/>
+              </a:rPr>
+              <a:t>5)</a:t>
+            </a:r>
+          </a:p>
+        </p:txBody>
+      </p:sp>
+      <p:sp>
+        <p:nvSpPr>
+          <p:cNvPr id="20" name="TextBox 19">
+            <a:extLst>
+              <a:ext uri="{FF2B5EF4-FFF2-40B4-BE49-F238E27FC236}">
+                <a16:creationId xmlns:a16="http://schemas.microsoft.com/office/drawing/2014/main" id="{4A6E9A5F-103F-4162-8C1C-6933B2915C20}"/>
+              </a:ext>
+            </a:extLst>
+          </p:cNvPr>
+          <p:cNvSpPr txBox="1"/>
+          <p:nvPr/>
+        </p:nvSpPr>
+        <p:spPr bwMode="auto">
+          <a:xfrm>
+            <a:off x="7098226" y="4567459"/>
+            <a:ext cx="292003" cy="266376"/>
+          </a:xfrm>
+          <a:prstGeom prst="rect">
+            <a:avLst/>
+          </a:prstGeom>
+          <a:noFill/>
+          <a:ln w="12700">
+            <a:noFill/>
+            <a:miter lim="800000"/>
+            <a:headEnd/>
+            <a:tailEnd/>
+          </a:ln>
+        </p:spPr>
+        <p:txBody>
+          <a:bodyPr vert="horz" wrap="none" lIns="72000" tIns="36000" rIns="73152" bIns="36576" numCol="1" rtlCol="0" anchor="t" anchorCtr="0" compatLnSpc="1">
+            <a:prstTxWarp prst="textNoShape">
+              <a:avLst/>
+            </a:prstTxWarp>
+            <a:noAutofit/>
+          </a:bodyPr>
+          <a:lstStyle/>
+          <a:p>
+            <a:pPr algn="l">
+              <a:buClr>
+                <a:schemeClr val="tx1"/>
+              </a:buClr>
+            </a:pPr>
+            <a:r>
+              <a:rPr lang="en-US" sz="1400" dirty="0">
+                <a:solidFill>
+                  <a:srgbClr val="FF0000"/>
+                </a:solidFill>
+                <a:latin typeface="Abadi" panose="020B0604020202020204" pitchFamily="34" charset="0"/>
+              </a:rPr>
+              <a:t>6)</a:t>
+            </a:r>
+          </a:p>
+        </p:txBody>
+      </p:sp>
+      <p:sp>
+        <p:nvSpPr>
+          <p:cNvPr id="10" name="Rectangle 9">
+            <a:extLst>
+              <a:ext uri="{FF2B5EF4-FFF2-40B4-BE49-F238E27FC236}">
+                <a16:creationId xmlns:a16="http://schemas.microsoft.com/office/drawing/2014/main" id="{1EB8462D-F1DC-46F2-9369-8C554232013D}"/>
+              </a:ext>
+            </a:extLst>
+          </p:cNvPr>
+          <p:cNvSpPr/>
+          <p:nvPr/>
+        </p:nvSpPr>
+        <p:spPr>
+          <a:xfrm>
+            <a:off x="490439" y="3366996"/>
+            <a:ext cx="2244525" cy="369332"/>
+          </a:xfrm>
+          <a:prstGeom prst="rect">
+            <a:avLst/>
+          </a:prstGeom>
+        </p:spPr>
+        <p:txBody>
+          <a:bodyPr wrap="none">
+            <a:spAutoFit/>
+          </a:bodyPr>
+          <a:lstStyle/>
+          <a:p>
+            <a:r>
+              <a:rPr lang="en-US" dirty="0"/>
+              <a:t> *spurious waken up</a:t>
+            </a:r>
+          </a:p>
+        </p:txBody>
+      </p:sp>
+      <p:sp>
+        <p:nvSpPr>
+          <p:cNvPr id="12" name="TextBox 11">
+            <a:extLst>
+              <a:ext uri="{FF2B5EF4-FFF2-40B4-BE49-F238E27FC236}">
+                <a16:creationId xmlns:a16="http://schemas.microsoft.com/office/drawing/2014/main" id="{D8C800F0-990E-416C-B2CD-3A53818AD277}"/>
+              </a:ext>
+            </a:extLst>
+          </p:cNvPr>
+          <p:cNvSpPr txBox="1"/>
+          <p:nvPr/>
+        </p:nvSpPr>
+        <p:spPr bwMode="auto">
+          <a:xfrm>
+            <a:off x="6782211" y="2060897"/>
+            <a:ext cx="349444" cy="282143"/>
+          </a:xfrm>
+          <a:prstGeom prst="rect">
+            <a:avLst/>
+          </a:prstGeom>
+          <a:noFill/>
+          <a:ln w="12700">
+            <a:noFill/>
+            <a:miter lim="800000"/>
+            <a:headEnd/>
+            <a:tailEnd/>
+          </a:ln>
+        </p:spPr>
+        <p:txBody>
+          <a:bodyPr vert="horz" wrap="none" lIns="72000" tIns="36000" rIns="73152" bIns="36576" numCol="1" rtlCol="0" anchor="t" anchorCtr="0" compatLnSpc="1">
+            <a:prstTxWarp prst="textNoShape">
+              <a:avLst/>
+            </a:prstTxWarp>
+            <a:noAutofit/>
+          </a:bodyPr>
+          <a:lstStyle/>
+          <a:p>
+            <a:pPr algn="l">
+              <a:buClr>
+                <a:schemeClr val="tx1"/>
+              </a:buClr>
+            </a:pPr>
+            <a:r>
+              <a:rPr lang="en-US" sz="1400" dirty="0">
+                <a:solidFill>
+                  <a:srgbClr val="FF0000"/>
+                </a:solidFill>
+                <a:latin typeface="Abadi" panose="020B0604020202020204" pitchFamily="34" charset="0"/>
+              </a:rPr>
+              <a:t>1)</a:t>
+            </a:r>
+          </a:p>
+        </p:txBody>
+      </p:sp>
+      <p:sp>
+        <p:nvSpPr>
+          <p:cNvPr id="8" name="Rectangle 7">
+            <a:extLst>
+              <a:ext uri="{FF2B5EF4-FFF2-40B4-BE49-F238E27FC236}">
+                <a16:creationId xmlns:a16="http://schemas.microsoft.com/office/drawing/2014/main" id="{599B7BC4-2E5F-4C9B-8A55-216F3EADE507}"/>
+              </a:ext>
+            </a:extLst>
+          </p:cNvPr>
+          <p:cNvSpPr/>
+          <p:nvPr/>
+        </p:nvSpPr>
+        <p:spPr>
+          <a:xfrm>
+            <a:off x="5258424" y="779642"/>
+            <a:ext cx="6096000" cy="923330"/>
+          </a:xfrm>
+          <a:prstGeom prst="rect">
+            <a:avLst/>
+          </a:prstGeom>
+        </p:spPr>
+        <p:txBody>
+          <a:bodyPr>
+            <a:spAutoFit/>
+          </a:bodyPr>
+          <a:lstStyle/>
+          <a:p>
+            <a:r>
+              <a:rPr lang="en-US" dirty="0">
+                <a:solidFill>
+                  <a:srgbClr val="00B0F0"/>
+                </a:solidFill>
+              </a:rPr>
+              <a:t>Question: If a thread is staying in await(), another thread hold the lock and never release, Could the waiting thread be killed?</a:t>
+            </a:r>
+          </a:p>
+        </p:txBody>
+      </p:sp>
+    </p:spTree>
+    <p:extLst>
+      <p:ext uri="{BB962C8B-B14F-4D97-AF65-F5344CB8AC3E}">
+        <p14:creationId xmlns:p14="http://schemas.microsoft.com/office/powerpoint/2010/main" val="2737767033"/>
       </p:ext>
     </p:extLst>
   </p:cSld>
@@ -23334,7 +23820,7 @@
         </p:nvSpPr>
         <p:spPr>
           <a:xfrm>
-            <a:off x="221894" y="544925"/>
+            <a:off x="221894" y="228429"/>
             <a:ext cx="6233698" cy="1754326"/>
           </a:xfrm>
           <a:prstGeom prst="rect">
@@ -23348,8 +23834,12 @@
           <a:lstStyle/>
           <a:p>
             <a:r>
-              <a:rPr lang="en-US" dirty="0"/>
-              <a:t>await()</a:t>
+              <a:rPr lang="en-US" dirty="0" err="1"/>
+              <a:t>awaitUninterruptibly</a:t>
+            </a:r>
+            <a:r>
+              <a:rPr lang="en-US" dirty="0"/>
+              <a:t>()</a:t>
             </a:r>
           </a:p>
           <a:p>
@@ -23404,7 +23894,7 @@
                   <a:srgbClr val="242424"/>
                 </a:solidFill>
               </a:rPr>
-              <a:t>-  Waiting on the condition, interruptible</a:t>
+              <a:t>-  Waiting on the condition, non-interruptible</a:t>
             </a:r>
           </a:p>
           <a:p>
@@ -23439,8 +23929,8 @@
         </p:nvSpPr>
         <p:spPr>
           <a:xfrm>
-            <a:off x="221894" y="2462688"/>
-            <a:ext cx="6096000" cy="923330"/>
+            <a:off x="221894" y="2264723"/>
+            <a:ext cx="6096000" cy="646331"/>
           </a:xfrm>
           <a:prstGeom prst="rect">
             <a:avLst/>
@@ -23486,24 +23976,6 @@
                 </a:solidFill>
               </a:rPr>
               <a:t>–Being signaled</a:t>
-            </a:r>
-          </a:p>
-          <a:p>
-            <a:r>
-              <a:rPr lang="en-US" dirty="0">
-                <a:solidFill>
-                  <a:srgbClr val="FF0000"/>
-                </a:solidFill>
-              </a:rPr>
-              <a:t>4) </a:t>
-            </a:r>
-            <a:r>
-              <a:rPr lang="en-US" dirty="0">
-                <a:solidFill>
-                  <a:srgbClr val="242424"/>
-                </a:solidFill>
-              </a:rPr>
-              <a:t>- being interrupted</a:t>
             </a:r>
           </a:p>
         </p:txBody>
@@ -23522,8 +23994,8 @@
         </p:nvSpPr>
         <p:spPr>
           <a:xfrm>
-            <a:off x="163115" y="4437667"/>
-            <a:ext cx="5455212" cy="1477328"/>
+            <a:off x="163114" y="4437667"/>
+            <a:ext cx="5642717" cy="1754326"/>
           </a:xfrm>
           <a:prstGeom prst="rect">
             <a:avLst/>
@@ -23571,7 +24043,19 @@
                   <a:srgbClr val="242424"/>
                 </a:solidFill>
               </a:rPr>
-              <a:t>– Exit from Waiting, hold the lock, await() returns</a:t>
+              <a:t>– Exit from Waiting, hold the lock, </a:t>
+            </a:r>
+            <a:r>
+              <a:rPr lang="en-US" dirty="0" err="1"/>
+              <a:t>awaitUninterruptibly</a:t>
+            </a:r>
+            <a:r>
+              <a:rPr lang="en-US" dirty="0">
+                <a:solidFill>
+                  <a:srgbClr val="242424"/>
+                </a:solidFill>
+              </a:rPr>
+              <a:t>() returns</a:t>
             </a:r>
             <a:endParaRPr lang="en-US" dirty="0">
               <a:solidFill>
@@ -23725,60 +24209,6 @@
       </p:sp>
       <p:sp>
         <p:nvSpPr>
-          <p:cNvPr id="18" name="TextBox 17">
-            <a:extLst>
-              <a:ext uri="{FF2B5EF4-FFF2-40B4-BE49-F238E27FC236}">
-                <a16:creationId xmlns:a16="http://schemas.microsoft.com/office/drawing/2014/main" id="{AF45FE4A-EAD9-4D0A-B5AD-4F26059033A4}"/>
-              </a:ext>
-            </a:extLst>
-          </p:cNvPr>
-          <p:cNvSpPr txBox="1"/>
-          <p:nvPr/>
-        </p:nvSpPr>
-        <p:spPr bwMode="auto">
-          <a:xfrm>
-            <a:off x="6796356" y="4568170"/>
-            <a:ext cx="349444" cy="282143"/>
-          </a:xfrm>
-          <a:prstGeom prst="rect">
-            <a:avLst/>
-          </a:prstGeom>
-          <a:noFill/>
-          <a:ln w="12700">
-            <a:noFill/>
-            <a:miter lim="800000"/>
-            <a:headEnd/>
-            <a:tailEnd/>
-          </a:ln>
-        </p:spPr>
-        <p:txBody>
-          <a:bodyPr vert="horz" wrap="none" lIns="72000" tIns="36000" rIns="73152" bIns="36576" numCol="1" rtlCol="0" anchor="t" anchorCtr="0" compatLnSpc="1">
-            <a:prstTxWarp prst="textNoShape">
-              <a:avLst/>
-            </a:prstTxWarp>
-            <a:noAutofit/>
-          </a:bodyPr>
-          <a:lstStyle/>
-          <a:p>
-            <a:pPr algn="l">
-              <a:buClr>
-                <a:schemeClr val="tx1"/>
-              </a:buClr>
-            </a:pPr>
-            <a:r>
-              <a:rPr lang="en-US" sz="1400" dirty="0">
-                <a:solidFill>
-                  <a:srgbClr val="FF0000"/>
-                </a:solidFill>
-                <a:latin typeface="Abadi" panose="020B0604020202020204" pitchFamily="34" charset="0"/>
-              </a:rPr>
-              <a:t>4)</a:t>
-            </a:r>
-          </a:p>
-        </p:txBody>
-      </p:sp>
-      <p:sp>
-        <p:nvSpPr>
           <p:cNvPr id="19" name="TextBox 18">
             <a:extLst>
               <a:ext uri="{FF2B5EF4-FFF2-40B4-BE49-F238E27FC236}">
@@ -23899,7 +24329,7 @@
         </p:nvSpPr>
         <p:spPr>
           <a:xfrm>
-            <a:off x="490439" y="3366996"/>
+            <a:off x="417577" y="2895599"/>
             <a:ext cx="2244525" cy="369332"/>
           </a:xfrm>
           <a:prstGeom prst="rect">
@@ -23973,48 +24403,10 @@
           </a:p>
         </p:txBody>
       </p:sp>
-      <p:sp>
-        <p:nvSpPr>
-          <p:cNvPr id="8" name="Rectangle 7">
-            <a:extLst>
-              <a:ext uri="{FF2B5EF4-FFF2-40B4-BE49-F238E27FC236}">
-                <a16:creationId xmlns:a16="http://schemas.microsoft.com/office/drawing/2014/main" id="{599B7BC4-2E5F-4C9B-8A55-216F3EADE507}"/>
-              </a:ext>
-            </a:extLst>
-          </p:cNvPr>
-          <p:cNvSpPr/>
-          <p:nvPr/>
-        </p:nvSpPr>
-        <p:spPr>
-          <a:xfrm>
-            <a:off x="5258424" y="779642"/>
-            <a:ext cx="6096000" cy="923330"/>
-          </a:xfrm>
-          <a:prstGeom prst="rect">
-            <a:avLst/>
-          </a:prstGeom>
-        </p:spPr>
-        <p:txBody>
-          <a:bodyPr>
-            <a:spAutoFit/>
-          </a:bodyPr>
-          <a:lstStyle/>
-          <a:p>
-            <a:r>
-              <a:rPr lang="en-US" dirty="0">
-                <a:solidFill>
-                  <a:srgbClr val="00B0F0"/>
-                </a:solidFill>
-              </a:rPr>
-              <a:t>Question: If a thread is staying in await(), another thread hold the lock and never release, Could the waiting thread be killed?</a:t>
-            </a:r>
-          </a:p>
-        </p:txBody>
-      </p:sp>
     </p:spTree>
     <p:extLst>
       <p:ext uri="{BB962C8B-B14F-4D97-AF65-F5344CB8AC3E}">
-        <p14:creationId xmlns:p14="http://schemas.microsoft.com/office/powerpoint/2010/main" val="2737767033"/>
+        <p14:creationId xmlns:p14="http://schemas.microsoft.com/office/powerpoint/2010/main" val="706736350"/>
       </p:ext>
     </p:extLst>
   </p:cSld>
@@ -24284,663 +24676,6 @@
 </file>
 
 <file path=ppt/slides/slide20.xml><?xml version="1.0" encoding="utf-8"?>
-<p:sld xmlns:a="http://schemas.openxmlformats.org/drawingml/2006/main" xmlns:r="http://schemas.openxmlformats.org/officeDocument/2006/relationships" xmlns:p="http://schemas.openxmlformats.org/presentationml/2006/main">
-  <p:cSld>
-    <p:spTree>
-      <p:nvGrpSpPr>
-        <p:cNvPr id="1" name=""/>
-        <p:cNvGrpSpPr/>
-        <p:nvPr/>
-      </p:nvGrpSpPr>
-      <p:grpSpPr>
-        <a:xfrm>
-          <a:off x="0" y="0"/>
-          <a:ext cx="0" cy="0"/>
-          <a:chOff x="0" y="0"/>
-          <a:chExt cx="0" cy="0"/>
-        </a:xfrm>
-      </p:grpSpPr>
-      <p:pic>
-        <p:nvPicPr>
-          <p:cNvPr id="5" name="Picture 4">
-            <a:extLst>
-              <a:ext uri="{FF2B5EF4-FFF2-40B4-BE49-F238E27FC236}">
-                <a16:creationId xmlns:a16="http://schemas.microsoft.com/office/drawing/2014/main" id="{32675C1A-9919-47A2-A812-76EBA40A962E}"/>
-              </a:ext>
-            </a:extLst>
-          </p:cNvPr>
-          <p:cNvPicPr>
-            <a:picLocks noChangeAspect="1"/>
-          </p:cNvPicPr>
-          <p:nvPr/>
-        </p:nvPicPr>
-        <p:blipFill>
-          <a:blip r:embed="rId3"/>
-          <a:stretch>
-            <a:fillRect/>
-          </a:stretch>
-        </p:blipFill>
-        <p:spPr>
-          <a:xfrm>
-            <a:off x="5102310" y="1850603"/>
-            <a:ext cx="3495675" cy="4457700"/>
-          </a:xfrm>
-          <a:prstGeom prst="rect">
-            <a:avLst/>
-          </a:prstGeom>
-        </p:spPr>
-      </p:pic>
-      <p:sp>
-        <p:nvSpPr>
-          <p:cNvPr id="7" name="Rectangle 6">
-            <a:extLst>
-              <a:ext uri="{FF2B5EF4-FFF2-40B4-BE49-F238E27FC236}">
-                <a16:creationId xmlns:a16="http://schemas.microsoft.com/office/drawing/2014/main" id="{49746035-8550-480B-8B92-D36BC42303B2}"/>
-              </a:ext>
-            </a:extLst>
-          </p:cNvPr>
-          <p:cNvSpPr/>
-          <p:nvPr/>
-        </p:nvSpPr>
-        <p:spPr>
-          <a:xfrm>
-            <a:off x="221894" y="228429"/>
-            <a:ext cx="6233698" cy="1754326"/>
-          </a:xfrm>
-          <a:prstGeom prst="rect">
-            <a:avLst/>
-          </a:prstGeom>
-        </p:spPr>
-        <p:txBody>
-          <a:bodyPr wrap="square">
-            <a:spAutoFit/>
-          </a:bodyPr>
-          <a:lstStyle/>
-          <a:p>
-            <a:r>
-              <a:rPr lang="en-US" dirty="0" err="1"/>
-              <a:t>awaitUninterruptibly</a:t>
-            </a:r>
-            <a:r>
-              <a:rPr lang="en-US" dirty="0"/>
-              <a:t>()</a:t>
-            </a:r>
-          </a:p>
-          <a:p>
-            <a:pPr marL="285750" indent="-285750">
-              <a:buFont typeface="Arial" panose="020B0604020202020204" pitchFamily="34" charset="0"/>
-              <a:buChar char="•"/>
-            </a:pPr>
-            <a:r>
-              <a:rPr lang="en-US" dirty="0">
-                <a:solidFill>
-                  <a:srgbClr val="242424"/>
-                </a:solidFill>
-              </a:rPr>
-              <a:t>Enter Waiting</a:t>
-            </a:r>
-            <a:endParaRPr lang="en-US" dirty="0">
-              <a:solidFill>
-                <a:srgbClr val="FF0000"/>
-              </a:solidFill>
-            </a:endParaRPr>
-          </a:p>
-          <a:p>
-            <a:r>
-              <a:rPr lang="en-US" dirty="0">
-                <a:solidFill>
-                  <a:srgbClr val="FF0000"/>
-                </a:solidFill>
-              </a:rPr>
-              <a:t>1)</a:t>
-            </a:r>
-            <a:r>
-              <a:rPr lang="en-US" dirty="0">
-                <a:solidFill>
-                  <a:srgbClr val="242424"/>
-                </a:solidFill>
-              </a:rPr>
-              <a:t> – Release lock</a:t>
-            </a:r>
-          </a:p>
-          <a:p>
-            <a:r>
-              <a:rPr lang="en-US" dirty="0">
-                <a:solidFill>
-                  <a:srgbClr val="FF0000"/>
-                </a:solidFill>
-              </a:rPr>
-              <a:t>2) </a:t>
-            </a:r>
-            <a:r>
-              <a:rPr lang="en-US" dirty="0">
-                <a:solidFill>
-                  <a:srgbClr val="242424"/>
-                </a:solidFill>
-              </a:rPr>
-              <a:t>-  Waiting on the condition, non-interruptible</a:t>
-            </a:r>
-          </a:p>
-          <a:p>
-            <a:endParaRPr lang="en-US" dirty="0">
-              <a:solidFill>
-                <a:srgbClr val="FF0000"/>
-              </a:solidFill>
-              <a:latin typeface="Abadi" panose="020B0604020202020204" pitchFamily="34" charset="0"/>
-            </a:endParaRPr>
-          </a:p>
-          <a:p>
-            <a:endParaRPr lang="en-US" dirty="0">
-              <a:solidFill>
-                <a:srgbClr val="FF0000"/>
-              </a:solidFill>
-              <a:latin typeface="Abadi" panose="020B0604020202020204" pitchFamily="34" charset="0"/>
-            </a:endParaRPr>
-          </a:p>
-        </p:txBody>
-      </p:sp>
-      <p:sp>
-        <p:nvSpPr>
-          <p:cNvPr id="2" name="Rectangle 1">
-            <a:extLst>
-              <a:ext uri="{FF2B5EF4-FFF2-40B4-BE49-F238E27FC236}">
-                <a16:creationId xmlns:a16="http://schemas.microsoft.com/office/drawing/2014/main" id="{3CE1AC4E-2E0C-4823-9A53-71174F37199C}"/>
-              </a:ext>
-            </a:extLst>
-          </p:cNvPr>
-          <p:cNvSpPr/>
-          <p:nvPr/>
-        </p:nvSpPr>
-        <p:spPr>
-          <a:xfrm>
-            <a:off x="221894" y="2264723"/>
-            <a:ext cx="6096000" cy="646331"/>
-          </a:xfrm>
-          <a:prstGeom prst="rect">
-            <a:avLst/>
-          </a:prstGeom>
-        </p:spPr>
-        <p:txBody>
-          <a:bodyPr>
-            <a:spAutoFit/>
-          </a:bodyPr>
-          <a:lstStyle/>
-          <a:p>
-            <a:pPr marL="285750" indent="-285750">
-              <a:buFont typeface="Arial" panose="020B0604020202020204" pitchFamily="34" charset="0"/>
-              <a:buChar char="•"/>
-            </a:pPr>
-            <a:r>
-              <a:rPr lang="en-US" dirty="0">
-                <a:solidFill>
-                  <a:srgbClr val="242424"/>
-                </a:solidFill>
-              </a:rPr>
-              <a:t>Wake up</a:t>
-            </a:r>
-            <a:endParaRPr lang="en-US" dirty="0">
-              <a:solidFill>
-                <a:srgbClr val="FF0000"/>
-              </a:solidFill>
-            </a:endParaRPr>
-          </a:p>
-          <a:p>
-            <a:r>
-              <a:rPr lang="en-US" dirty="0">
-                <a:solidFill>
-                  <a:srgbClr val="FF0000"/>
-                </a:solidFill>
-              </a:rPr>
-              <a:t>3) </a:t>
-            </a:r>
-            <a:r>
-              <a:rPr lang="en-US" dirty="0">
-                <a:solidFill>
-                  <a:srgbClr val="242424"/>
-                </a:solidFill>
-              </a:rPr>
-              <a:t>–Being signaled</a:t>
-            </a:r>
-          </a:p>
-        </p:txBody>
-      </p:sp>
-      <p:sp>
-        <p:nvSpPr>
-          <p:cNvPr id="3" name="Rectangle 2">
-            <a:extLst>
-              <a:ext uri="{FF2B5EF4-FFF2-40B4-BE49-F238E27FC236}">
-                <a16:creationId xmlns:a16="http://schemas.microsoft.com/office/drawing/2014/main" id="{C76C084E-5348-4F8E-A17F-F0D6F8653976}"/>
-              </a:ext>
-            </a:extLst>
-          </p:cNvPr>
-          <p:cNvSpPr/>
-          <p:nvPr/>
-        </p:nvSpPr>
-        <p:spPr>
-          <a:xfrm>
-            <a:off x="163114" y="4437667"/>
-            <a:ext cx="5642717" cy="1754326"/>
-          </a:xfrm>
-          <a:prstGeom prst="rect">
-            <a:avLst/>
-          </a:prstGeom>
-        </p:spPr>
-        <p:txBody>
-          <a:bodyPr wrap="square">
-            <a:spAutoFit/>
-          </a:bodyPr>
-          <a:lstStyle/>
-          <a:p>
-            <a:pPr marL="285750" indent="-285750">
-              <a:buClr>
-                <a:schemeClr val="tx1"/>
-              </a:buClr>
-              <a:buFont typeface="Arial" panose="020B0604020202020204" pitchFamily="34" charset="0"/>
-              <a:buChar char="•"/>
-            </a:pPr>
-            <a:r>
-              <a:rPr lang="en-US" dirty="0">
-                <a:solidFill>
-                  <a:srgbClr val="242424"/>
-                </a:solidFill>
-              </a:rPr>
-              <a:t>Compete the lock</a:t>
-            </a:r>
-          </a:p>
-          <a:p>
-            <a:pPr>
-              <a:buClr>
-                <a:schemeClr val="tx1"/>
-              </a:buClr>
-            </a:pPr>
-            <a:r>
-              <a:rPr lang="en-US" dirty="0">
-                <a:solidFill>
-                  <a:srgbClr val="FF0000"/>
-                </a:solidFill>
-              </a:rPr>
-              <a:t>5) </a:t>
-            </a:r>
-            <a:r>
-              <a:rPr lang="en-US" dirty="0">
-                <a:solidFill>
-                  <a:srgbClr val="242424"/>
-                </a:solidFill>
-              </a:rPr>
-              <a:t>– Exit from Waiting, hold the lock, </a:t>
-            </a:r>
-            <a:r>
-              <a:rPr lang="en-US" dirty="0" err="1"/>
-              <a:t>awaitUninterruptibly</a:t>
-            </a:r>
-            <a:r>
-              <a:rPr lang="en-US" dirty="0">
-                <a:solidFill>
-                  <a:srgbClr val="242424"/>
-                </a:solidFill>
-              </a:rPr>
-              <a:t>() returns</a:t>
-            </a:r>
-            <a:endParaRPr lang="en-US" dirty="0">
-              <a:solidFill>
-                <a:srgbClr val="242424"/>
-              </a:solidFill>
-              <a:latin typeface="Abadi" panose="020B0604020202020204" pitchFamily="34" charset="0"/>
-            </a:endParaRPr>
-          </a:p>
-          <a:p>
-            <a:pPr>
-              <a:buClr>
-                <a:schemeClr val="tx1"/>
-              </a:buClr>
-            </a:pPr>
-            <a:r>
-              <a:rPr lang="en-US" dirty="0">
-                <a:solidFill>
-                  <a:srgbClr val="FF0000"/>
-                </a:solidFill>
-              </a:rPr>
-              <a:t>6) </a:t>
-            </a:r>
-            <a:r>
-              <a:rPr lang="en-US" dirty="0">
-                <a:solidFill>
-                  <a:srgbClr val="242424"/>
-                </a:solidFill>
-              </a:rPr>
-              <a:t>–Waiting on the lock, non-interruptible, wake up and compete the lock.</a:t>
-            </a:r>
-          </a:p>
-          <a:p>
-            <a:r>
-              <a:rPr lang="en-US" dirty="0">
-                <a:solidFill>
-                  <a:srgbClr val="FF0000"/>
-                </a:solidFill>
-              </a:rPr>
-              <a:t>  </a:t>
-            </a:r>
-          </a:p>
-        </p:txBody>
-      </p:sp>
-      <p:sp>
-        <p:nvSpPr>
-          <p:cNvPr id="16" name="TextBox 15">
-            <a:extLst>
-              <a:ext uri="{FF2B5EF4-FFF2-40B4-BE49-F238E27FC236}">
-                <a16:creationId xmlns:a16="http://schemas.microsoft.com/office/drawing/2014/main" id="{DD54712C-5DC3-4FEB-A505-EB11E216CBD3}"/>
-              </a:ext>
-            </a:extLst>
-          </p:cNvPr>
-          <p:cNvSpPr txBox="1"/>
-          <p:nvPr/>
-        </p:nvSpPr>
-        <p:spPr bwMode="auto">
-          <a:xfrm>
-            <a:off x="5456387" y="3692662"/>
-            <a:ext cx="349444" cy="282143"/>
-          </a:xfrm>
-          <a:prstGeom prst="rect">
-            <a:avLst/>
-          </a:prstGeom>
-          <a:noFill/>
-          <a:ln w="12700">
-            <a:noFill/>
-            <a:miter lim="800000"/>
-            <a:headEnd/>
-            <a:tailEnd/>
-          </a:ln>
-        </p:spPr>
-        <p:txBody>
-          <a:bodyPr vert="horz" wrap="none" lIns="72000" tIns="36000" rIns="73152" bIns="36576" numCol="1" rtlCol="0" anchor="t" anchorCtr="0" compatLnSpc="1">
-            <a:prstTxWarp prst="textNoShape">
-              <a:avLst/>
-            </a:prstTxWarp>
-            <a:noAutofit/>
-          </a:bodyPr>
-          <a:lstStyle/>
-          <a:p>
-            <a:pPr algn="l">
-              <a:buClr>
-                <a:schemeClr val="tx1"/>
-              </a:buClr>
-            </a:pPr>
-            <a:r>
-              <a:rPr lang="en-US" sz="1400" dirty="0">
-                <a:solidFill>
-                  <a:srgbClr val="FF0000"/>
-                </a:solidFill>
-                <a:latin typeface="Abadi" panose="020B0604020202020204" pitchFamily="34" charset="0"/>
-              </a:rPr>
-              <a:t>2)</a:t>
-            </a:r>
-          </a:p>
-        </p:txBody>
-      </p:sp>
-      <p:sp>
-        <p:nvSpPr>
-          <p:cNvPr id="17" name="TextBox 16">
-            <a:extLst>
-              <a:ext uri="{FF2B5EF4-FFF2-40B4-BE49-F238E27FC236}">
-                <a16:creationId xmlns:a16="http://schemas.microsoft.com/office/drawing/2014/main" id="{562B972C-D571-4AE6-A05B-19F2903B10D0}"/>
-              </a:ext>
-            </a:extLst>
-          </p:cNvPr>
-          <p:cNvSpPr txBox="1"/>
-          <p:nvPr/>
-        </p:nvSpPr>
-        <p:spPr bwMode="auto">
-          <a:xfrm>
-            <a:off x="6507544" y="4568606"/>
-            <a:ext cx="349444" cy="282143"/>
-          </a:xfrm>
-          <a:prstGeom prst="rect">
-            <a:avLst/>
-          </a:prstGeom>
-          <a:noFill/>
-          <a:ln w="12700">
-            <a:noFill/>
-            <a:miter lim="800000"/>
-            <a:headEnd/>
-            <a:tailEnd/>
-          </a:ln>
-        </p:spPr>
-        <p:txBody>
-          <a:bodyPr vert="horz" wrap="none" lIns="72000" tIns="36000" rIns="73152" bIns="36576" numCol="1" rtlCol="0" anchor="t" anchorCtr="0" compatLnSpc="1">
-            <a:prstTxWarp prst="textNoShape">
-              <a:avLst/>
-            </a:prstTxWarp>
-            <a:noAutofit/>
-          </a:bodyPr>
-          <a:lstStyle/>
-          <a:p>
-            <a:pPr algn="l">
-              <a:buClr>
-                <a:schemeClr val="tx1"/>
-              </a:buClr>
-            </a:pPr>
-            <a:r>
-              <a:rPr lang="en-US" sz="1400" dirty="0">
-                <a:solidFill>
-                  <a:srgbClr val="FF0000"/>
-                </a:solidFill>
-                <a:latin typeface="Abadi" panose="020B0604020202020204" pitchFamily="34" charset="0"/>
-              </a:rPr>
-              <a:t>3)</a:t>
-            </a:r>
-          </a:p>
-        </p:txBody>
-      </p:sp>
-      <p:sp>
-        <p:nvSpPr>
-          <p:cNvPr id="19" name="TextBox 18">
-            <a:extLst>
-              <a:ext uri="{FF2B5EF4-FFF2-40B4-BE49-F238E27FC236}">
-                <a16:creationId xmlns:a16="http://schemas.microsoft.com/office/drawing/2014/main" id="{21F51F58-AC38-479D-B40E-423047DB6D14}"/>
-              </a:ext>
-            </a:extLst>
-          </p:cNvPr>
-          <p:cNvSpPr txBox="1"/>
-          <p:nvPr/>
-        </p:nvSpPr>
-        <p:spPr bwMode="auto">
-          <a:xfrm>
-            <a:off x="6782211" y="3676620"/>
-            <a:ext cx="349444" cy="282143"/>
-          </a:xfrm>
-          <a:prstGeom prst="rect">
-            <a:avLst/>
-          </a:prstGeom>
-          <a:noFill/>
-          <a:ln w="12700">
-            <a:noFill/>
-            <a:miter lim="800000"/>
-            <a:headEnd/>
-            <a:tailEnd/>
-          </a:ln>
-        </p:spPr>
-        <p:txBody>
-          <a:bodyPr vert="horz" wrap="none" lIns="72000" tIns="36000" rIns="73152" bIns="36576" numCol="1" rtlCol="0" anchor="t" anchorCtr="0" compatLnSpc="1">
-            <a:prstTxWarp prst="textNoShape">
-              <a:avLst/>
-            </a:prstTxWarp>
-            <a:noAutofit/>
-          </a:bodyPr>
-          <a:lstStyle/>
-          <a:p>
-            <a:pPr algn="l">
-              <a:buClr>
-                <a:schemeClr val="tx1"/>
-              </a:buClr>
-            </a:pPr>
-            <a:r>
-              <a:rPr lang="en-US" sz="1400" dirty="0">
-                <a:solidFill>
-                  <a:srgbClr val="FF0000"/>
-                </a:solidFill>
-                <a:latin typeface="Abadi" panose="020B0604020202020204" pitchFamily="34" charset="0"/>
-              </a:rPr>
-              <a:t>5)</a:t>
-            </a:r>
-          </a:p>
-        </p:txBody>
-      </p:sp>
-      <p:sp>
-        <p:nvSpPr>
-          <p:cNvPr id="20" name="TextBox 19">
-            <a:extLst>
-              <a:ext uri="{FF2B5EF4-FFF2-40B4-BE49-F238E27FC236}">
-                <a16:creationId xmlns:a16="http://schemas.microsoft.com/office/drawing/2014/main" id="{4A6E9A5F-103F-4162-8C1C-6933B2915C20}"/>
-              </a:ext>
-            </a:extLst>
-          </p:cNvPr>
-          <p:cNvSpPr txBox="1"/>
-          <p:nvPr/>
-        </p:nvSpPr>
-        <p:spPr bwMode="auto">
-          <a:xfrm>
-            <a:off x="7098226" y="4567459"/>
-            <a:ext cx="292003" cy="266376"/>
-          </a:xfrm>
-          <a:prstGeom prst="rect">
-            <a:avLst/>
-          </a:prstGeom>
-          <a:noFill/>
-          <a:ln w="12700">
-            <a:noFill/>
-            <a:miter lim="800000"/>
-            <a:headEnd/>
-            <a:tailEnd/>
-          </a:ln>
-        </p:spPr>
-        <p:txBody>
-          <a:bodyPr vert="horz" wrap="none" lIns="72000" tIns="36000" rIns="73152" bIns="36576" numCol="1" rtlCol="0" anchor="t" anchorCtr="0" compatLnSpc="1">
-            <a:prstTxWarp prst="textNoShape">
-              <a:avLst/>
-            </a:prstTxWarp>
-            <a:noAutofit/>
-          </a:bodyPr>
-          <a:lstStyle/>
-          <a:p>
-            <a:pPr algn="l">
-              <a:buClr>
-                <a:schemeClr val="tx1"/>
-              </a:buClr>
-            </a:pPr>
-            <a:r>
-              <a:rPr lang="en-US" sz="1400" dirty="0">
-                <a:solidFill>
-                  <a:srgbClr val="FF0000"/>
-                </a:solidFill>
-                <a:latin typeface="Abadi" panose="020B0604020202020204" pitchFamily="34" charset="0"/>
-              </a:rPr>
-              <a:t>6)</a:t>
-            </a:r>
-          </a:p>
-        </p:txBody>
-      </p:sp>
-      <p:sp>
-        <p:nvSpPr>
-          <p:cNvPr id="10" name="Rectangle 9">
-            <a:extLst>
-              <a:ext uri="{FF2B5EF4-FFF2-40B4-BE49-F238E27FC236}">
-                <a16:creationId xmlns:a16="http://schemas.microsoft.com/office/drawing/2014/main" id="{1EB8462D-F1DC-46F2-9369-8C554232013D}"/>
-              </a:ext>
-            </a:extLst>
-          </p:cNvPr>
-          <p:cNvSpPr/>
-          <p:nvPr/>
-        </p:nvSpPr>
-        <p:spPr>
-          <a:xfrm>
-            <a:off x="417577" y="2895599"/>
-            <a:ext cx="2244525" cy="369332"/>
-          </a:xfrm>
-          <a:prstGeom prst="rect">
-            <a:avLst/>
-          </a:prstGeom>
-        </p:spPr>
-        <p:txBody>
-          <a:bodyPr wrap="none">
-            <a:spAutoFit/>
-          </a:bodyPr>
-          <a:lstStyle/>
-          <a:p>
-            <a:r>
-              <a:rPr lang="en-US" dirty="0"/>
-              <a:t> *spurious waken up</a:t>
-            </a:r>
-          </a:p>
-        </p:txBody>
-      </p:sp>
-      <p:sp>
-        <p:nvSpPr>
-          <p:cNvPr id="12" name="TextBox 11">
-            <a:extLst>
-              <a:ext uri="{FF2B5EF4-FFF2-40B4-BE49-F238E27FC236}">
-                <a16:creationId xmlns:a16="http://schemas.microsoft.com/office/drawing/2014/main" id="{D8C800F0-990E-416C-B2CD-3A53818AD277}"/>
-              </a:ext>
-            </a:extLst>
-          </p:cNvPr>
-          <p:cNvSpPr txBox="1"/>
-          <p:nvPr/>
-        </p:nvSpPr>
-        <p:spPr bwMode="auto">
-          <a:xfrm>
-            <a:off x="6782211" y="2060897"/>
-            <a:ext cx="349444" cy="282143"/>
-          </a:xfrm>
-          <a:prstGeom prst="rect">
-            <a:avLst/>
-          </a:prstGeom>
-          <a:noFill/>
-          <a:ln w="12700">
-            <a:noFill/>
-            <a:miter lim="800000"/>
-            <a:headEnd/>
-            <a:tailEnd/>
-          </a:ln>
-        </p:spPr>
-        <p:txBody>
-          <a:bodyPr vert="horz" wrap="none" lIns="72000" tIns="36000" rIns="73152" bIns="36576" numCol="1" rtlCol="0" anchor="t" anchorCtr="0" compatLnSpc="1">
-            <a:prstTxWarp prst="textNoShape">
-              <a:avLst/>
-            </a:prstTxWarp>
-            <a:noAutofit/>
-          </a:bodyPr>
-          <a:lstStyle/>
-          <a:p>
-            <a:pPr algn="l">
-              <a:buClr>
-                <a:schemeClr val="tx1"/>
-              </a:buClr>
-            </a:pPr>
-            <a:r>
-              <a:rPr lang="en-US" sz="1400" dirty="0">
-                <a:solidFill>
-                  <a:srgbClr val="FF0000"/>
-                </a:solidFill>
-                <a:latin typeface="Abadi" panose="020B0604020202020204" pitchFamily="34" charset="0"/>
-              </a:rPr>
-              <a:t>1)</a:t>
-            </a:r>
-          </a:p>
-        </p:txBody>
-      </p:sp>
-    </p:spTree>
-    <p:extLst>
-      <p:ext uri="{BB962C8B-B14F-4D97-AF65-F5344CB8AC3E}">
-        <p14:creationId xmlns:p14="http://schemas.microsoft.com/office/powerpoint/2010/main" val="706736350"/>
-      </p:ext>
-    </p:extLst>
-  </p:cSld>
-  <p:clrMapOvr>
-    <a:masterClrMapping/>
-  </p:clrMapOvr>
-</p:sld>
-</file>
-
-<file path=ppt/slides/slide21.xml><?xml version="1.0" encoding="utf-8"?>
 <p:sld xmlns:a="http://schemas.openxmlformats.org/drawingml/2006/main" xmlns:r="http://schemas.openxmlformats.org/officeDocument/2006/relationships" xmlns:p="http://schemas.openxmlformats.org/presentationml/2006/main">
   <p:cSld>
     <p:spTree>
@@ -25775,6 +25510,300 @@
 </p:sld>
 </file>
 
+<file path=ppt/slides/slide21.xml><?xml version="1.0" encoding="utf-8"?>
+<p:sld xmlns:a="http://schemas.openxmlformats.org/drawingml/2006/main" xmlns:r="http://schemas.openxmlformats.org/officeDocument/2006/relationships" xmlns:p="http://schemas.openxmlformats.org/presentationml/2006/main">
+  <p:cSld>
+    <p:spTree>
+      <p:nvGrpSpPr>
+        <p:cNvPr id="1" name=""/>
+        <p:cNvGrpSpPr/>
+        <p:nvPr/>
+      </p:nvGrpSpPr>
+      <p:grpSpPr>
+        <a:xfrm>
+          <a:off x="0" y="0"/>
+          <a:ext cx="0" cy="0"/>
+          <a:chOff x="0" y="0"/>
+          <a:chExt cx="0" cy="0"/>
+        </a:xfrm>
+      </p:grpSpPr>
+      <p:sp>
+        <p:nvSpPr>
+          <p:cNvPr id="7" name="Rectangle 6">
+            <a:extLst>
+              <a:ext uri="{FF2B5EF4-FFF2-40B4-BE49-F238E27FC236}">
+                <a16:creationId xmlns:a16="http://schemas.microsoft.com/office/drawing/2014/main" id="{49746035-8550-480B-8B92-D36BC42303B2}"/>
+              </a:ext>
+            </a:extLst>
+          </p:cNvPr>
+          <p:cNvSpPr/>
+          <p:nvPr/>
+        </p:nvSpPr>
+        <p:spPr>
+          <a:xfrm>
+            <a:off x="1004318" y="705180"/>
+            <a:ext cx="9713957" cy="923330"/>
+          </a:xfrm>
+          <a:prstGeom prst="rect">
+            <a:avLst/>
+          </a:prstGeom>
+        </p:spPr>
+        <p:txBody>
+          <a:bodyPr wrap="square">
+            <a:spAutoFit/>
+          </a:bodyPr>
+          <a:lstStyle/>
+          <a:p>
+            <a:r>
+              <a:rPr lang="en-US" dirty="0">
+                <a:solidFill>
+                  <a:srgbClr val="242424"/>
+                </a:solidFill>
+              </a:rPr>
+              <a:t>Signal()</a:t>
+            </a:r>
+            <a:endParaRPr lang="en-US" dirty="0">
+              <a:solidFill>
+                <a:srgbClr val="FF0000"/>
+              </a:solidFill>
+            </a:endParaRPr>
+          </a:p>
+          <a:p>
+            <a:pPr>
+              <a:buClr>
+                <a:schemeClr val="tx1"/>
+              </a:buClr>
+            </a:pPr>
+            <a:r>
+              <a:rPr lang="en-US" dirty="0">
+                <a:solidFill>
+                  <a:srgbClr val="242424"/>
+                </a:solidFill>
+              </a:rPr>
+              <a:t>1) –move the first(*) wait on condition thread to wait on the lock, stay in Waiting state</a:t>
+            </a:r>
+            <a:endParaRPr lang="en-US" dirty="0">
+              <a:solidFill>
+                <a:srgbClr val="242424"/>
+              </a:solidFill>
+              <a:latin typeface="Abadi" panose="020B0604020202020204" pitchFamily="34" charset="0"/>
+            </a:endParaRPr>
+          </a:p>
+          <a:p>
+            <a:pPr>
+              <a:buClr>
+                <a:schemeClr val="tx1"/>
+              </a:buClr>
+            </a:pPr>
+            <a:r>
+              <a:rPr lang="en-US" dirty="0">
+                <a:solidFill>
+                  <a:srgbClr val="242424"/>
+                </a:solidFill>
+              </a:rPr>
+              <a:t>2) –move the first(*) wait on condition thread to wait on the lock, stay in Timed Waiting state</a:t>
+            </a:r>
+          </a:p>
+        </p:txBody>
+      </p:sp>
+      <p:sp>
+        <p:nvSpPr>
+          <p:cNvPr id="2" name="Rectangle 1">
+            <a:extLst>
+              <a:ext uri="{FF2B5EF4-FFF2-40B4-BE49-F238E27FC236}">
+                <a16:creationId xmlns:a16="http://schemas.microsoft.com/office/drawing/2014/main" id="{3CE1AC4E-2E0C-4823-9A53-71174F37199C}"/>
+              </a:ext>
+            </a:extLst>
+          </p:cNvPr>
+          <p:cNvSpPr/>
+          <p:nvPr/>
+        </p:nvSpPr>
+        <p:spPr>
+          <a:xfrm>
+            <a:off x="1004318" y="2126939"/>
+            <a:ext cx="9921347" cy="923330"/>
+          </a:xfrm>
+          <a:prstGeom prst="rect">
+            <a:avLst/>
+          </a:prstGeom>
+        </p:spPr>
+        <p:txBody>
+          <a:bodyPr wrap="square">
+            <a:spAutoFit/>
+          </a:bodyPr>
+          <a:lstStyle/>
+          <a:p>
+            <a:pPr>
+              <a:buClr>
+                <a:schemeClr val="tx1"/>
+              </a:buClr>
+            </a:pPr>
+            <a:r>
+              <a:rPr lang="en-US" dirty="0" err="1"/>
+              <a:t>SignalAll</a:t>
+            </a:r>
+            <a:r>
+              <a:rPr lang="en-US" dirty="0"/>
+              <a:t>()</a:t>
+            </a:r>
+            <a:endParaRPr lang="en-US" dirty="0">
+              <a:solidFill>
+                <a:srgbClr val="FF0000"/>
+              </a:solidFill>
+            </a:endParaRPr>
+          </a:p>
+          <a:p>
+            <a:pPr>
+              <a:buClr>
+                <a:schemeClr val="tx1"/>
+              </a:buClr>
+            </a:pPr>
+            <a:r>
+              <a:rPr lang="en-US" dirty="0">
+                <a:solidFill>
+                  <a:srgbClr val="242424"/>
+                </a:solidFill>
+              </a:rPr>
+              <a:t>3) – all threads waiting on condition move to waiting on the lock,  all stay in Waiting state</a:t>
+            </a:r>
+          </a:p>
+          <a:p>
+            <a:pPr>
+              <a:buClr>
+                <a:schemeClr val="tx1"/>
+              </a:buClr>
+            </a:pPr>
+            <a:r>
+              <a:rPr lang="en-US" dirty="0">
+                <a:solidFill>
+                  <a:srgbClr val="242424"/>
+                </a:solidFill>
+              </a:rPr>
+              <a:t>4) – all threads waiting on condition move to waiting on the lock,  all stay in Timed Waiting state</a:t>
+            </a:r>
+          </a:p>
+        </p:txBody>
+      </p:sp>
+      <p:sp>
+        <p:nvSpPr>
+          <p:cNvPr id="10" name="Rectangle 9">
+            <a:extLst>
+              <a:ext uri="{FF2B5EF4-FFF2-40B4-BE49-F238E27FC236}">
+                <a16:creationId xmlns:a16="http://schemas.microsoft.com/office/drawing/2014/main" id="{623C5CD2-62D3-4E95-9F85-D4BBC38AAA2E}"/>
+              </a:ext>
+            </a:extLst>
+          </p:cNvPr>
+          <p:cNvSpPr/>
+          <p:nvPr/>
+        </p:nvSpPr>
+        <p:spPr>
+          <a:xfrm>
+            <a:off x="1004318" y="4611597"/>
+            <a:ext cx="6078353" cy="646331"/>
+          </a:xfrm>
+          <a:prstGeom prst="rect">
+            <a:avLst/>
+          </a:prstGeom>
+        </p:spPr>
+        <p:txBody>
+          <a:bodyPr wrap="square">
+            <a:spAutoFit/>
+          </a:bodyPr>
+          <a:lstStyle/>
+          <a:p>
+            <a:r>
+              <a:rPr lang="en-US" dirty="0">
+                <a:solidFill>
+                  <a:srgbClr val="242424"/>
+                </a:solidFill>
+              </a:rPr>
+              <a:t>Unlock()  - (Last Time, Object lock count 1-&gt;0)</a:t>
+            </a:r>
+            <a:endParaRPr lang="en-US" dirty="0">
+              <a:solidFill>
+                <a:srgbClr val="FF0000"/>
+              </a:solidFill>
+            </a:endParaRPr>
+          </a:p>
+          <a:p>
+            <a:pPr>
+              <a:buClr>
+                <a:schemeClr val="tx1"/>
+              </a:buClr>
+            </a:pPr>
+            <a:r>
+              <a:rPr lang="en-US" dirty="0">
+                <a:solidFill>
+                  <a:srgbClr val="242424"/>
+                </a:solidFill>
+              </a:rPr>
+              <a:t>1) – release the lock</a:t>
+            </a:r>
+          </a:p>
+        </p:txBody>
+      </p:sp>
+      <p:sp>
+        <p:nvSpPr>
+          <p:cNvPr id="4" name="TextBox 3">
+            <a:extLst>
+              <a:ext uri="{FF2B5EF4-FFF2-40B4-BE49-F238E27FC236}">
+                <a16:creationId xmlns:a16="http://schemas.microsoft.com/office/drawing/2014/main" id="{563448B0-2CD8-4C3D-B4B8-6076E54C1576}"/>
+              </a:ext>
+            </a:extLst>
+          </p:cNvPr>
+          <p:cNvSpPr txBox="1"/>
+          <p:nvPr/>
+        </p:nvSpPr>
+        <p:spPr bwMode="auto">
+          <a:xfrm>
+            <a:off x="8540684" y="214460"/>
+            <a:ext cx="3016577" cy="351148"/>
+          </a:xfrm>
+          <a:prstGeom prst="rect">
+            <a:avLst/>
+          </a:prstGeom>
+          <a:noFill/>
+          <a:ln w="12700">
+            <a:noFill/>
+            <a:miter lim="800000"/>
+            <a:headEnd/>
+            <a:tailEnd/>
+          </a:ln>
+        </p:spPr>
+        <p:txBody>
+          <a:bodyPr vert="horz" wrap="none" lIns="72000" tIns="36000" rIns="73152" bIns="36576" numCol="1" rtlCol="0" anchor="t" anchorCtr="0" compatLnSpc="1">
+            <a:prstTxWarp prst="textNoShape">
+              <a:avLst/>
+            </a:prstTxWarp>
+            <a:noAutofit/>
+          </a:bodyPr>
+          <a:lstStyle/>
+          <a:p>
+            <a:pPr algn="l">
+              <a:buClr>
+                <a:schemeClr val="tx1"/>
+              </a:buClr>
+            </a:pPr>
+            <a:r>
+              <a:rPr lang="en-US" sz="2000" dirty="0"/>
+              <a:t>*Random-selected detail?</a:t>
+            </a:r>
+          </a:p>
+        </p:txBody>
+      </p:sp>
+    </p:spTree>
+    <p:extLst>
+      <p:ext uri="{BB962C8B-B14F-4D97-AF65-F5344CB8AC3E}">
+        <p14:creationId xmlns:p14="http://schemas.microsoft.com/office/powerpoint/2010/main" val="857097891"/>
+      </p:ext>
+    </p:extLst>
+  </p:cSld>
+  <p:clrMapOvr>
+    <a:masterClrMapping/>
+  </p:clrMapOvr>
+</p:sld>
+</file>
+
 <file path=ppt/slides/slide22.xml><?xml version="1.0" encoding="utf-8"?>
 <p:sld xmlns:a="http://schemas.openxmlformats.org/drawingml/2006/main" xmlns:r="http://schemas.openxmlformats.org/officeDocument/2006/relationships" xmlns:p="http://schemas.openxmlformats.org/presentationml/2006/main">
   <p:cSld>
@@ -25794,300 +25823,6 @@
       </p:grpSpPr>
       <p:sp>
         <p:nvSpPr>
-          <p:cNvPr id="7" name="Rectangle 6">
-            <a:extLst>
-              <a:ext uri="{FF2B5EF4-FFF2-40B4-BE49-F238E27FC236}">
-                <a16:creationId xmlns:a16="http://schemas.microsoft.com/office/drawing/2014/main" id="{49746035-8550-480B-8B92-D36BC42303B2}"/>
-              </a:ext>
-            </a:extLst>
-          </p:cNvPr>
-          <p:cNvSpPr/>
-          <p:nvPr/>
-        </p:nvSpPr>
-        <p:spPr>
-          <a:xfrm>
-            <a:off x="1004318" y="705180"/>
-            <a:ext cx="9713957" cy="923330"/>
-          </a:xfrm>
-          <a:prstGeom prst="rect">
-            <a:avLst/>
-          </a:prstGeom>
-        </p:spPr>
-        <p:txBody>
-          <a:bodyPr wrap="square">
-            <a:spAutoFit/>
-          </a:bodyPr>
-          <a:lstStyle/>
-          <a:p>
-            <a:r>
-              <a:rPr lang="en-US" dirty="0">
-                <a:solidFill>
-                  <a:srgbClr val="242424"/>
-                </a:solidFill>
-              </a:rPr>
-              <a:t>Signal()</a:t>
-            </a:r>
-            <a:endParaRPr lang="en-US" dirty="0">
-              <a:solidFill>
-                <a:srgbClr val="FF0000"/>
-              </a:solidFill>
-            </a:endParaRPr>
-          </a:p>
-          <a:p>
-            <a:pPr>
-              <a:buClr>
-                <a:schemeClr val="tx1"/>
-              </a:buClr>
-            </a:pPr>
-            <a:r>
-              <a:rPr lang="en-US" dirty="0">
-                <a:solidFill>
-                  <a:srgbClr val="242424"/>
-                </a:solidFill>
-              </a:rPr>
-              <a:t>1) –move the first(*) wait on condition thread to wait on the lock, stay in Waiting state</a:t>
-            </a:r>
-            <a:endParaRPr lang="en-US" dirty="0">
-              <a:solidFill>
-                <a:srgbClr val="242424"/>
-              </a:solidFill>
-              <a:latin typeface="Abadi" panose="020B0604020202020204" pitchFamily="34" charset="0"/>
-            </a:endParaRPr>
-          </a:p>
-          <a:p>
-            <a:pPr>
-              <a:buClr>
-                <a:schemeClr val="tx1"/>
-              </a:buClr>
-            </a:pPr>
-            <a:r>
-              <a:rPr lang="en-US" dirty="0">
-                <a:solidFill>
-                  <a:srgbClr val="242424"/>
-                </a:solidFill>
-              </a:rPr>
-              <a:t>2) –move the first(*) wait on condition thread to wait on the lock, stay in Timed Waiting state</a:t>
-            </a:r>
-          </a:p>
-        </p:txBody>
-      </p:sp>
-      <p:sp>
-        <p:nvSpPr>
-          <p:cNvPr id="2" name="Rectangle 1">
-            <a:extLst>
-              <a:ext uri="{FF2B5EF4-FFF2-40B4-BE49-F238E27FC236}">
-                <a16:creationId xmlns:a16="http://schemas.microsoft.com/office/drawing/2014/main" id="{3CE1AC4E-2E0C-4823-9A53-71174F37199C}"/>
-              </a:ext>
-            </a:extLst>
-          </p:cNvPr>
-          <p:cNvSpPr/>
-          <p:nvPr/>
-        </p:nvSpPr>
-        <p:spPr>
-          <a:xfrm>
-            <a:off x="1004318" y="2126939"/>
-            <a:ext cx="9921347" cy="923330"/>
-          </a:xfrm>
-          <a:prstGeom prst="rect">
-            <a:avLst/>
-          </a:prstGeom>
-        </p:spPr>
-        <p:txBody>
-          <a:bodyPr wrap="square">
-            <a:spAutoFit/>
-          </a:bodyPr>
-          <a:lstStyle/>
-          <a:p>
-            <a:pPr>
-              <a:buClr>
-                <a:schemeClr val="tx1"/>
-              </a:buClr>
-            </a:pPr>
-            <a:r>
-              <a:rPr lang="en-US" dirty="0" err="1"/>
-              <a:t>SignalAll</a:t>
-            </a:r>
-            <a:r>
-              <a:rPr lang="en-US" dirty="0"/>
-              <a:t>()</a:t>
-            </a:r>
-            <a:endParaRPr lang="en-US" dirty="0">
-              <a:solidFill>
-                <a:srgbClr val="FF0000"/>
-              </a:solidFill>
-            </a:endParaRPr>
-          </a:p>
-          <a:p>
-            <a:pPr>
-              <a:buClr>
-                <a:schemeClr val="tx1"/>
-              </a:buClr>
-            </a:pPr>
-            <a:r>
-              <a:rPr lang="en-US" dirty="0">
-                <a:solidFill>
-                  <a:srgbClr val="242424"/>
-                </a:solidFill>
-              </a:rPr>
-              <a:t>3) – all threads waiting on condition move to waiting on the lock,  all stay in Waiting state</a:t>
-            </a:r>
-          </a:p>
-          <a:p>
-            <a:pPr>
-              <a:buClr>
-                <a:schemeClr val="tx1"/>
-              </a:buClr>
-            </a:pPr>
-            <a:r>
-              <a:rPr lang="en-US" dirty="0">
-                <a:solidFill>
-                  <a:srgbClr val="242424"/>
-                </a:solidFill>
-              </a:rPr>
-              <a:t>4) – all threads waiting on condition move to waiting on the lock,  all stay in Timed Waiting state</a:t>
-            </a:r>
-          </a:p>
-        </p:txBody>
-      </p:sp>
-      <p:sp>
-        <p:nvSpPr>
-          <p:cNvPr id="10" name="Rectangle 9">
-            <a:extLst>
-              <a:ext uri="{FF2B5EF4-FFF2-40B4-BE49-F238E27FC236}">
-                <a16:creationId xmlns:a16="http://schemas.microsoft.com/office/drawing/2014/main" id="{623C5CD2-62D3-4E95-9F85-D4BBC38AAA2E}"/>
-              </a:ext>
-            </a:extLst>
-          </p:cNvPr>
-          <p:cNvSpPr/>
-          <p:nvPr/>
-        </p:nvSpPr>
-        <p:spPr>
-          <a:xfrm>
-            <a:off x="1004318" y="4611597"/>
-            <a:ext cx="6078353" cy="646331"/>
-          </a:xfrm>
-          <a:prstGeom prst="rect">
-            <a:avLst/>
-          </a:prstGeom>
-        </p:spPr>
-        <p:txBody>
-          <a:bodyPr wrap="square">
-            <a:spAutoFit/>
-          </a:bodyPr>
-          <a:lstStyle/>
-          <a:p>
-            <a:r>
-              <a:rPr lang="en-US" dirty="0">
-                <a:solidFill>
-                  <a:srgbClr val="242424"/>
-                </a:solidFill>
-              </a:rPr>
-              <a:t>Unlock()  - (Last Time, Object lock count 1-&gt;0)</a:t>
-            </a:r>
-            <a:endParaRPr lang="en-US" dirty="0">
-              <a:solidFill>
-                <a:srgbClr val="FF0000"/>
-              </a:solidFill>
-            </a:endParaRPr>
-          </a:p>
-          <a:p>
-            <a:pPr>
-              <a:buClr>
-                <a:schemeClr val="tx1"/>
-              </a:buClr>
-            </a:pPr>
-            <a:r>
-              <a:rPr lang="en-US" dirty="0">
-                <a:solidFill>
-                  <a:srgbClr val="242424"/>
-                </a:solidFill>
-              </a:rPr>
-              <a:t>1) – release the lock</a:t>
-            </a:r>
-          </a:p>
-        </p:txBody>
-      </p:sp>
-      <p:sp>
-        <p:nvSpPr>
-          <p:cNvPr id="4" name="TextBox 3">
-            <a:extLst>
-              <a:ext uri="{FF2B5EF4-FFF2-40B4-BE49-F238E27FC236}">
-                <a16:creationId xmlns:a16="http://schemas.microsoft.com/office/drawing/2014/main" id="{563448B0-2CD8-4C3D-B4B8-6076E54C1576}"/>
-              </a:ext>
-            </a:extLst>
-          </p:cNvPr>
-          <p:cNvSpPr txBox="1"/>
-          <p:nvPr/>
-        </p:nvSpPr>
-        <p:spPr bwMode="auto">
-          <a:xfrm>
-            <a:off x="8540684" y="214460"/>
-            <a:ext cx="3016577" cy="351148"/>
-          </a:xfrm>
-          <a:prstGeom prst="rect">
-            <a:avLst/>
-          </a:prstGeom>
-          <a:noFill/>
-          <a:ln w="12700">
-            <a:noFill/>
-            <a:miter lim="800000"/>
-            <a:headEnd/>
-            <a:tailEnd/>
-          </a:ln>
-        </p:spPr>
-        <p:txBody>
-          <a:bodyPr vert="horz" wrap="none" lIns="72000" tIns="36000" rIns="73152" bIns="36576" numCol="1" rtlCol="0" anchor="t" anchorCtr="0" compatLnSpc="1">
-            <a:prstTxWarp prst="textNoShape">
-              <a:avLst/>
-            </a:prstTxWarp>
-            <a:noAutofit/>
-          </a:bodyPr>
-          <a:lstStyle/>
-          <a:p>
-            <a:pPr algn="l">
-              <a:buClr>
-                <a:schemeClr val="tx1"/>
-              </a:buClr>
-            </a:pPr>
-            <a:r>
-              <a:rPr lang="en-US" sz="2000" dirty="0"/>
-              <a:t>*Random-selected detail?</a:t>
-            </a:r>
-          </a:p>
-        </p:txBody>
-      </p:sp>
-    </p:spTree>
-    <p:extLst>
-      <p:ext uri="{BB962C8B-B14F-4D97-AF65-F5344CB8AC3E}">
-        <p14:creationId xmlns:p14="http://schemas.microsoft.com/office/powerpoint/2010/main" val="857097891"/>
-      </p:ext>
-    </p:extLst>
-  </p:cSld>
-  <p:clrMapOvr>
-    <a:masterClrMapping/>
-  </p:clrMapOvr>
-</p:sld>
-</file>
-
-<file path=ppt/slides/slide23.xml><?xml version="1.0" encoding="utf-8"?>
-<p:sld xmlns:a="http://schemas.openxmlformats.org/drawingml/2006/main" xmlns:r="http://schemas.openxmlformats.org/officeDocument/2006/relationships" xmlns:p="http://schemas.openxmlformats.org/presentationml/2006/main">
-  <p:cSld>
-    <p:spTree>
-      <p:nvGrpSpPr>
-        <p:cNvPr id="1" name=""/>
-        <p:cNvGrpSpPr/>
-        <p:nvPr/>
-      </p:nvGrpSpPr>
-      <p:grpSpPr>
-        <a:xfrm>
-          <a:off x="0" y="0"/>
-          <a:ext cx="0" cy="0"/>
-          <a:chOff x="0" y="0"/>
-          <a:chExt cx="0" cy="0"/>
-        </a:xfrm>
-      </p:grpSpPr>
-      <p:sp>
-        <p:nvSpPr>
           <p:cNvPr id="5" name="Rectangle 4">
             <a:extLst>
               <a:ext uri="{FF2B5EF4-FFF2-40B4-BE49-F238E27FC236}">
@@ -26137,7 +25872,7 @@
                   <a:srgbClr val="00B0F0"/>
                 </a:solidFill>
               </a:rPr>
-              <a:t>Thread B is staying in wait(), but another thread A notify() then Interrupt() it,  after thread A release the lock,  Is the Thread B </a:t>
+              <a:t>Thread B is staying in await(), but another thread A signal() then Interrupt() it,  after thread A release the lock,  Is the Thread B </a:t>
             </a:r>
             <a:r>
               <a:rPr lang="en-US" sz="1600" dirty="0">
@@ -26163,10 +25898,10 @@
       </p:sp>
       <p:pic>
         <p:nvPicPr>
-          <p:cNvPr id="2" name="Picture 1">
+          <p:cNvPr id="3" name="Picture 2">
             <a:extLst>
               <a:ext uri="{FF2B5EF4-FFF2-40B4-BE49-F238E27FC236}">
-                <a16:creationId xmlns:a16="http://schemas.microsoft.com/office/drawing/2014/main" id="{2F50443B-F1A9-4125-BFFE-CFDA5B002A72}"/>
+                <a16:creationId xmlns:a16="http://schemas.microsoft.com/office/drawing/2014/main" id="{8447A96D-08E3-4E9B-93C8-38FE8B499612}"/>
               </a:ext>
             </a:extLst>
           </p:cNvPr>
@@ -26183,7 +25918,7 @@
         </p:blipFill>
         <p:spPr>
           <a:xfrm>
-            <a:off x="2523684" y="2882497"/>
+            <a:off x="2835825" y="2689160"/>
             <a:ext cx="6315075" cy="2095500"/>
           </a:xfrm>
           <a:prstGeom prst="rect">
@@ -26204,7 +25939,7 @@
 </p:sld>
 </file>
 
-<file path=ppt/slides/slide24.xml><?xml version="1.0" encoding="utf-8"?>
+<file path=ppt/slides/slide23.xml><?xml version="1.0" encoding="utf-8"?>
 <p:sld xmlns:a="http://schemas.openxmlformats.org/drawingml/2006/main" xmlns:r="http://schemas.openxmlformats.org/officeDocument/2006/relationships" xmlns:p="http://schemas.openxmlformats.org/presentationml/2006/main">
   <p:cSld>
     <p:spTree>
@@ -26386,7 +26121,7 @@
 </p:sld>
 </file>
 
-<file path=ppt/slides/slide25.xml><?xml version="1.0" encoding="utf-8"?>
+<file path=ppt/slides/slide24.xml><?xml version="1.0" encoding="utf-8"?>
 <p:sld xmlns:a="http://schemas.openxmlformats.org/drawingml/2006/main" xmlns:r="http://schemas.openxmlformats.org/officeDocument/2006/relationships" xmlns:p="http://schemas.openxmlformats.org/presentationml/2006/main">
   <p:cSld>
     <p:spTree>
@@ -26425,7 +26160,7 @@
         </p:blipFill>
         <p:spPr>
           <a:xfrm>
-            <a:off x="3679660" y="1385094"/>
+            <a:off x="3261971" y="1989138"/>
             <a:ext cx="8341526" cy="4392612"/>
           </a:xfrm>
           <a:prstGeom prst="rect">
@@ -26554,7 +26289,7 @@
 </p:sld>
 </file>
 
-<file path=ppt/slides/slide26.xml><?xml version="1.0" encoding="utf-8"?>
+<file path=ppt/slides/slide25.xml><?xml version="1.0" encoding="utf-8"?>
 <p:sld xmlns:a="http://schemas.openxmlformats.org/drawingml/2006/main" xmlns:r="http://schemas.openxmlformats.org/officeDocument/2006/relationships" xmlns:p="http://schemas.openxmlformats.org/presentationml/2006/main">
   <p:cSld>
     <p:spTree>
@@ -26730,7 +26465,7 @@
 </p:sld>
 </file>
 
-<file path=ppt/slides/slide27.xml><?xml version="1.0" encoding="utf-8"?>
+<file path=ppt/slides/slide26.xml><?xml version="1.0" encoding="utf-8"?>
 <p:sld xmlns:a="http://schemas.openxmlformats.org/drawingml/2006/main" xmlns:r="http://schemas.openxmlformats.org/officeDocument/2006/relationships" xmlns:p="http://schemas.openxmlformats.org/presentationml/2006/main">
   <p:cSld>
     <p:spTree>
@@ -26924,7 +26659,7 @@
 </p:sld>
 </file>
 
-<file path=ppt/slides/slide28.xml><?xml version="1.0" encoding="utf-8"?>
+<file path=ppt/slides/slide27.xml><?xml version="1.0" encoding="utf-8"?>
 <p:sld xmlns:a="http://schemas.openxmlformats.org/drawingml/2006/main" xmlns:r="http://schemas.openxmlformats.org/officeDocument/2006/relationships" xmlns:p="http://schemas.openxmlformats.org/presentationml/2006/main">
   <p:cSld>
     <p:spTree>
@@ -27060,6 +26795,126 @@
 </p:sld>
 </file>
 
+<file path=ppt/slides/slide28.xml><?xml version="1.0" encoding="utf-8"?>
+<p:sld xmlns:a="http://schemas.openxmlformats.org/drawingml/2006/main" xmlns:r="http://schemas.openxmlformats.org/officeDocument/2006/relationships" xmlns:p="http://schemas.openxmlformats.org/presentationml/2006/main">
+  <p:cSld>
+    <p:spTree>
+      <p:nvGrpSpPr>
+        <p:cNvPr id="1" name=""/>
+        <p:cNvGrpSpPr/>
+        <p:nvPr/>
+      </p:nvGrpSpPr>
+      <p:grpSpPr>
+        <a:xfrm>
+          <a:off x="0" y="0"/>
+          <a:ext cx="0" cy="0"/>
+          <a:chOff x="0" y="0"/>
+          <a:chExt cx="0" cy="0"/>
+        </a:xfrm>
+      </p:grpSpPr>
+      <p:sp>
+        <p:nvSpPr>
+          <p:cNvPr id="2" name="Content Placeholder 1">
+            <a:extLst>
+              <a:ext uri="{FF2B5EF4-FFF2-40B4-BE49-F238E27FC236}">
+                <a16:creationId xmlns:a16="http://schemas.microsoft.com/office/drawing/2014/main" id="{79782F52-229D-4D4E-ADD4-6A7CADBD08A7}"/>
+              </a:ext>
+            </a:extLst>
+          </p:cNvPr>
+          <p:cNvSpPr>
+            <a:spLocks noGrp="1"/>
+          </p:cNvSpPr>
+          <p:nvPr>
+            <p:ph sz="quarter" idx="11"/>
+          </p:nvPr>
+        </p:nvSpPr>
+        <p:spPr/>
+        <p:txBody>
+          <a:bodyPr/>
+          <a:lstStyle/>
+          <a:p>
+            <a:r>
+              <a:rPr lang="en-US" dirty="0"/>
+              <a:t>Tight Coupling</a:t>
+            </a:r>
+          </a:p>
+          <a:p>
+            <a:r>
+              <a:rPr lang="en-US" dirty="0"/>
+              <a:t>Thread can not be properly terminated</a:t>
+            </a:r>
+          </a:p>
+          <a:p>
+            <a:r>
+              <a:rPr lang="en-US" dirty="0" err="1"/>
+              <a:t>BlockingQueue</a:t>
+            </a:r>
+            <a:r>
+              <a:rPr lang="en-US" dirty="0"/>
+              <a:t> is simplest, and do not neglect the lock-free </a:t>
+            </a:r>
+            <a:r>
+              <a:rPr lang="en-US" dirty="0" err="1"/>
+              <a:t>ConcurrentLinkedQueue</a:t>
+            </a:r>
+            <a:r>
+              <a:rPr lang="en-US" dirty="0"/>
+              <a:t>. </a:t>
+            </a:r>
+          </a:p>
+          <a:p>
+            <a:r>
+              <a:rPr lang="en-US" dirty="0"/>
+              <a:t>Monitor has a special bias lock mechanism</a:t>
+            </a:r>
+          </a:p>
+          <a:p>
+            <a:endParaRPr lang="en-US" dirty="0"/>
+          </a:p>
+        </p:txBody>
+      </p:sp>
+      <p:sp>
+        <p:nvSpPr>
+          <p:cNvPr id="3" name="Title 2">
+            <a:extLst>
+              <a:ext uri="{FF2B5EF4-FFF2-40B4-BE49-F238E27FC236}">
+                <a16:creationId xmlns:a16="http://schemas.microsoft.com/office/drawing/2014/main" id="{C27E9E67-20BB-4F49-8C21-0439892A6B6A}"/>
+              </a:ext>
+            </a:extLst>
+          </p:cNvPr>
+          <p:cNvSpPr>
+            <a:spLocks noGrp="1"/>
+          </p:cNvSpPr>
+          <p:nvPr>
+            <p:ph type="title"/>
+          </p:nvPr>
+        </p:nvSpPr>
+        <p:spPr/>
+        <p:txBody>
+          <a:bodyPr/>
+          <a:lstStyle/>
+          <a:p>
+            <a:r>
+              <a:rPr lang="en-US" altLang="zh-CN" dirty="0"/>
+              <a:t>Java Cross-thread Summary</a:t>
+            </a:r>
+            <a:endParaRPr lang="en-US" dirty="0"/>
+          </a:p>
+        </p:txBody>
+      </p:sp>
+    </p:spTree>
+    <p:extLst>
+      <p:ext uri="{BB962C8B-B14F-4D97-AF65-F5344CB8AC3E}">
+        <p14:creationId xmlns:p14="http://schemas.microsoft.com/office/powerpoint/2010/main" val="861609027"/>
+      </p:ext>
+    </p:extLst>
+  </p:cSld>
+  <p:clrMapOvr>
+    <a:masterClrMapping/>
+  </p:clrMapOvr>
+</p:sld>
+</file>
+
 <file path=ppt/slides/slide29.xml><?xml version="1.0" encoding="utf-8"?>
 <p:sld xmlns:a="http://schemas.openxmlformats.org/drawingml/2006/main" xmlns:r="http://schemas.openxmlformats.org/officeDocument/2006/relationships" xmlns:p="http://schemas.openxmlformats.org/presentationml/2006/main">
   <p:cSld>
@@ -27082,7 +26937,7 @@
           <p:cNvPr id="2" name="Content Placeholder 1">
             <a:extLst>
               <a:ext uri="{FF2B5EF4-FFF2-40B4-BE49-F238E27FC236}">
-                <a16:creationId xmlns:a16="http://schemas.microsoft.com/office/drawing/2014/main" id="{79782F52-229D-4D4E-ADD4-6A7CADBD08A7}"/>
+                <a16:creationId xmlns:a16="http://schemas.microsoft.com/office/drawing/2014/main" id="{FB15E26C-ED7F-449A-BEDD-6AE7C6E73CBA}"/>
               </a:ext>
             </a:extLst>
           </p:cNvPr>
@@ -27099,42 +26954,43 @@
           <a:lstStyle/>
           <a:p>
             <a:r>
-              <a:rPr lang="en-US" dirty="0"/>
-              <a:t>Tight Coupling</a:t>
-            </a:r>
-          </a:p>
-          <a:p>
-            <a:r>
-              <a:rPr lang="en-US" dirty="0"/>
-              <a:t>Thread can not be properly terminated</a:t>
-            </a:r>
-          </a:p>
-          <a:p>
+              <a:rPr lang="en-US" altLang="zh-CN" dirty="0"/>
+              <a:t>NIO and</a:t>
+            </a:r>
+            <a:r>
+              <a:rPr lang="en-US" dirty="0"/>
+              <a:t> </a:t>
+            </a:r>
             <a:r>
               <a:rPr lang="en-US" dirty="0" err="1"/>
-              <a:t>BlockingQueue</a:t>
-            </a:r>
-            <a:r>
-              <a:rPr lang="en-US" dirty="0"/>
-              <a:t> is simplest, and do not neglect the lock-free </a:t>
-            </a:r>
-            <a:r>
-              <a:rPr lang="en-US" dirty="0" err="1"/>
-              <a:t>ConcurrentLinkedQueue</a:t>
-            </a:r>
-            <a:r>
-              <a:rPr lang="en-US" dirty="0"/>
-              <a:t>. </a:t>
-            </a:r>
-          </a:p>
-          <a:p>
-            <a:r>
-              <a:rPr lang="en-US" dirty="0"/>
-              <a:t>Monitor has a special bias lock mechanism</a:t>
-            </a:r>
-          </a:p>
-          <a:p>
-            <a:endParaRPr lang="en-US" dirty="0"/>
+              <a:t>MappedByteBuffer</a:t>
+            </a:r>
+            <a:r>
+              <a:rPr lang="en-US" dirty="0"/>
+              <a:t>(Java SHM solution)</a:t>
+            </a:r>
+          </a:p>
+          <a:p>
+            <a:r>
+              <a:rPr lang="en-US" altLang="zh-CN" dirty="0"/>
+              <a:t>Using Linux</a:t>
+            </a:r>
+            <a:r>
+              <a:rPr lang="zh-CN" altLang="en-US" dirty="0"/>
+              <a:t> </a:t>
+            </a:r>
+            <a:r>
+              <a:rPr lang="en-US" altLang="zh-CN" dirty="0" err="1"/>
+              <a:t>SystemV</a:t>
+            </a:r>
+            <a:r>
+              <a:rPr lang="en-US" altLang="zh-CN" dirty="0"/>
+              <a:t>-IPC MQ </a:t>
+            </a:r>
+            <a:r>
+              <a:rPr lang="en-US" dirty="0"/>
+              <a:t>through JNA</a:t>
+            </a:r>
           </a:p>
         </p:txBody>
       </p:sp>
@@ -27143,7 +26999,7 @@
           <p:cNvPr id="3" name="Title 2">
             <a:extLst>
               <a:ext uri="{FF2B5EF4-FFF2-40B4-BE49-F238E27FC236}">
-                <a16:creationId xmlns:a16="http://schemas.microsoft.com/office/drawing/2014/main" id="{C27E9E67-20BB-4F49-8C21-0439892A6B6A}"/>
+                <a16:creationId xmlns:a16="http://schemas.microsoft.com/office/drawing/2014/main" id="{111C4B75-6080-47DF-AF36-567EED232A87}"/>
               </a:ext>
             </a:extLst>
           </p:cNvPr>
@@ -27161,16 +27017,15 @@
           <a:p>
             <a:r>
               <a:rPr lang="en-US" altLang="zh-CN" dirty="0"/>
-              <a:t>Java Cross-thread Summary</a:t>
-            </a:r>
-            <a:endParaRPr lang="en-US" dirty="0"/>
+              <a:t>Java Cross-process(JVM) Solutions</a:t>
+            </a:r>
           </a:p>
         </p:txBody>
       </p:sp>
     </p:spTree>
     <p:extLst>
       <p:ext uri="{BB962C8B-B14F-4D97-AF65-F5344CB8AC3E}">
-        <p14:creationId xmlns:p14="http://schemas.microsoft.com/office/powerpoint/2010/main" val="861609027"/>
+        <p14:creationId xmlns:p14="http://schemas.microsoft.com/office/powerpoint/2010/main" val="3854684678"/>
       </p:ext>
     </p:extLst>
   </p:cSld>
@@ -27309,126 +27164,6 @@
           <p:cNvPr id="2" name="Content Placeholder 1">
             <a:extLst>
               <a:ext uri="{FF2B5EF4-FFF2-40B4-BE49-F238E27FC236}">
-                <a16:creationId xmlns:a16="http://schemas.microsoft.com/office/drawing/2014/main" id="{FB15E26C-ED7F-449A-BEDD-6AE7C6E73CBA}"/>
-              </a:ext>
-            </a:extLst>
-          </p:cNvPr>
-          <p:cNvSpPr>
-            <a:spLocks noGrp="1"/>
-          </p:cNvSpPr>
-          <p:nvPr>
-            <p:ph sz="quarter" idx="11"/>
-          </p:nvPr>
-        </p:nvSpPr>
-        <p:spPr/>
-        <p:txBody>
-          <a:bodyPr/>
-          <a:lstStyle/>
-          <a:p>
-            <a:r>
-              <a:rPr lang="en-US" altLang="zh-CN" dirty="0"/>
-              <a:t>NIO and</a:t>
-            </a:r>
-            <a:r>
-              <a:rPr lang="en-US" dirty="0"/>
-              <a:t> </a:t>
-            </a:r>
-            <a:r>
-              <a:rPr lang="en-US" dirty="0" err="1"/>
-              <a:t>MappedByteBuffer</a:t>
-            </a:r>
-            <a:r>
-              <a:rPr lang="en-US" dirty="0"/>
-              <a:t>(Java SHM solution)</a:t>
-            </a:r>
-          </a:p>
-          <a:p>
-            <a:r>
-              <a:rPr lang="en-US" altLang="zh-CN" dirty="0"/>
-              <a:t>Using Linux</a:t>
-            </a:r>
-            <a:r>
-              <a:rPr lang="zh-CN" altLang="en-US" dirty="0"/>
-              <a:t> </a:t>
-            </a:r>
-            <a:r>
-              <a:rPr lang="en-US" altLang="zh-CN" dirty="0" err="1"/>
-              <a:t>SystemV</a:t>
-            </a:r>
-            <a:r>
-              <a:rPr lang="en-US" altLang="zh-CN" dirty="0"/>
-              <a:t>-IPC MQ </a:t>
-            </a:r>
-            <a:r>
-              <a:rPr lang="en-US" dirty="0"/>
-              <a:t>through JNA</a:t>
-            </a:r>
-          </a:p>
-        </p:txBody>
-      </p:sp>
-      <p:sp>
-        <p:nvSpPr>
-          <p:cNvPr id="3" name="Title 2">
-            <a:extLst>
-              <a:ext uri="{FF2B5EF4-FFF2-40B4-BE49-F238E27FC236}">
-                <a16:creationId xmlns:a16="http://schemas.microsoft.com/office/drawing/2014/main" id="{111C4B75-6080-47DF-AF36-567EED232A87}"/>
-              </a:ext>
-            </a:extLst>
-          </p:cNvPr>
-          <p:cNvSpPr>
-            <a:spLocks noGrp="1"/>
-          </p:cNvSpPr>
-          <p:nvPr>
-            <p:ph type="title"/>
-          </p:nvPr>
-        </p:nvSpPr>
-        <p:spPr/>
-        <p:txBody>
-          <a:bodyPr/>
-          <a:lstStyle/>
-          <a:p>
-            <a:r>
-              <a:rPr lang="en-US" altLang="zh-CN" dirty="0"/>
-              <a:t>Java Cross-process(JVM) Solutions</a:t>
-            </a:r>
-          </a:p>
-        </p:txBody>
-      </p:sp>
-    </p:spTree>
-    <p:extLst>
-      <p:ext uri="{BB962C8B-B14F-4D97-AF65-F5344CB8AC3E}">
-        <p14:creationId xmlns:p14="http://schemas.microsoft.com/office/powerpoint/2010/main" val="3854684678"/>
-      </p:ext>
-    </p:extLst>
-  </p:cSld>
-  <p:clrMapOvr>
-    <a:masterClrMapping/>
-  </p:clrMapOvr>
-</p:sld>
-</file>
-
-<file path=ppt/slides/slide31.xml><?xml version="1.0" encoding="utf-8"?>
-<p:sld xmlns:a="http://schemas.openxmlformats.org/drawingml/2006/main" xmlns:r="http://schemas.openxmlformats.org/officeDocument/2006/relationships" xmlns:p="http://schemas.openxmlformats.org/presentationml/2006/main">
-  <p:cSld>
-    <p:spTree>
-      <p:nvGrpSpPr>
-        <p:cNvPr id="1" name=""/>
-        <p:cNvGrpSpPr/>
-        <p:nvPr/>
-      </p:nvGrpSpPr>
-      <p:grpSpPr>
-        <a:xfrm>
-          <a:off x="0" y="0"/>
-          <a:ext cx="0" cy="0"/>
-          <a:chOff x="0" y="0"/>
-          <a:chExt cx="0" cy="0"/>
-        </a:xfrm>
-      </p:grpSpPr>
-      <p:sp>
-        <p:nvSpPr>
-          <p:cNvPr id="2" name="Content Placeholder 1">
-            <a:extLst>
-              <a:ext uri="{FF2B5EF4-FFF2-40B4-BE49-F238E27FC236}">
                 <a16:creationId xmlns:a16="http://schemas.microsoft.com/office/drawing/2014/main" id="{565E79B6-1340-4C5B-9D75-18B64A6362C7}"/>
               </a:ext>
             </a:extLst>
@@ -27599,7 +27334,7 @@
 </p:sld>
 </file>
 
-<file path=ppt/slides/slide32.xml><?xml version="1.0" encoding="utf-8"?>
+<file path=ppt/slides/slide31.xml><?xml version="1.0" encoding="utf-8"?>
 <p:sld xmlns:a="http://schemas.openxmlformats.org/drawingml/2006/main" xmlns:r="http://schemas.openxmlformats.org/officeDocument/2006/relationships" xmlns:p="http://schemas.openxmlformats.org/presentationml/2006/main">
   <p:cSld>
     <p:spTree>
@@ -27720,6 +27455,432 @@
 </p:sld>
 </file>
 
+<file path=ppt/slides/slide32.xml><?xml version="1.0" encoding="utf-8"?>
+<p:sld xmlns:a="http://schemas.openxmlformats.org/drawingml/2006/main" xmlns:r="http://schemas.openxmlformats.org/officeDocument/2006/relationships" xmlns:p="http://schemas.openxmlformats.org/presentationml/2006/main">
+  <p:cSld>
+    <p:spTree>
+      <p:nvGrpSpPr>
+        <p:cNvPr id="1" name=""/>
+        <p:cNvGrpSpPr/>
+        <p:nvPr/>
+      </p:nvGrpSpPr>
+      <p:grpSpPr>
+        <a:xfrm>
+          <a:off x="0" y="0"/>
+          <a:ext cx="0" cy="0"/>
+          <a:chOff x="0" y="0"/>
+          <a:chExt cx="0" cy="0"/>
+        </a:xfrm>
+      </p:grpSpPr>
+      <p:sp>
+        <p:nvSpPr>
+          <p:cNvPr id="2" name="Content Placeholder 1">
+            <a:extLst>
+              <a:ext uri="{FF2B5EF4-FFF2-40B4-BE49-F238E27FC236}">
+                <a16:creationId xmlns:a16="http://schemas.microsoft.com/office/drawing/2014/main" id="{9D61956C-BAED-4331-BE85-FD7B1DE04A3F}"/>
+              </a:ext>
+            </a:extLst>
+          </p:cNvPr>
+          <p:cNvSpPr>
+            <a:spLocks noGrp="1"/>
+          </p:cNvSpPr>
+          <p:nvPr>
+            <p:ph sz="quarter" idx="11"/>
+          </p:nvPr>
+        </p:nvSpPr>
+        <p:spPr/>
+        <p:txBody>
+          <a:bodyPr/>
+          <a:lstStyle/>
+          <a:p>
+            <a:r>
+              <a:rPr lang="en-US" altLang="zh-CN" dirty="0" err="1"/>
+              <a:t>Facilites</a:t>
+            </a:r>
+            <a:endParaRPr lang="en-US" dirty="0"/>
+          </a:p>
+          <a:p>
+            <a:pPr lvl="1"/>
+            <a:r>
+              <a:rPr lang="en-US" dirty="0"/>
+              <a:t>System V IPC MQ(Linux System Call)</a:t>
+            </a:r>
+          </a:p>
+          <a:p>
+            <a:pPr lvl="2"/>
+            <a:r>
+              <a:rPr lang="en-US" dirty="0"/>
+              <a:t>int </a:t>
+            </a:r>
+            <a:r>
+              <a:rPr lang="en-US" dirty="0" err="1"/>
+              <a:t>msgget</a:t>
+            </a:r>
+            <a:r>
+              <a:rPr lang="en-US" dirty="0"/>
+              <a:t>(</a:t>
+            </a:r>
+            <a:r>
+              <a:rPr lang="en-US" dirty="0" err="1"/>
+              <a:t>key_t</a:t>
+            </a:r>
+            <a:r>
+              <a:rPr lang="en-US" dirty="0"/>
+              <a:t> key, </a:t>
+            </a:r>
+            <a:r>
+              <a:rPr lang="en-US" b="1" dirty="0"/>
+              <a:t>int</a:t>
+            </a:r>
+            <a:r>
+              <a:rPr lang="en-US" dirty="0"/>
+              <a:t> </a:t>
+            </a:r>
+            <a:r>
+              <a:rPr lang="en-US" dirty="0" err="1"/>
+              <a:t>msgflg</a:t>
+            </a:r>
+            <a:r>
+              <a:rPr lang="en-US" dirty="0"/>
+              <a:t>)</a:t>
+            </a:r>
+          </a:p>
+          <a:p>
+            <a:pPr lvl="2"/>
+            <a:r>
+              <a:rPr lang="en-US" dirty="0"/>
+              <a:t>int </a:t>
+            </a:r>
+            <a:r>
+              <a:rPr lang="en-US" dirty="0" err="1"/>
+              <a:t>msgsnd</a:t>
+            </a:r>
+            <a:r>
+              <a:rPr lang="en-US" dirty="0"/>
+              <a:t>(</a:t>
+            </a:r>
+            <a:r>
+              <a:rPr lang="en-US" b="1" dirty="0"/>
+              <a:t>int</a:t>
+            </a:r>
+            <a:r>
+              <a:rPr lang="en-US" dirty="0"/>
+              <a:t> </a:t>
+            </a:r>
+            <a:r>
+              <a:rPr lang="en-US" dirty="0" err="1"/>
+              <a:t>msqid</a:t>
+            </a:r>
+            <a:r>
+              <a:rPr lang="en-US" dirty="0"/>
+              <a:t>, </a:t>
+            </a:r>
+            <a:r>
+              <a:rPr lang="en-US" b="1" dirty="0"/>
+              <a:t>const</a:t>
+            </a:r>
+            <a:r>
+              <a:rPr lang="en-US" dirty="0"/>
+              <a:t> </a:t>
+            </a:r>
+            <a:r>
+              <a:rPr lang="en-US" b="1" dirty="0"/>
+              <a:t>void</a:t>
+            </a:r>
+            <a:r>
+              <a:rPr lang="en-US" dirty="0"/>
+              <a:t> *</a:t>
+            </a:r>
+            <a:r>
+              <a:rPr lang="en-US" dirty="0" err="1"/>
+              <a:t>msgp</a:t>
+            </a:r>
+            <a:r>
+              <a:rPr lang="en-US" dirty="0"/>
+              <a:t>, </a:t>
+            </a:r>
+            <a:r>
+              <a:rPr lang="en-US" b="1" dirty="0" err="1"/>
+              <a:t>size_t</a:t>
+            </a:r>
+            <a:r>
+              <a:rPr lang="en-US" dirty="0"/>
+              <a:t> </a:t>
+            </a:r>
+            <a:r>
+              <a:rPr lang="en-US" dirty="0" err="1"/>
+              <a:t>msgsz</a:t>
+            </a:r>
+            <a:r>
+              <a:rPr lang="en-US" dirty="0"/>
+              <a:t>, </a:t>
+            </a:r>
+            <a:r>
+              <a:rPr lang="en-US" b="1" dirty="0"/>
+              <a:t>int</a:t>
+            </a:r>
+            <a:r>
+              <a:rPr lang="en-US" dirty="0"/>
+              <a:t> </a:t>
+            </a:r>
+            <a:r>
+              <a:rPr lang="en-US" dirty="0" err="1"/>
+              <a:t>msgflg</a:t>
+            </a:r>
+            <a:r>
+              <a:rPr lang="en-US" dirty="0"/>
+              <a:t>)</a:t>
+            </a:r>
+          </a:p>
+          <a:p>
+            <a:pPr lvl="2"/>
+            <a:r>
+              <a:rPr lang="en-US" dirty="0" err="1"/>
+              <a:t>size_t</a:t>
+            </a:r>
+            <a:r>
+              <a:rPr lang="en-US" dirty="0"/>
+              <a:t> </a:t>
+            </a:r>
+            <a:r>
+              <a:rPr lang="en-US" dirty="0" err="1"/>
+              <a:t>msgrcv</a:t>
+            </a:r>
+            <a:r>
+              <a:rPr lang="en-US" dirty="0"/>
+              <a:t>(</a:t>
+            </a:r>
+            <a:r>
+              <a:rPr lang="en-US" b="1" dirty="0"/>
+              <a:t>int</a:t>
+            </a:r>
+            <a:r>
+              <a:rPr lang="en-US" dirty="0"/>
+              <a:t> </a:t>
+            </a:r>
+            <a:r>
+              <a:rPr lang="en-US" dirty="0" err="1"/>
+              <a:t>msqid</a:t>
+            </a:r>
+            <a:r>
+              <a:rPr lang="en-US" dirty="0"/>
+              <a:t>, </a:t>
+            </a:r>
+            <a:r>
+              <a:rPr lang="en-US" b="1" dirty="0"/>
+              <a:t>void</a:t>
+            </a:r>
+            <a:r>
+              <a:rPr lang="en-US" dirty="0"/>
+              <a:t> *</a:t>
+            </a:r>
+            <a:r>
+              <a:rPr lang="en-US" dirty="0" err="1"/>
+              <a:t>msgp</a:t>
+            </a:r>
+            <a:r>
+              <a:rPr lang="en-US" dirty="0"/>
+              <a:t>, </a:t>
+            </a:r>
+            <a:r>
+              <a:rPr lang="en-US" b="1" dirty="0" err="1"/>
+              <a:t>size_t</a:t>
+            </a:r>
+            <a:r>
+              <a:rPr lang="en-US" dirty="0"/>
+              <a:t> </a:t>
+            </a:r>
+            <a:r>
+              <a:rPr lang="en-US" dirty="0" err="1"/>
+              <a:t>msgsz</a:t>
+            </a:r>
+            <a:r>
+              <a:rPr lang="en-US" dirty="0"/>
+              <a:t>, </a:t>
+            </a:r>
+            <a:r>
+              <a:rPr lang="en-US" b="1" dirty="0"/>
+              <a:t>long</a:t>
+            </a:r>
+            <a:r>
+              <a:rPr lang="en-US" dirty="0"/>
+              <a:t> </a:t>
+            </a:r>
+            <a:r>
+              <a:rPr lang="en-US" dirty="0" err="1"/>
+              <a:t>msgtyp</a:t>
+            </a:r>
+            <a:r>
+              <a:rPr lang="en-US" dirty="0"/>
+              <a:t>, </a:t>
+            </a:r>
+            <a:r>
+              <a:rPr lang="en-US" b="1" dirty="0"/>
+              <a:t>int</a:t>
+            </a:r>
+            <a:r>
+              <a:rPr lang="en-US" dirty="0"/>
+              <a:t> </a:t>
+            </a:r>
+            <a:r>
+              <a:rPr lang="en-US" dirty="0" err="1"/>
+              <a:t>msgflg</a:t>
+            </a:r>
+            <a:r>
+              <a:rPr lang="en-US" dirty="0"/>
+              <a:t>)</a:t>
+            </a:r>
+          </a:p>
+          <a:p>
+            <a:pPr lvl="1"/>
+            <a:r>
+              <a:rPr lang="en-US" dirty="0"/>
+              <a:t>JNA</a:t>
+            </a:r>
+            <a:r>
+              <a:rPr lang="zh-CN" altLang="en-US" dirty="0"/>
+              <a:t> </a:t>
+            </a:r>
+            <a:r>
+              <a:rPr lang="en-US" altLang="zh-CN" dirty="0"/>
+              <a:t>Library</a:t>
+            </a:r>
+          </a:p>
+          <a:p>
+            <a:pPr lvl="2"/>
+            <a:r>
+              <a:rPr lang="en-US" altLang="zh-CN" dirty="0"/>
+              <a:t>Origin from</a:t>
+            </a:r>
+            <a:r>
+              <a:rPr lang="zh-CN" altLang="en-US" dirty="0"/>
+              <a:t> </a:t>
+            </a:r>
+            <a:r>
+              <a:rPr lang="en-US" altLang="zh-CN" dirty="0"/>
+              <a:t>Sun,</a:t>
+            </a:r>
+            <a:r>
+              <a:rPr lang="zh-CN" altLang="en-US" dirty="0"/>
+              <a:t> </a:t>
+            </a:r>
+            <a:r>
+              <a:rPr lang="en-US" altLang="zh-CN" dirty="0"/>
+              <a:t>open source on top of JNI,</a:t>
+            </a:r>
+            <a:r>
+              <a:rPr lang="zh-CN" altLang="en-US" dirty="0"/>
+              <a:t> </a:t>
+            </a:r>
+            <a:r>
+              <a:rPr lang="en-US" altLang="zh-CN" dirty="0"/>
+              <a:t>using in Java side</a:t>
+            </a:r>
+            <a:r>
+              <a:rPr lang="zh-CN" altLang="en-US" dirty="0"/>
+              <a:t>。</a:t>
+            </a:r>
+            <a:endParaRPr lang="en-US" dirty="0"/>
+          </a:p>
+          <a:p>
+            <a:pPr lvl="1"/>
+            <a:endParaRPr lang="en-US" dirty="0"/>
+          </a:p>
+          <a:p>
+            <a:r>
+              <a:rPr lang="en-US" dirty="0"/>
+              <a:t>Solution Description</a:t>
+            </a:r>
+          </a:p>
+          <a:p>
+            <a:pPr lvl="1"/>
+            <a:r>
+              <a:rPr lang="en-US" altLang="zh-CN" dirty="0"/>
+              <a:t>Using </a:t>
+            </a:r>
+            <a:r>
+              <a:rPr lang="en-US" altLang="zh-CN" dirty="0" err="1"/>
+              <a:t>SystemV</a:t>
+            </a:r>
+            <a:r>
+              <a:rPr lang="en-US" altLang="zh-CN" dirty="0"/>
+              <a:t>-IPC Message Queue in Unix/Linux OS</a:t>
+            </a:r>
+          </a:p>
+          <a:p>
+            <a:pPr lvl="1"/>
+            <a:r>
+              <a:rPr lang="en-US" altLang="zh-CN" dirty="0"/>
+              <a:t>Data contained in each message buffer</a:t>
+            </a:r>
+          </a:p>
+          <a:p>
+            <a:pPr lvl="1"/>
+            <a:r>
+              <a:rPr lang="en-US" altLang="zh-CN" dirty="0"/>
+              <a:t>Using internal mechanism in kernel, invisible to application</a:t>
+            </a:r>
+          </a:p>
+        </p:txBody>
+      </p:sp>
+      <p:sp>
+        <p:nvSpPr>
+          <p:cNvPr id="3" name="Title 2">
+            <a:extLst>
+              <a:ext uri="{FF2B5EF4-FFF2-40B4-BE49-F238E27FC236}">
+                <a16:creationId xmlns:a16="http://schemas.microsoft.com/office/drawing/2014/main" id="{52E912D8-589D-4A82-AD97-B783CB56653E}"/>
+              </a:ext>
+            </a:extLst>
+          </p:cNvPr>
+          <p:cNvSpPr>
+            <a:spLocks noGrp="1"/>
+          </p:cNvSpPr>
+          <p:nvPr>
+            <p:ph type="title"/>
+          </p:nvPr>
+        </p:nvSpPr>
+        <p:spPr/>
+        <p:txBody>
+          <a:bodyPr/>
+          <a:lstStyle/>
+          <a:p>
+            <a:r>
+              <a:rPr lang="en-US" altLang="zh-CN" dirty="0"/>
+              <a:t>Using </a:t>
+            </a:r>
+            <a:r>
+              <a:rPr lang="en-US" altLang="zh-CN" dirty="0" err="1"/>
+              <a:t>SystemV</a:t>
+            </a:r>
+            <a:r>
+              <a:rPr lang="en-US" altLang="zh-CN" dirty="0"/>
+              <a:t>-IPC MQ </a:t>
+            </a:r>
+            <a:r>
+              <a:rPr lang="en-US" dirty="0"/>
+              <a:t>through JNA</a:t>
+            </a:r>
+            <a:r>
+              <a:rPr lang="en-US" altLang="zh-CN" dirty="0"/>
+              <a:t> </a:t>
+            </a:r>
+            <a:endParaRPr lang="en-US" dirty="0"/>
+          </a:p>
+        </p:txBody>
+      </p:sp>
+    </p:spTree>
+    <p:extLst>
+      <p:ext uri="{BB962C8B-B14F-4D97-AF65-F5344CB8AC3E}">
+        <p14:creationId xmlns:p14="http://schemas.microsoft.com/office/powerpoint/2010/main" val="2143439043"/>
+      </p:ext>
+    </p:extLst>
+  </p:cSld>
+  <p:clrMapOvr>
+    <a:masterClrMapping/>
+  </p:clrMapOvr>
+</p:sld>
+</file>
+
 <file path=ppt/slides/slide33.xml><?xml version="1.0" encoding="utf-8"?>
 <p:sld xmlns:a="http://schemas.openxmlformats.org/drawingml/2006/main" xmlns:r="http://schemas.openxmlformats.org/officeDocument/2006/relationships" xmlns:p="http://schemas.openxmlformats.org/presentationml/2006/main">
   <p:cSld>
@@ -27742,7 +27903,7 @@
           <p:cNvPr id="2" name="Content Placeholder 1">
             <a:extLst>
               <a:ext uri="{FF2B5EF4-FFF2-40B4-BE49-F238E27FC236}">
-                <a16:creationId xmlns:a16="http://schemas.microsoft.com/office/drawing/2014/main" id="{9D61956C-BAED-4331-BE85-FD7B1DE04A3F}"/>
+                <a16:creationId xmlns:a16="http://schemas.microsoft.com/office/drawing/2014/main" id="{E6235710-7CC0-4F9A-B813-01E41A7B881C}"/>
               </a:ext>
             </a:extLst>
           </p:cNvPr>
@@ -27758,385 +27919,20 @@
           <a:bodyPr/>
           <a:lstStyle/>
           <a:p>
-            <a:r>
-              <a:rPr lang="en-US" altLang="zh-CN" dirty="0" err="1"/>
-              <a:t>Facilites</a:t>
-            </a:r>
-            <a:endParaRPr lang="en-US" dirty="0"/>
-          </a:p>
-          <a:p>
-            <a:pPr lvl="1"/>
-            <a:r>
-              <a:rPr lang="en-US" dirty="0"/>
-              <a:t>System V IPC MQ(Linux System Call)</a:t>
-            </a:r>
-          </a:p>
-          <a:p>
-            <a:pPr lvl="2"/>
-            <a:r>
-              <a:rPr lang="en-US" dirty="0"/>
-              <a:t>int </a:t>
-            </a:r>
-            <a:r>
-              <a:rPr lang="en-US" dirty="0" err="1"/>
-              <a:t>msgget</a:t>
-            </a:r>
-            <a:r>
-              <a:rPr lang="en-US" dirty="0"/>
-              <a:t>(</a:t>
-            </a:r>
-            <a:r>
-              <a:rPr lang="en-US" dirty="0" err="1"/>
-              <a:t>key_t</a:t>
-            </a:r>
-            <a:r>
-              <a:rPr lang="en-US" dirty="0"/>
-              <a:t> key, </a:t>
-            </a:r>
-            <a:r>
-              <a:rPr lang="en-US" b="1" dirty="0"/>
-              <a:t>int</a:t>
-            </a:r>
-            <a:r>
-              <a:rPr lang="en-US" dirty="0"/>
-              <a:t> </a:t>
-            </a:r>
-            <a:r>
-              <a:rPr lang="en-US" dirty="0" err="1"/>
-              <a:t>msgflg</a:t>
-            </a:r>
-            <a:r>
-              <a:rPr lang="en-US" dirty="0"/>
-              <a:t>)</a:t>
-            </a:r>
-          </a:p>
-          <a:p>
-            <a:pPr lvl="2"/>
-            <a:r>
-              <a:rPr lang="en-US" dirty="0"/>
-              <a:t>int </a:t>
-            </a:r>
-            <a:r>
-              <a:rPr lang="en-US" dirty="0" err="1"/>
-              <a:t>msgsnd</a:t>
-            </a:r>
-            <a:r>
-              <a:rPr lang="en-US" dirty="0"/>
-              <a:t>(</a:t>
-            </a:r>
-            <a:r>
-              <a:rPr lang="en-US" b="1" dirty="0"/>
-              <a:t>int</a:t>
-            </a:r>
-            <a:r>
-              <a:rPr lang="en-US" dirty="0"/>
-              <a:t> </a:t>
-            </a:r>
-            <a:r>
-              <a:rPr lang="en-US" dirty="0" err="1"/>
-              <a:t>msqid</a:t>
-            </a:r>
-            <a:r>
-              <a:rPr lang="en-US" dirty="0"/>
-              <a:t>, </a:t>
-            </a:r>
-            <a:r>
-              <a:rPr lang="en-US" b="1" dirty="0"/>
-              <a:t>const</a:t>
-            </a:r>
-            <a:r>
-              <a:rPr lang="en-US" dirty="0"/>
-              <a:t> </a:t>
-            </a:r>
-            <a:r>
-              <a:rPr lang="en-US" b="1" dirty="0"/>
-              <a:t>void</a:t>
-            </a:r>
-            <a:r>
-              <a:rPr lang="en-US" dirty="0"/>
-              <a:t> *</a:t>
-            </a:r>
-            <a:r>
-              <a:rPr lang="en-US" dirty="0" err="1"/>
-              <a:t>msgp</a:t>
-            </a:r>
-            <a:r>
-              <a:rPr lang="en-US" dirty="0"/>
-              <a:t>, </a:t>
-            </a:r>
-            <a:r>
-              <a:rPr lang="en-US" b="1" dirty="0" err="1"/>
-              <a:t>size_t</a:t>
-            </a:r>
-            <a:r>
-              <a:rPr lang="en-US" dirty="0"/>
-              <a:t> </a:t>
-            </a:r>
-            <a:r>
-              <a:rPr lang="en-US" dirty="0" err="1"/>
-              <a:t>msgsz</a:t>
-            </a:r>
-            <a:r>
-              <a:rPr lang="en-US" dirty="0"/>
-              <a:t>, </a:t>
-            </a:r>
-            <a:r>
-              <a:rPr lang="en-US" b="1" dirty="0"/>
-              <a:t>int</a:t>
-            </a:r>
-            <a:r>
-              <a:rPr lang="en-US" dirty="0"/>
-              <a:t> </a:t>
-            </a:r>
-            <a:r>
-              <a:rPr lang="en-US" dirty="0" err="1"/>
-              <a:t>msgflg</a:t>
-            </a:r>
-            <a:r>
-              <a:rPr lang="en-US" dirty="0"/>
-              <a:t>)</a:t>
-            </a:r>
-          </a:p>
-          <a:p>
-            <a:pPr lvl="2"/>
-            <a:r>
-              <a:rPr lang="en-US" dirty="0" err="1"/>
-              <a:t>size_t</a:t>
-            </a:r>
-            <a:r>
-              <a:rPr lang="en-US" dirty="0"/>
-              <a:t> </a:t>
-            </a:r>
-            <a:r>
-              <a:rPr lang="en-US" dirty="0" err="1"/>
-              <a:t>msgrcv</a:t>
-            </a:r>
-            <a:r>
-              <a:rPr lang="en-US" dirty="0"/>
-              <a:t>(</a:t>
-            </a:r>
-            <a:r>
-              <a:rPr lang="en-US" b="1" dirty="0"/>
-              <a:t>int</a:t>
-            </a:r>
-            <a:r>
-              <a:rPr lang="en-US" dirty="0"/>
-              <a:t> </a:t>
-            </a:r>
-            <a:r>
-              <a:rPr lang="en-US" dirty="0" err="1"/>
-              <a:t>msqid</a:t>
-            </a:r>
-            <a:r>
-              <a:rPr lang="en-US" dirty="0"/>
-              <a:t>, </a:t>
-            </a:r>
-            <a:r>
-              <a:rPr lang="en-US" b="1" dirty="0"/>
-              <a:t>void</a:t>
-            </a:r>
-            <a:r>
-              <a:rPr lang="en-US" dirty="0"/>
-              <a:t> *</a:t>
-            </a:r>
-            <a:r>
-              <a:rPr lang="en-US" dirty="0" err="1"/>
-              <a:t>msgp</a:t>
-            </a:r>
-            <a:r>
-              <a:rPr lang="en-US" dirty="0"/>
-              <a:t>, </a:t>
-            </a:r>
-            <a:r>
-              <a:rPr lang="en-US" b="1" dirty="0" err="1"/>
-              <a:t>size_t</a:t>
-            </a:r>
-            <a:r>
-              <a:rPr lang="en-US" dirty="0"/>
-              <a:t> </a:t>
-            </a:r>
-            <a:r>
-              <a:rPr lang="en-US" dirty="0" err="1"/>
-              <a:t>msgsz</a:t>
-            </a:r>
-            <a:r>
-              <a:rPr lang="en-US" dirty="0"/>
-              <a:t>, </a:t>
-            </a:r>
-            <a:r>
-              <a:rPr lang="en-US" b="1" dirty="0"/>
-              <a:t>long</a:t>
-            </a:r>
-            <a:r>
-              <a:rPr lang="en-US" dirty="0"/>
-              <a:t> </a:t>
-            </a:r>
-            <a:r>
-              <a:rPr lang="en-US" dirty="0" err="1"/>
-              <a:t>msgtyp</a:t>
-            </a:r>
-            <a:r>
-              <a:rPr lang="en-US" dirty="0"/>
-              <a:t>, </a:t>
-            </a:r>
-            <a:r>
-              <a:rPr lang="en-US" b="1" dirty="0"/>
-              <a:t>int</a:t>
-            </a:r>
-            <a:r>
-              <a:rPr lang="en-US" dirty="0"/>
-              <a:t> </a:t>
-            </a:r>
-            <a:r>
-              <a:rPr lang="en-US" dirty="0" err="1"/>
-              <a:t>msgflg</a:t>
-            </a:r>
-            <a:r>
-              <a:rPr lang="en-US" dirty="0"/>
-              <a:t>)</a:t>
-            </a:r>
-          </a:p>
-          <a:p>
-            <a:pPr lvl="1"/>
-            <a:r>
-              <a:rPr lang="en-US" dirty="0"/>
-              <a:t>JNA</a:t>
-            </a:r>
-            <a:r>
-              <a:rPr lang="zh-CN" altLang="en-US" dirty="0"/>
-              <a:t> </a:t>
-            </a:r>
-            <a:r>
-              <a:rPr lang="en-US" altLang="zh-CN" dirty="0"/>
-              <a:t>Library</a:t>
-            </a:r>
-          </a:p>
-          <a:p>
-            <a:pPr lvl="2"/>
-            <a:r>
-              <a:rPr lang="en-US" altLang="zh-CN" dirty="0"/>
-              <a:t>Origin from</a:t>
-            </a:r>
-            <a:r>
-              <a:rPr lang="zh-CN" altLang="en-US" dirty="0"/>
-              <a:t> </a:t>
-            </a:r>
-            <a:r>
-              <a:rPr lang="en-US" altLang="zh-CN" dirty="0"/>
-              <a:t>Sun,</a:t>
-            </a:r>
-            <a:r>
-              <a:rPr lang="zh-CN" altLang="en-US" dirty="0"/>
-              <a:t> </a:t>
-            </a:r>
-            <a:r>
-              <a:rPr lang="en-US" altLang="zh-CN" dirty="0"/>
-              <a:t>open source on top of JNI,</a:t>
-            </a:r>
-            <a:r>
-              <a:rPr lang="zh-CN" altLang="en-US" dirty="0"/>
-              <a:t> </a:t>
-            </a:r>
-            <a:r>
-              <a:rPr lang="en-US" altLang="zh-CN" dirty="0"/>
-              <a:t>using in Java side</a:t>
-            </a:r>
-            <a:r>
-              <a:rPr lang="zh-CN" altLang="en-US" dirty="0"/>
-              <a:t>。</a:t>
-            </a:r>
-            <a:endParaRPr lang="en-US" dirty="0"/>
-          </a:p>
-          <a:p>
-            <a:pPr lvl="1"/>
-            <a:endParaRPr lang="en-US" dirty="0"/>
-          </a:p>
-          <a:p>
-            <a:r>
-              <a:rPr lang="en-US" dirty="0"/>
-              <a:t>Solution Description</a:t>
-            </a:r>
-          </a:p>
-          <a:p>
-            <a:pPr lvl="1"/>
-            <a:r>
-              <a:rPr lang="en-US" altLang="zh-CN" dirty="0"/>
-              <a:t>Using </a:t>
-            </a:r>
-            <a:r>
-              <a:rPr lang="en-US" altLang="zh-CN" dirty="0" err="1"/>
-              <a:t>SystemV</a:t>
-            </a:r>
-            <a:r>
-              <a:rPr lang="en-US" altLang="zh-CN" dirty="0"/>
-              <a:t>-IPC Message Queue in Unix/Linux OS</a:t>
-            </a:r>
-          </a:p>
-          <a:p>
-            <a:pPr lvl="1"/>
-            <a:r>
-              <a:rPr lang="en-US" altLang="zh-CN" dirty="0"/>
-              <a:t>Data contained in each message buffer</a:t>
-            </a:r>
-          </a:p>
-          <a:p>
-            <a:pPr lvl="1"/>
-            <a:r>
-              <a:rPr lang="en-US" altLang="zh-CN" dirty="0"/>
-              <a:t>Using internal mechanism in kernel, invisible to application</a:t>
-            </a:r>
-          </a:p>
-        </p:txBody>
-      </p:sp>
-      <p:sp>
-        <p:nvSpPr>
-          <p:cNvPr id="3" name="Title 2">
-            <a:extLst>
-              <a:ext uri="{FF2B5EF4-FFF2-40B4-BE49-F238E27FC236}">
-                <a16:creationId xmlns:a16="http://schemas.microsoft.com/office/drawing/2014/main" id="{52E912D8-589D-4A82-AD97-B783CB56653E}"/>
-              </a:ext>
-            </a:extLst>
-          </p:cNvPr>
-          <p:cNvSpPr>
-            <a:spLocks noGrp="1"/>
-          </p:cNvSpPr>
-          <p:nvPr>
-            <p:ph type="title"/>
-          </p:nvPr>
-        </p:nvSpPr>
-        <p:spPr/>
-        <p:txBody>
-          <a:bodyPr/>
-          <a:lstStyle/>
-          <a:p>
-            <a:r>
-              <a:rPr lang="en-US" altLang="zh-CN" dirty="0"/>
-              <a:t>Using </a:t>
-            </a:r>
-            <a:r>
-              <a:rPr lang="en-US" altLang="zh-CN" dirty="0" err="1"/>
-              <a:t>SystemV</a:t>
-            </a:r>
-            <a:r>
-              <a:rPr lang="en-US" altLang="zh-CN" dirty="0"/>
-              <a:t>-IPC MQ </a:t>
-            </a:r>
-            <a:r>
-              <a:rPr lang="en-US" dirty="0"/>
-              <a:t>through JNA</a:t>
-            </a:r>
-            <a:r>
-              <a:rPr lang="en-US" altLang="zh-CN" dirty="0"/>
-              <a:t> </a:t>
-            </a:r>
-            <a:endParaRPr lang="en-US" dirty="0"/>
+            <a:pPr marL="369888" lvl="1" indent="0" algn="ctr">
+              <a:buNone/>
+            </a:pPr>
+            <a:r>
+              <a:rPr lang="en-US" sz="4800" dirty="0"/>
+              <a:t>Q&amp;A</a:t>
+            </a:r>
           </a:p>
         </p:txBody>
       </p:sp>
     </p:spTree>
     <p:extLst>
       <p:ext uri="{BB962C8B-B14F-4D97-AF65-F5344CB8AC3E}">
-        <p14:creationId xmlns:p14="http://schemas.microsoft.com/office/powerpoint/2010/main" val="2143439043"/>
+        <p14:creationId xmlns:p14="http://schemas.microsoft.com/office/powerpoint/2010/main" val="15922880"/>
       </p:ext>
     </p:extLst>
   </p:cSld>
@@ -28168,7 +27964,7 @@
           <p:cNvPr id="2" name="Content Placeholder 1">
             <a:extLst>
               <a:ext uri="{FF2B5EF4-FFF2-40B4-BE49-F238E27FC236}">
-                <a16:creationId xmlns:a16="http://schemas.microsoft.com/office/drawing/2014/main" id="{E6235710-7CC0-4F9A-B813-01E41A7B881C}"/>
+                <a16:creationId xmlns:a16="http://schemas.microsoft.com/office/drawing/2014/main" id="{8604F35D-3922-409D-9F17-8FEE48277C54}"/>
               </a:ext>
             </a:extLst>
           </p:cNvPr>
@@ -28179,25 +27975,132 @@
             <p:ph sz="quarter" idx="11"/>
           </p:nvPr>
         </p:nvSpPr>
-        <p:spPr/>
+        <p:spPr>
+          <a:xfrm>
+            <a:off x="479424" y="1763395"/>
+            <a:ext cx="9507855" cy="4392612"/>
+          </a:xfrm>
+        </p:spPr>
         <p:txBody>
           <a:bodyPr/>
           <a:lstStyle/>
           <a:p>
-            <a:pPr marL="369888" lvl="1" indent="0" algn="ctr">
+            <a:r>
+              <a:rPr lang="en-US" dirty="0">
+                <a:solidFill>
+                  <a:srgbClr val="00B0F0"/>
+                </a:solidFill>
+              </a:rPr>
+              <a:t>Question C</a:t>
+            </a:r>
+          </a:p>
+          <a:p>
+            <a:pPr lvl="1"/>
+            <a:r>
+              <a:rPr lang="en-US" dirty="0">
+                <a:solidFill>
+                  <a:srgbClr val="00B0F0"/>
+                </a:solidFill>
+              </a:rPr>
+              <a:t>Does the </a:t>
+            </a:r>
+            <a:r>
+              <a:rPr lang="en-US" dirty="0" err="1">
+                <a:solidFill>
+                  <a:srgbClr val="00B0F0"/>
+                </a:solidFill>
+              </a:rPr>
+              <a:t>ReentrantLock</a:t>
+            </a:r>
+            <a:r>
+              <a:rPr lang="en-US" dirty="0">
+                <a:solidFill>
+                  <a:srgbClr val="00B0F0"/>
+                </a:solidFill>
+              </a:rPr>
+              <a:t> has lock upgrade?</a:t>
+            </a:r>
+          </a:p>
+          <a:p>
+            <a:pPr lvl="2"/>
+            <a:r>
+              <a:rPr lang="en-US" dirty="0">
+                <a:solidFill>
+                  <a:srgbClr val="00B0F0"/>
+                </a:solidFill>
+              </a:rPr>
+              <a:t>A. Has</a:t>
+            </a:r>
+          </a:p>
+          <a:p>
+            <a:pPr lvl="2"/>
+            <a:r>
+              <a:rPr lang="en-US" dirty="0">
+                <a:solidFill>
+                  <a:srgbClr val="00B0F0"/>
+                </a:solidFill>
+              </a:rPr>
+              <a:t>B. Has not</a:t>
+            </a:r>
+          </a:p>
+          <a:p>
+            <a:pPr lvl="1"/>
+            <a:endParaRPr lang="en-US" dirty="0">
+              <a:solidFill>
+                <a:srgbClr val="00B0F0"/>
+              </a:solidFill>
+            </a:endParaRPr>
+          </a:p>
+          <a:p>
+            <a:pPr lvl="1"/>
+            <a:endParaRPr lang="en-US" dirty="0">
+              <a:solidFill>
+                <a:srgbClr val="00B0F0"/>
+              </a:solidFill>
+            </a:endParaRPr>
+          </a:p>
+          <a:p>
+            <a:pPr marL="0" indent="0">
               <a:buNone/>
             </a:pPr>
-            <a:r>
-              <a:rPr lang="en-US" sz="4800" dirty="0"/>
-              <a:t>Q&amp;A</a:t>
-            </a:r>
+            <a:endParaRPr lang="en-US" dirty="0"/>
+          </a:p>
+          <a:p>
+            <a:r>
+              <a:rPr lang="en-US" dirty="0" err="1"/>
+              <a:t>Webpoll</a:t>
+            </a:r>
+            <a:endParaRPr lang="en-US" dirty="0"/>
+          </a:p>
+          <a:p>
+            <a:pPr lvl="1"/>
+            <a:r>
+              <a:rPr lang="en-US" dirty="0"/>
+              <a:t>http://webpoll.rnd.ericsson.se/poll.asp?ID=xxx</a:t>
+            </a:r>
+          </a:p>
+          <a:p>
+            <a:pPr lvl="1"/>
+            <a:endParaRPr lang="en-US" dirty="0"/>
+          </a:p>
+          <a:p>
+            <a:pPr lvl="1"/>
+            <a:endParaRPr lang="en-US" dirty="0"/>
+          </a:p>
+          <a:p>
+            <a:pPr lvl="1"/>
+            <a:endParaRPr lang="en-US" dirty="0"/>
+          </a:p>
+          <a:p>
+            <a:pPr lvl="1"/>
+            <a:endParaRPr lang="en-US" dirty="0"/>
           </a:p>
         </p:txBody>
       </p:sp>
     </p:spTree>
     <p:extLst>
       <p:ext uri="{BB962C8B-B14F-4D97-AF65-F5344CB8AC3E}">
-        <p14:creationId xmlns:p14="http://schemas.microsoft.com/office/powerpoint/2010/main" val="15922880"/>
+        <p14:creationId xmlns:p14="http://schemas.microsoft.com/office/powerpoint/2010/main" val="314388654"/>
       </p:ext>
     </p:extLst>
   </p:cSld>

--- a/Producer and Consumer in Java.pptx
+++ b/Producer and Consumer in Java.pptx
@@ -5306,12 +5306,8 @@
               <a:t>pthread</a:t>
             </a:r>
             <a:r>
-              <a:rPr lang="en-US"/>
-              <a:t> mutex : </a:t>
-            </a:r>
-            <a:r>
-              <a:rPr lang="en-US" dirty="0"/>
-              <a:t>https://stackoverflow.com/questions/23908711/linux-pthread-mutex-and-kernel-scheduler</a:t>
+              <a:rPr lang="en-US" dirty="0"/>
+              <a:t> mutex : https://stackoverflow.com/questions/23908711/linux-pthread-mutex-and-kernel-scheduler</a:t>
             </a:r>
           </a:p>
           <a:p>
@@ -26865,7 +26861,15 @@
           <a:p>
             <a:r>
               <a:rPr lang="en-US" dirty="0"/>
-              <a:t>Monitor has a special bias lock mechanism</a:t>
+              <a:t>Monitor has a special bias lock, adaptive </a:t>
+            </a:r>
+            <a:r>
+              <a:rPr lang="en-US" dirty="0" err="1"/>
+              <a:t>spining</a:t>
+            </a:r>
+            <a:r>
+              <a:rPr lang="en-US" dirty="0"/>
+              <a:t> mechanism</a:t>
             </a:r>
           </a:p>
           <a:p>
@@ -28075,9 +28079,12 @@
           <a:p>
             <a:pPr lvl="1"/>
             <a:r>
-              <a:rPr lang="en-US" dirty="0"/>
-              <a:t>http://webpoll.rnd.ericsson.se/poll.asp?ID=xxx</a:t>
-            </a:r>
+              <a:rPr lang="en-US" u="sng" dirty="0">
+                <a:hlinkClick r:id="rId3"/>
+              </a:rPr>
+              <a:t>http://webpoll.rnd.ericsson.se/poll.asp?ID=142841</a:t>
+            </a:r>
+            <a:endParaRPr lang="en-US" dirty="0"/>
           </a:p>
           <a:p>
             <a:pPr lvl="1"/>

--- a/Producer and Consumer in Java.pptx
+++ b/Producer and Consumer in Java.pptx
@@ -28533,7 +28533,7 @@
         </p:blipFill>
         <p:spPr>
           <a:xfrm>
-            <a:off x="415024" y="1392929"/>
+            <a:off x="415024" y="1195387"/>
             <a:ext cx="11229975" cy="4467225"/>
           </a:xfrm>
           <a:prstGeom prst="rect">
@@ -28576,6 +28576,43 @@
               </a:rPr>
               <a:t>Java Thread State Figure </a:t>
             </a:r>
+          </a:p>
+        </p:txBody>
+      </p:sp>
+      <p:sp>
+        <p:nvSpPr>
+          <p:cNvPr id="3" name="Rectangle 2">
+            <a:extLst>
+              <a:ext uri="{FF2B5EF4-FFF2-40B4-BE49-F238E27FC236}">
+                <a16:creationId xmlns:a16="http://schemas.microsoft.com/office/drawing/2014/main" id="{33FD2FFB-26FA-4481-A8AA-4D40B1BD377D}"/>
+              </a:ext>
+            </a:extLst>
+          </p:cNvPr>
+          <p:cNvSpPr/>
+          <p:nvPr/>
+        </p:nvSpPr>
+        <p:spPr>
+          <a:xfrm>
+            <a:off x="548365" y="6066697"/>
+            <a:ext cx="11805285" cy="276999"/>
+          </a:xfrm>
+          <a:prstGeom prst="rect">
+            <a:avLst/>
+          </a:prstGeom>
+        </p:spPr>
+        <p:txBody>
+          <a:bodyPr wrap="square">
+            <a:spAutoFit/>
+          </a:bodyPr>
+          <a:lstStyle/>
+          <a:p>
+            <a:r>
+              <a:rPr lang="en-US" sz="1200" dirty="0">
+                <a:hlinkClick r:id="rId4" action="ppaction://hlinkfile"/>
+              </a:rPr>
+              <a:t>\\bjg.cn.ao.ericsson.se\X$\DUIB_China\XI\XIT\XIT_All\XIT_Java_Instructor_Committee\20180803_Concurrent_Programming_By_Xiaohan_and_Ningning</a:t>
+            </a:r>
+            <a:endParaRPr lang="en-US" sz="1200" dirty="0"/>
           </a:p>
         </p:txBody>
       </p:sp>
